--- a/doc/report1204/report_xinyu_zhang.pptx
+++ b/doc/report1204/report_xinyu_zhang.pptx
@@ -3,31 +3,34 @@
 <p:presentation xmlns:a="http://schemas.openxmlformats.org/drawingml/2006/main" xmlns:p="http://schemas.openxmlformats.org/presentationml/2006/main" xmlns:r="http://schemas.openxmlformats.org/officeDocument/2006/relationships">
   <p:sldMasterIdLst>
     <p:sldMasterId id="2147483648" r:id="rId2"/>
+    <p:sldMasterId id="2147483661" r:id="rId3"/>
+    <p:sldMasterId id="2147483674" r:id="rId4"/>
+    <p:sldMasterId id="2147483687" r:id="rId5"/>
   </p:sldMasterIdLst>
   <p:sldIdLst>
-    <p:sldId id="256" r:id="rId3"/>
-    <p:sldId id="257" r:id="rId4"/>
-    <p:sldId id="258" r:id="rId5"/>
-    <p:sldId id="259" r:id="rId6"/>
-    <p:sldId id="260" r:id="rId7"/>
-    <p:sldId id="261" r:id="rId8"/>
-    <p:sldId id="262" r:id="rId9"/>
-    <p:sldId id="263" r:id="rId10"/>
-    <p:sldId id="264" r:id="rId11"/>
-    <p:sldId id="265" r:id="rId12"/>
-    <p:sldId id="266" r:id="rId13"/>
-    <p:sldId id="267" r:id="rId14"/>
-    <p:sldId id="268" r:id="rId15"/>
-    <p:sldId id="269" r:id="rId16"/>
-    <p:sldId id="270" r:id="rId17"/>
-    <p:sldId id="271" r:id="rId18"/>
-    <p:sldId id="272" r:id="rId19"/>
-    <p:sldId id="273" r:id="rId20"/>
-    <p:sldId id="274" r:id="rId21"/>
-    <p:sldId id="275" r:id="rId22"/>
-    <p:sldId id="276" r:id="rId23"/>
-    <p:sldId id="277" r:id="rId24"/>
-    <p:sldId id="278" r:id="rId25"/>
+    <p:sldId id="256" r:id="rId6"/>
+    <p:sldId id="257" r:id="rId7"/>
+    <p:sldId id="258" r:id="rId8"/>
+    <p:sldId id="259" r:id="rId9"/>
+    <p:sldId id="260" r:id="rId10"/>
+    <p:sldId id="261" r:id="rId11"/>
+    <p:sldId id="262" r:id="rId12"/>
+    <p:sldId id="263" r:id="rId13"/>
+    <p:sldId id="264" r:id="rId14"/>
+    <p:sldId id="265" r:id="rId15"/>
+    <p:sldId id="266" r:id="rId16"/>
+    <p:sldId id="267" r:id="rId17"/>
+    <p:sldId id="268" r:id="rId18"/>
+    <p:sldId id="269" r:id="rId19"/>
+    <p:sldId id="270" r:id="rId20"/>
+    <p:sldId id="271" r:id="rId21"/>
+    <p:sldId id="272" r:id="rId22"/>
+    <p:sldId id="273" r:id="rId23"/>
+    <p:sldId id="274" r:id="rId24"/>
+    <p:sldId id="275" r:id="rId25"/>
+    <p:sldId id="276" r:id="rId26"/>
+    <p:sldId id="277" r:id="rId27"/>
+    <p:sldId id="278" r:id="rId28"/>
   </p:sldIdLst>
   <p:sldSz cx="10080625" cy="7559675"/>
   <p:notesSz cx="7559675" cy="10691812"/>
@@ -75,7 +78,7 @@
       </p:grpSpPr>
       <p:sp>
         <p:nvSpPr>
-          <p:cNvPr id="26" name="PlaceHolder 1"/>
+          <p:cNvPr id="23" name="PlaceHolder 1"/>
           <p:cNvSpPr>
             <a:spLocks noGrp="1"/>
           </p:cNvSpPr>
@@ -86,7 +89,7 @@
         <p:spPr>
           <a:xfrm>
             <a:off x="504000" y="301320"/>
-            <a:ext cx="9071640" cy="1262160"/>
+            <a:ext cx="9071280" cy="1261800"/>
           </a:xfrm>
           <a:prstGeom prst="rect">
             <a:avLst/>
@@ -102,7 +105,7 @@
       </p:sp>
       <p:sp>
         <p:nvSpPr>
-          <p:cNvPr id="27" name="PlaceHolder 2"/>
+          <p:cNvPr id="24" name="PlaceHolder 2"/>
           <p:cNvSpPr>
             <a:spLocks noGrp="1"/>
           </p:cNvSpPr>
@@ -113,7 +116,7 @@
         <p:spPr>
           <a:xfrm>
             <a:off x="504000" y="1769040"/>
-            <a:ext cx="9071640" cy="2091240"/>
+            <a:ext cx="9071280" cy="2090880"/>
           </a:xfrm>
           <a:prstGeom prst="rect">
             <a:avLst/>
@@ -128,7 +131,7 @@
       </p:sp>
       <p:sp>
         <p:nvSpPr>
-          <p:cNvPr id="28" name="PlaceHolder 3"/>
+          <p:cNvPr id="25" name="PlaceHolder 3"/>
           <p:cNvSpPr>
             <a:spLocks noGrp="1"/>
           </p:cNvSpPr>
@@ -138,8 +141,8 @@
         </p:nvSpPr>
         <p:spPr>
           <a:xfrm>
-            <a:off x="504000" y="4059360"/>
-            <a:ext cx="9071640" cy="2091240"/>
+            <a:off x="504000" y="4059000"/>
+            <a:ext cx="9071280" cy="2090880"/>
           </a:xfrm>
           <a:prstGeom prst="rect">
             <a:avLst/>
@@ -176,7 +179,7 @@
       </p:grpSpPr>
       <p:sp>
         <p:nvSpPr>
-          <p:cNvPr id="29" name="PlaceHolder 1"/>
+          <p:cNvPr id="26" name="PlaceHolder 1"/>
           <p:cNvSpPr>
             <a:spLocks noGrp="1"/>
           </p:cNvSpPr>
@@ -187,7 +190,7 @@
         <p:spPr>
           <a:xfrm>
             <a:off x="504000" y="301320"/>
-            <a:ext cx="9071640" cy="1262160"/>
+            <a:ext cx="9071280" cy="1261800"/>
           </a:xfrm>
           <a:prstGeom prst="rect">
             <a:avLst/>
@@ -203,7 +206,7 @@
       </p:sp>
       <p:sp>
         <p:nvSpPr>
-          <p:cNvPr id="30" name="PlaceHolder 2"/>
+          <p:cNvPr id="27" name="PlaceHolder 2"/>
           <p:cNvSpPr>
             <a:spLocks noGrp="1"/>
           </p:cNvSpPr>
@@ -214,7 +217,7 @@
         <p:spPr>
           <a:xfrm>
             <a:off x="504000" y="1769040"/>
-            <a:ext cx="4426920" cy="2091240"/>
+            <a:ext cx="4426560" cy="2090880"/>
           </a:xfrm>
           <a:prstGeom prst="rect">
             <a:avLst/>
@@ -229,7 +232,7 @@
       </p:sp>
       <p:sp>
         <p:nvSpPr>
-          <p:cNvPr id="31" name="PlaceHolder 3"/>
+          <p:cNvPr id="28" name="PlaceHolder 3"/>
           <p:cNvSpPr>
             <a:spLocks noGrp="1"/>
           </p:cNvSpPr>
@@ -239,8 +242,8 @@
         </p:nvSpPr>
         <p:spPr>
           <a:xfrm>
-            <a:off x="5152680" y="1769040"/>
-            <a:ext cx="4426920" cy="2091240"/>
+            <a:off x="5152320" y="1769040"/>
+            <a:ext cx="4426560" cy="2090880"/>
           </a:xfrm>
           <a:prstGeom prst="rect">
             <a:avLst/>
@@ -255,7 +258,7 @@
       </p:sp>
       <p:sp>
         <p:nvSpPr>
-          <p:cNvPr id="32" name="PlaceHolder 4"/>
+          <p:cNvPr id="29" name="PlaceHolder 4"/>
           <p:cNvSpPr>
             <a:spLocks noGrp="1"/>
           </p:cNvSpPr>
@@ -265,8 +268,8 @@
         </p:nvSpPr>
         <p:spPr>
           <a:xfrm>
-            <a:off x="5152680" y="4059360"/>
-            <a:ext cx="4426920" cy="2091240"/>
+            <a:off x="5152320" y="4059000"/>
+            <a:ext cx="4426560" cy="2090880"/>
           </a:xfrm>
           <a:prstGeom prst="rect">
             <a:avLst/>
@@ -281,7 +284,7 @@
       </p:sp>
       <p:sp>
         <p:nvSpPr>
-          <p:cNvPr id="33" name="PlaceHolder 5"/>
+          <p:cNvPr id="30" name="PlaceHolder 5"/>
           <p:cNvSpPr>
             <a:spLocks noGrp="1"/>
           </p:cNvSpPr>
@@ -291,8 +294,8 @@
         </p:nvSpPr>
         <p:spPr>
           <a:xfrm>
-            <a:off x="504000" y="4059360"/>
-            <a:ext cx="4426920" cy="2091240"/>
+            <a:off x="504000" y="4059000"/>
+            <a:ext cx="4426560" cy="2090880"/>
           </a:xfrm>
           <a:prstGeom prst="rect">
             <a:avLst/>
@@ -329,7 +332,7 @@
       </p:grpSpPr>
       <p:sp>
         <p:nvSpPr>
-          <p:cNvPr id="34" name="PlaceHolder 1"/>
+          <p:cNvPr id="31" name="PlaceHolder 1"/>
           <p:cNvSpPr>
             <a:spLocks noGrp="1"/>
           </p:cNvSpPr>
@@ -340,7 +343,7 @@
         <p:spPr>
           <a:xfrm>
             <a:off x="504000" y="301320"/>
-            <a:ext cx="9071640" cy="1262160"/>
+            <a:ext cx="9071280" cy="1261800"/>
           </a:xfrm>
           <a:prstGeom prst="rect">
             <a:avLst/>
@@ -356,7 +359,7 @@
       </p:sp>
       <p:sp>
         <p:nvSpPr>
-          <p:cNvPr id="35" name="PlaceHolder 2"/>
+          <p:cNvPr id="32" name="PlaceHolder 2"/>
           <p:cNvSpPr>
             <a:spLocks noGrp="1"/>
           </p:cNvSpPr>
@@ -367,7 +370,7 @@
         <p:spPr>
           <a:xfrm>
             <a:off x="504000" y="1769040"/>
-            <a:ext cx="9071640" cy="4384440"/>
+            <a:ext cx="9071280" cy="4384080"/>
           </a:xfrm>
           <a:prstGeom prst="rect">
             <a:avLst/>
@@ -382,7 +385,7 @@
       </p:sp>
       <p:sp>
         <p:nvSpPr>
-          <p:cNvPr id="36" name="PlaceHolder 3"/>
+          <p:cNvPr id="33" name="PlaceHolder 3"/>
           <p:cNvSpPr>
             <a:spLocks noGrp="1"/>
           </p:cNvSpPr>
@@ -393,7 +396,7 @@
         <p:spPr>
           <a:xfrm>
             <a:off x="504000" y="1769040"/>
-            <a:ext cx="9071640" cy="4384440"/>
+            <a:ext cx="9071280" cy="4384080"/>
           </a:xfrm>
           <a:prstGeom prst="rect">
             <a:avLst/>
@@ -408,7 +411,7 @@
       </p:sp>
       <p:pic>
         <p:nvPicPr>
-          <p:cNvPr id="37" name="" descr=""/>
+          <p:cNvPr id="34" name="" descr=""/>
           <p:cNvPicPr/>
           <p:nvPr/>
         </p:nvPicPr>
@@ -418,8 +421,8 @@
         </p:blipFill>
         <p:spPr>
           <a:xfrm>
-            <a:off x="2292120" y="1768680"/>
-            <a:ext cx="5495040" cy="4384440"/>
+            <a:off x="2292120" y="1769040"/>
+            <a:ext cx="5494680" cy="4384080"/>
           </a:xfrm>
           <a:prstGeom prst="rect">
             <a:avLst/>
@@ -431,7 +434,7 @@
       </p:pic>
       <p:pic>
         <p:nvPicPr>
-          <p:cNvPr id="38" name="" descr=""/>
+          <p:cNvPr id="35" name="" descr=""/>
           <p:cNvPicPr/>
           <p:nvPr/>
         </p:nvPicPr>
@@ -441,8 +444,8 @@
         </p:blipFill>
         <p:spPr>
           <a:xfrm>
-            <a:off x="2292120" y="1768680"/>
-            <a:ext cx="5495040" cy="4384440"/>
+            <a:off x="2292120" y="1769040"/>
+            <a:ext cx="5494680" cy="4384080"/>
           </a:xfrm>
           <a:prstGeom prst="rect">
             <a:avLst/>
@@ -452,6 +455,505 @@
           </a:ln>
         </p:spPr>
       </p:pic>
+    </p:spTree>
+  </p:cSld>
+</p:sldLayout>
+</file>
+
+<file path=ppt/slideLayouts/slideLayout13.xml><?xml version="1.0" encoding="utf-8"?>
+<p:sldLayout xmlns:a="http://schemas.openxmlformats.org/drawingml/2006/main" xmlns:p="http://schemas.openxmlformats.org/presentationml/2006/main" xmlns:r="http://schemas.openxmlformats.org/officeDocument/2006/relationships" type="blank" preserve="1">
+  <p:cSld name="Blank Slide">
+    <p:spTree>
+      <p:nvGrpSpPr>
+        <p:cNvPr id="1" name=""/>
+        <p:cNvGrpSpPr/>
+        <p:nvPr/>
+      </p:nvGrpSpPr>
+      <p:grpSpPr>
+        <a:xfrm>
+          <a:off x="0" y="0"/>
+          <a:ext cx="0" cy="0"/>
+          <a:chOff x="0" y="0"/>
+          <a:chExt cx="0" cy="0"/>
+        </a:xfrm>
+      </p:grpSpPr>
+    </p:spTree>
+  </p:cSld>
+</p:sldLayout>
+</file>
+
+<file path=ppt/slideLayouts/slideLayout14.xml><?xml version="1.0" encoding="utf-8"?>
+<p:sldLayout xmlns:a="http://schemas.openxmlformats.org/drawingml/2006/main" xmlns:p="http://schemas.openxmlformats.org/presentationml/2006/main" xmlns:r="http://schemas.openxmlformats.org/officeDocument/2006/relationships" type="tx" preserve="1">
+  <p:cSld name="Title Slide">
+    <p:spTree>
+      <p:nvGrpSpPr>
+        <p:cNvPr id="1" name=""/>
+        <p:cNvGrpSpPr/>
+        <p:nvPr/>
+      </p:nvGrpSpPr>
+      <p:grpSpPr>
+        <a:xfrm>
+          <a:off x="0" y="0"/>
+          <a:ext cx="0" cy="0"/>
+          <a:chOff x="0" y="0"/>
+          <a:chExt cx="0" cy="0"/>
+        </a:xfrm>
+      </p:grpSpPr>
+      <p:sp>
+        <p:nvSpPr>
+          <p:cNvPr id="38" name="PlaceHolder 1"/>
+          <p:cNvSpPr>
+            <a:spLocks noGrp="1"/>
+          </p:cNvSpPr>
+          <p:nvPr>
+            <p:ph type="title"/>
+          </p:nvPr>
+        </p:nvSpPr>
+        <p:spPr>
+          <a:xfrm>
+            <a:off x="504000" y="301320"/>
+            <a:ext cx="9071280" cy="1261800"/>
+          </a:xfrm>
+          <a:prstGeom prst="rect">
+            <a:avLst/>
+          </a:prstGeom>
+        </p:spPr>
+        <p:txBody>
+          <a:bodyPr lIns="0" rIns="0" tIns="0" bIns="0" anchor="ctr"/>
+          <a:p>
+            <a:pPr algn="ctr"/>
+            <a:endParaRPr/>
+          </a:p>
+        </p:txBody>
+      </p:sp>
+      <p:sp>
+        <p:nvSpPr>
+          <p:cNvPr id="39" name="PlaceHolder 2"/>
+          <p:cNvSpPr>
+            <a:spLocks noGrp="1"/>
+          </p:cNvSpPr>
+          <p:nvPr>
+            <p:ph type="subTitle"/>
+          </p:nvPr>
+        </p:nvSpPr>
+        <p:spPr>
+          <a:xfrm>
+            <a:off x="504000" y="1769040"/>
+            <a:ext cx="9071280" cy="4384080"/>
+          </a:xfrm>
+          <a:prstGeom prst="rect">
+            <a:avLst/>
+          </a:prstGeom>
+        </p:spPr>
+        <p:txBody>
+          <a:bodyPr lIns="0" rIns="0" tIns="0" bIns="0" anchor="ctr"/>
+          <a:p>
+            <a:pPr algn="ctr"/>
+            <a:endParaRPr/>
+          </a:p>
+        </p:txBody>
+      </p:sp>
+    </p:spTree>
+  </p:cSld>
+</p:sldLayout>
+</file>
+
+<file path=ppt/slideLayouts/slideLayout15.xml><?xml version="1.0" encoding="utf-8"?>
+<p:sldLayout xmlns:a="http://schemas.openxmlformats.org/drawingml/2006/main" xmlns:p="http://schemas.openxmlformats.org/presentationml/2006/main" xmlns:r="http://schemas.openxmlformats.org/officeDocument/2006/relationships" type="obj" preserve="1">
+  <p:cSld name="Title, Content">
+    <p:spTree>
+      <p:nvGrpSpPr>
+        <p:cNvPr id="1" name=""/>
+        <p:cNvGrpSpPr/>
+        <p:nvPr/>
+      </p:nvGrpSpPr>
+      <p:grpSpPr>
+        <a:xfrm>
+          <a:off x="0" y="0"/>
+          <a:ext cx="0" cy="0"/>
+          <a:chOff x="0" y="0"/>
+          <a:chExt cx="0" cy="0"/>
+        </a:xfrm>
+      </p:grpSpPr>
+      <p:sp>
+        <p:nvSpPr>
+          <p:cNvPr id="40" name="PlaceHolder 1"/>
+          <p:cNvSpPr>
+            <a:spLocks noGrp="1"/>
+          </p:cNvSpPr>
+          <p:nvPr>
+            <p:ph type="title"/>
+          </p:nvPr>
+        </p:nvSpPr>
+        <p:spPr>
+          <a:xfrm>
+            <a:off x="504000" y="301320"/>
+            <a:ext cx="9071280" cy="1261800"/>
+          </a:xfrm>
+          <a:prstGeom prst="rect">
+            <a:avLst/>
+          </a:prstGeom>
+        </p:spPr>
+        <p:txBody>
+          <a:bodyPr lIns="0" rIns="0" tIns="0" bIns="0" anchor="ctr"/>
+          <a:p>
+            <a:pPr algn="ctr"/>
+            <a:endParaRPr/>
+          </a:p>
+        </p:txBody>
+      </p:sp>
+      <p:sp>
+        <p:nvSpPr>
+          <p:cNvPr id="41" name="PlaceHolder 2"/>
+          <p:cNvSpPr>
+            <a:spLocks noGrp="1"/>
+          </p:cNvSpPr>
+          <p:nvPr>
+            <p:ph type="body"/>
+          </p:nvPr>
+        </p:nvSpPr>
+        <p:spPr>
+          <a:xfrm>
+            <a:off x="504000" y="1769040"/>
+            <a:ext cx="9071280" cy="4384080"/>
+          </a:xfrm>
+          <a:prstGeom prst="rect">
+            <a:avLst/>
+          </a:prstGeom>
+        </p:spPr>
+        <p:txBody>
+          <a:bodyPr lIns="0" rIns="0" tIns="0" bIns="0"/>
+          <a:p>
+            <a:endParaRPr/>
+          </a:p>
+        </p:txBody>
+      </p:sp>
+    </p:spTree>
+  </p:cSld>
+</p:sldLayout>
+</file>
+
+<file path=ppt/slideLayouts/slideLayout16.xml><?xml version="1.0" encoding="utf-8"?>
+<p:sldLayout xmlns:a="http://schemas.openxmlformats.org/drawingml/2006/main" xmlns:p="http://schemas.openxmlformats.org/presentationml/2006/main" xmlns:r="http://schemas.openxmlformats.org/officeDocument/2006/relationships" type="twoObj" preserve="1">
+  <p:cSld name="Title, 2 Content">
+    <p:spTree>
+      <p:nvGrpSpPr>
+        <p:cNvPr id="1" name=""/>
+        <p:cNvGrpSpPr/>
+        <p:nvPr/>
+      </p:nvGrpSpPr>
+      <p:grpSpPr>
+        <a:xfrm>
+          <a:off x="0" y="0"/>
+          <a:ext cx="0" cy="0"/>
+          <a:chOff x="0" y="0"/>
+          <a:chExt cx="0" cy="0"/>
+        </a:xfrm>
+      </p:grpSpPr>
+      <p:sp>
+        <p:nvSpPr>
+          <p:cNvPr id="42" name="PlaceHolder 1"/>
+          <p:cNvSpPr>
+            <a:spLocks noGrp="1"/>
+          </p:cNvSpPr>
+          <p:nvPr>
+            <p:ph type="title"/>
+          </p:nvPr>
+        </p:nvSpPr>
+        <p:spPr>
+          <a:xfrm>
+            <a:off x="504000" y="301320"/>
+            <a:ext cx="9071280" cy="1261800"/>
+          </a:xfrm>
+          <a:prstGeom prst="rect">
+            <a:avLst/>
+          </a:prstGeom>
+        </p:spPr>
+        <p:txBody>
+          <a:bodyPr lIns="0" rIns="0" tIns="0" bIns="0" anchor="ctr"/>
+          <a:p>
+            <a:pPr algn="ctr"/>
+            <a:endParaRPr/>
+          </a:p>
+        </p:txBody>
+      </p:sp>
+      <p:sp>
+        <p:nvSpPr>
+          <p:cNvPr id="43" name="PlaceHolder 2"/>
+          <p:cNvSpPr>
+            <a:spLocks noGrp="1"/>
+          </p:cNvSpPr>
+          <p:nvPr>
+            <p:ph type="body"/>
+          </p:nvPr>
+        </p:nvSpPr>
+        <p:spPr>
+          <a:xfrm>
+            <a:off x="504000" y="1769040"/>
+            <a:ext cx="4426560" cy="4384080"/>
+          </a:xfrm>
+          <a:prstGeom prst="rect">
+            <a:avLst/>
+          </a:prstGeom>
+        </p:spPr>
+        <p:txBody>
+          <a:bodyPr lIns="0" rIns="0" tIns="0" bIns="0"/>
+          <a:p>
+            <a:endParaRPr/>
+          </a:p>
+        </p:txBody>
+      </p:sp>
+      <p:sp>
+        <p:nvSpPr>
+          <p:cNvPr id="44" name="PlaceHolder 3"/>
+          <p:cNvSpPr>
+            <a:spLocks noGrp="1"/>
+          </p:cNvSpPr>
+          <p:nvPr>
+            <p:ph type="body"/>
+          </p:nvPr>
+        </p:nvSpPr>
+        <p:spPr>
+          <a:xfrm>
+            <a:off x="5152320" y="1769040"/>
+            <a:ext cx="4426560" cy="4384080"/>
+          </a:xfrm>
+          <a:prstGeom prst="rect">
+            <a:avLst/>
+          </a:prstGeom>
+        </p:spPr>
+        <p:txBody>
+          <a:bodyPr lIns="0" rIns="0" tIns="0" bIns="0"/>
+          <a:p>
+            <a:endParaRPr/>
+          </a:p>
+        </p:txBody>
+      </p:sp>
+    </p:spTree>
+  </p:cSld>
+</p:sldLayout>
+</file>
+
+<file path=ppt/slideLayouts/slideLayout17.xml><?xml version="1.0" encoding="utf-8"?>
+<p:sldLayout xmlns:a="http://schemas.openxmlformats.org/drawingml/2006/main" xmlns:p="http://schemas.openxmlformats.org/presentationml/2006/main" xmlns:r="http://schemas.openxmlformats.org/officeDocument/2006/relationships" type="titleOnly" preserve="1">
+  <p:cSld name="Title Only">
+    <p:spTree>
+      <p:nvGrpSpPr>
+        <p:cNvPr id="1" name=""/>
+        <p:cNvGrpSpPr/>
+        <p:nvPr/>
+      </p:nvGrpSpPr>
+      <p:grpSpPr>
+        <a:xfrm>
+          <a:off x="0" y="0"/>
+          <a:ext cx="0" cy="0"/>
+          <a:chOff x="0" y="0"/>
+          <a:chExt cx="0" cy="0"/>
+        </a:xfrm>
+      </p:grpSpPr>
+      <p:sp>
+        <p:nvSpPr>
+          <p:cNvPr id="45" name="PlaceHolder 1"/>
+          <p:cNvSpPr>
+            <a:spLocks noGrp="1"/>
+          </p:cNvSpPr>
+          <p:nvPr>
+            <p:ph type="title"/>
+          </p:nvPr>
+        </p:nvSpPr>
+        <p:spPr>
+          <a:xfrm>
+            <a:off x="504000" y="301320"/>
+            <a:ext cx="9071280" cy="1261800"/>
+          </a:xfrm>
+          <a:prstGeom prst="rect">
+            <a:avLst/>
+          </a:prstGeom>
+        </p:spPr>
+        <p:txBody>
+          <a:bodyPr lIns="0" rIns="0" tIns="0" bIns="0" anchor="ctr"/>
+          <a:p>
+            <a:pPr algn="ctr"/>
+            <a:endParaRPr/>
+          </a:p>
+        </p:txBody>
+      </p:sp>
+    </p:spTree>
+  </p:cSld>
+</p:sldLayout>
+</file>
+
+<file path=ppt/slideLayouts/slideLayout18.xml><?xml version="1.0" encoding="utf-8"?>
+<p:sldLayout xmlns:a="http://schemas.openxmlformats.org/drawingml/2006/main" xmlns:p="http://schemas.openxmlformats.org/presentationml/2006/main" xmlns:r="http://schemas.openxmlformats.org/officeDocument/2006/relationships" type="objOnly" preserve="1">
+  <p:cSld name="Centered Text">
+    <p:spTree>
+      <p:nvGrpSpPr>
+        <p:cNvPr id="1" name=""/>
+        <p:cNvGrpSpPr/>
+        <p:nvPr/>
+      </p:nvGrpSpPr>
+      <p:grpSpPr>
+        <a:xfrm>
+          <a:off x="0" y="0"/>
+          <a:ext cx="0" cy="0"/>
+          <a:chOff x="0" y="0"/>
+          <a:chExt cx="0" cy="0"/>
+        </a:xfrm>
+      </p:grpSpPr>
+      <p:sp>
+        <p:nvSpPr>
+          <p:cNvPr id="46" name="PlaceHolder 1"/>
+          <p:cNvSpPr>
+            <a:spLocks noGrp="1"/>
+          </p:cNvSpPr>
+          <p:nvPr>
+            <p:ph type="subTitle"/>
+          </p:nvPr>
+        </p:nvSpPr>
+        <p:spPr>
+          <a:xfrm>
+            <a:off x="504000" y="301320"/>
+            <a:ext cx="9071280" cy="5850360"/>
+          </a:xfrm>
+          <a:prstGeom prst="rect">
+            <a:avLst/>
+          </a:prstGeom>
+        </p:spPr>
+        <p:txBody>
+          <a:bodyPr lIns="0" rIns="0" tIns="0" bIns="0" anchor="ctr"/>
+          <a:p>
+            <a:pPr algn="ctr"/>
+            <a:endParaRPr/>
+          </a:p>
+        </p:txBody>
+      </p:sp>
+    </p:spTree>
+  </p:cSld>
+</p:sldLayout>
+</file>
+
+<file path=ppt/slideLayouts/slideLayout19.xml><?xml version="1.0" encoding="utf-8"?>
+<p:sldLayout xmlns:a="http://schemas.openxmlformats.org/drawingml/2006/main" xmlns:p="http://schemas.openxmlformats.org/presentationml/2006/main" xmlns:r="http://schemas.openxmlformats.org/officeDocument/2006/relationships" type="twoObjAndObj" preserve="1">
+  <p:cSld name="Title, 2 Content and Content">
+    <p:spTree>
+      <p:nvGrpSpPr>
+        <p:cNvPr id="1" name=""/>
+        <p:cNvGrpSpPr/>
+        <p:nvPr/>
+      </p:nvGrpSpPr>
+      <p:grpSpPr>
+        <a:xfrm>
+          <a:off x="0" y="0"/>
+          <a:ext cx="0" cy="0"/>
+          <a:chOff x="0" y="0"/>
+          <a:chExt cx="0" cy="0"/>
+        </a:xfrm>
+      </p:grpSpPr>
+      <p:sp>
+        <p:nvSpPr>
+          <p:cNvPr id="47" name="PlaceHolder 1"/>
+          <p:cNvSpPr>
+            <a:spLocks noGrp="1"/>
+          </p:cNvSpPr>
+          <p:nvPr>
+            <p:ph type="title"/>
+          </p:nvPr>
+        </p:nvSpPr>
+        <p:spPr>
+          <a:xfrm>
+            <a:off x="504000" y="301320"/>
+            <a:ext cx="9071280" cy="1261800"/>
+          </a:xfrm>
+          <a:prstGeom prst="rect">
+            <a:avLst/>
+          </a:prstGeom>
+        </p:spPr>
+        <p:txBody>
+          <a:bodyPr lIns="0" rIns="0" tIns="0" bIns="0" anchor="ctr"/>
+          <a:p>
+            <a:pPr algn="ctr"/>
+            <a:endParaRPr/>
+          </a:p>
+        </p:txBody>
+      </p:sp>
+      <p:sp>
+        <p:nvSpPr>
+          <p:cNvPr id="48" name="PlaceHolder 2"/>
+          <p:cNvSpPr>
+            <a:spLocks noGrp="1"/>
+          </p:cNvSpPr>
+          <p:nvPr>
+            <p:ph type="body"/>
+          </p:nvPr>
+        </p:nvSpPr>
+        <p:spPr>
+          <a:xfrm>
+            <a:off x="504000" y="1769040"/>
+            <a:ext cx="4426560" cy="2090880"/>
+          </a:xfrm>
+          <a:prstGeom prst="rect">
+            <a:avLst/>
+          </a:prstGeom>
+        </p:spPr>
+        <p:txBody>
+          <a:bodyPr lIns="0" rIns="0" tIns="0" bIns="0"/>
+          <a:p>
+            <a:endParaRPr/>
+          </a:p>
+        </p:txBody>
+      </p:sp>
+      <p:sp>
+        <p:nvSpPr>
+          <p:cNvPr id="49" name="PlaceHolder 3"/>
+          <p:cNvSpPr>
+            <a:spLocks noGrp="1"/>
+          </p:cNvSpPr>
+          <p:nvPr>
+            <p:ph type="body"/>
+          </p:nvPr>
+        </p:nvSpPr>
+        <p:spPr>
+          <a:xfrm>
+            <a:off x="504000" y="4059000"/>
+            <a:ext cx="4426560" cy="2090880"/>
+          </a:xfrm>
+          <a:prstGeom prst="rect">
+            <a:avLst/>
+          </a:prstGeom>
+        </p:spPr>
+        <p:txBody>
+          <a:bodyPr lIns="0" rIns="0" tIns="0" bIns="0"/>
+          <a:p>
+            <a:endParaRPr/>
+          </a:p>
+        </p:txBody>
+      </p:sp>
+      <p:sp>
+        <p:nvSpPr>
+          <p:cNvPr id="50" name="PlaceHolder 4"/>
+          <p:cNvSpPr>
+            <a:spLocks noGrp="1"/>
+          </p:cNvSpPr>
+          <p:nvPr>
+            <p:ph type="body"/>
+          </p:nvPr>
+        </p:nvSpPr>
+        <p:spPr>
+          <a:xfrm>
+            <a:off x="5152320" y="1769040"/>
+            <a:ext cx="4426560" cy="4384080"/>
+          </a:xfrm>
+          <a:prstGeom prst="rect">
+            <a:avLst/>
+          </a:prstGeom>
+        </p:spPr>
+        <p:txBody>
+          <a:bodyPr lIns="0" rIns="0" tIns="0" bIns="0"/>
+          <a:p>
+            <a:endParaRPr/>
+          </a:p>
+        </p:txBody>
+      </p:sp>
     </p:spTree>
   </p:cSld>
 </p:sldLayout>
@@ -476,7 +978,7 @@
       </p:grpSpPr>
       <p:sp>
         <p:nvSpPr>
-          <p:cNvPr id="5" name="PlaceHolder 1"/>
+          <p:cNvPr id="2" name="PlaceHolder 1"/>
           <p:cNvSpPr>
             <a:spLocks noGrp="1"/>
           </p:cNvSpPr>
@@ -487,7 +989,7 @@
         <p:spPr>
           <a:xfrm>
             <a:off x="504000" y="301320"/>
-            <a:ext cx="9071640" cy="1262160"/>
+            <a:ext cx="9071280" cy="1261800"/>
           </a:xfrm>
           <a:prstGeom prst="rect">
             <a:avLst/>
@@ -503,7 +1005,7 @@
       </p:sp>
       <p:sp>
         <p:nvSpPr>
-          <p:cNvPr id="6" name="PlaceHolder 2"/>
+          <p:cNvPr id="3" name="PlaceHolder 2"/>
           <p:cNvSpPr>
             <a:spLocks noGrp="1"/>
           </p:cNvSpPr>
@@ -514,7 +1016,985 @@
         <p:spPr>
           <a:xfrm>
             <a:off x="504000" y="1769040"/>
-            <a:ext cx="9071640" cy="4384440"/>
+            <a:ext cx="9071280" cy="4384080"/>
+          </a:xfrm>
+          <a:prstGeom prst="rect">
+            <a:avLst/>
+          </a:prstGeom>
+        </p:spPr>
+        <p:txBody>
+          <a:bodyPr lIns="0" rIns="0" tIns="0" bIns="0" anchor="ctr"/>
+          <a:p>
+            <a:pPr algn="ctr"/>
+            <a:endParaRPr/>
+          </a:p>
+        </p:txBody>
+      </p:sp>
+    </p:spTree>
+  </p:cSld>
+</p:sldLayout>
+</file>
+
+<file path=ppt/slideLayouts/slideLayout20.xml><?xml version="1.0" encoding="utf-8"?>
+<p:sldLayout xmlns:a="http://schemas.openxmlformats.org/drawingml/2006/main" xmlns:p="http://schemas.openxmlformats.org/presentationml/2006/main" xmlns:r="http://schemas.openxmlformats.org/officeDocument/2006/relationships" type="objAndTwoObj" preserve="1">
+  <p:cSld name="Title Content and 2 Content">
+    <p:spTree>
+      <p:nvGrpSpPr>
+        <p:cNvPr id="1" name=""/>
+        <p:cNvGrpSpPr/>
+        <p:nvPr/>
+      </p:nvGrpSpPr>
+      <p:grpSpPr>
+        <a:xfrm>
+          <a:off x="0" y="0"/>
+          <a:ext cx="0" cy="0"/>
+          <a:chOff x="0" y="0"/>
+          <a:chExt cx="0" cy="0"/>
+        </a:xfrm>
+      </p:grpSpPr>
+      <p:sp>
+        <p:nvSpPr>
+          <p:cNvPr id="51" name="PlaceHolder 1"/>
+          <p:cNvSpPr>
+            <a:spLocks noGrp="1"/>
+          </p:cNvSpPr>
+          <p:nvPr>
+            <p:ph type="title"/>
+          </p:nvPr>
+        </p:nvSpPr>
+        <p:spPr>
+          <a:xfrm>
+            <a:off x="504000" y="301320"/>
+            <a:ext cx="9071280" cy="1261800"/>
+          </a:xfrm>
+          <a:prstGeom prst="rect">
+            <a:avLst/>
+          </a:prstGeom>
+        </p:spPr>
+        <p:txBody>
+          <a:bodyPr lIns="0" rIns="0" tIns="0" bIns="0" anchor="ctr"/>
+          <a:p>
+            <a:pPr algn="ctr"/>
+            <a:endParaRPr/>
+          </a:p>
+        </p:txBody>
+      </p:sp>
+      <p:sp>
+        <p:nvSpPr>
+          <p:cNvPr id="52" name="PlaceHolder 2"/>
+          <p:cNvSpPr>
+            <a:spLocks noGrp="1"/>
+          </p:cNvSpPr>
+          <p:nvPr>
+            <p:ph type="body"/>
+          </p:nvPr>
+        </p:nvSpPr>
+        <p:spPr>
+          <a:xfrm>
+            <a:off x="504000" y="1769040"/>
+            <a:ext cx="4426560" cy="4384080"/>
+          </a:xfrm>
+          <a:prstGeom prst="rect">
+            <a:avLst/>
+          </a:prstGeom>
+        </p:spPr>
+        <p:txBody>
+          <a:bodyPr lIns="0" rIns="0" tIns="0" bIns="0"/>
+          <a:p>
+            <a:endParaRPr/>
+          </a:p>
+        </p:txBody>
+      </p:sp>
+      <p:sp>
+        <p:nvSpPr>
+          <p:cNvPr id="53" name="PlaceHolder 3"/>
+          <p:cNvSpPr>
+            <a:spLocks noGrp="1"/>
+          </p:cNvSpPr>
+          <p:nvPr>
+            <p:ph type="body"/>
+          </p:nvPr>
+        </p:nvSpPr>
+        <p:spPr>
+          <a:xfrm>
+            <a:off x="5152320" y="1769040"/>
+            <a:ext cx="4426560" cy="2090880"/>
+          </a:xfrm>
+          <a:prstGeom prst="rect">
+            <a:avLst/>
+          </a:prstGeom>
+        </p:spPr>
+        <p:txBody>
+          <a:bodyPr lIns="0" rIns="0" tIns="0" bIns="0"/>
+          <a:p>
+            <a:endParaRPr/>
+          </a:p>
+        </p:txBody>
+      </p:sp>
+      <p:sp>
+        <p:nvSpPr>
+          <p:cNvPr id="54" name="PlaceHolder 4"/>
+          <p:cNvSpPr>
+            <a:spLocks noGrp="1"/>
+          </p:cNvSpPr>
+          <p:nvPr>
+            <p:ph type="body"/>
+          </p:nvPr>
+        </p:nvSpPr>
+        <p:spPr>
+          <a:xfrm>
+            <a:off x="5152320" y="4059000"/>
+            <a:ext cx="4426560" cy="2090880"/>
+          </a:xfrm>
+          <a:prstGeom prst="rect">
+            <a:avLst/>
+          </a:prstGeom>
+        </p:spPr>
+        <p:txBody>
+          <a:bodyPr lIns="0" rIns="0" tIns="0" bIns="0"/>
+          <a:p>
+            <a:endParaRPr/>
+          </a:p>
+        </p:txBody>
+      </p:sp>
+    </p:spTree>
+  </p:cSld>
+</p:sldLayout>
+</file>
+
+<file path=ppt/slideLayouts/slideLayout21.xml><?xml version="1.0" encoding="utf-8"?>
+<p:sldLayout xmlns:a="http://schemas.openxmlformats.org/drawingml/2006/main" xmlns:p="http://schemas.openxmlformats.org/presentationml/2006/main" xmlns:r="http://schemas.openxmlformats.org/officeDocument/2006/relationships" type="twoObjOverTx" preserve="1">
+  <p:cSld name="Title, 2 Content over Content">
+    <p:spTree>
+      <p:nvGrpSpPr>
+        <p:cNvPr id="1" name=""/>
+        <p:cNvGrpSpPr/>
+        <p:nvPr/>
+      </p:nvGrpSpPr>
+      <p:grpSpPr>
+        <a:xfrm>
+          <a:off x="0" y="0"/>
+          <a:ext cx="0" cy="0"/>
+          <a:chOff x="0" y="0"/>
+          <a:chExt cx="0" cy="0"/>
+        </a:xfrm>
+      </p:grpSpPr>
+      <p:sp>
+        <p:nvSpPr>
+          <p:cNvPr id="55" name="PlaceHolder 1"/>
+          <p:cNvSpPr>
+            <a:spLocks noGrp="1"/>
+          </p:cNvSpPr>
+          <p:nvPr>
+            <p:ph type="title"/>
+          </p:nvPr>
+        </p:nvSpPr>
+        <p:spPr>
+          <a:xfrm>
+            <a:off x="504000" y="301320"/>
+            <a:ext cx="9071280" cy="1261800"/>
+          </a:xfrm>
+          <a:prstGeom prst="rect">
+            <a:avLst/>
+          </a:prstGeom>
+        </p:spPr>
+        <p:txBody>
+          <a:bodyPr lIns="0" rIns="0" tIns="0" bIns="0" anchor="ctr"/>
+          <a:p>
+            <a:pPr algn="ctr"/>
+            <a:endParaRPr/>
+          </a:p>
+        </p:txBody>
+      </p:sp>
+      <p:sp>
+        <p:nvSpPr>
+          <p:cNvPr id="56" name="PlaceHolder 2"/>
+          <p:cNvSpPr>
+            <a:spLocks noGrp="1"/>
+          </p:cNvSpPr>
+          <p:nvPr>
+            <p:ph type="body"/>
+          </p:nvPr>
+        </p:nvSpPr>
+        <p:spPr>
+          <a:xfrm>
+            <a:off x="504000" y="1769040"/>
+            <a:ext cx="4426560" cy="2090880"/>
+          </a:xfrm>
+          <a:prstGeom prst="rect">
+            <a:avLst/>
+          </a:prstGeom>
+        </p:spPr>
+        <p:txBody>
+          <a:bodyPr lIns="0" rIns="0" tIns="0" bIns="0"/>
+          <a:p>
+            <a:endParaRPr/>
+          </a:p>
+        </p:txBody>
+      </p:sp>
+      <p:sp>
+        <p:nvSpPr>
+          <p:cNvPr id="57" name="PlaceHolder 3"/>
+          <p:cNvSpPr>
+            <a:spLocks noGrp="1"/>
+          </p:cNvSpPr>
+          <p:nvPr>
+            <p:ph type="body"/>
+          </p:nvPr>
+        </p:nvSpPr>
+        <p:spPr>
+          <a:xfrm>
+            <a:off x="5152320" y="1769040"/>
+            <a:ext cx="4426560" cy="2090880"/>
+          </a:xfrm>
+          <a:prstGeom prst="rect">
+            <a:avLst/>
+          </a:prstGeom>
+        </p:spPr>
+        <p:txBody>
+          <a:bodyPr lIns="0" rIns="0" tIns="0" bIns="0"/>
+          <a:p>
+            <a:endParaRPr/>
+          </a:p>
+        </p:txBody>
+      </p:sp>
+      <p:sp>
+        <p:nvSpPr>
+          <p:cNvPr id="58" name="PlaceHolder 4"/>
+          <p:cNvSpPr>
+            <a:spLocks noGrp="1"/>
+          </p:cNvSpPr>
+          <p:nvPr>
+            <p:ph type="body"/>
+          </p:nvPr>
+        </p:nvSpPr>
+        <p:spPr>
+          <a:xfrm>
+            <a:off x="504000" y="4059000"/>
+            <a:ext cx="9071280" cy="2090880"/>
+          </a:xfrm>
+          <a:prstGeom prst="rect">
+            <a:avLst/>
+          </a:prstGeom>
+        </p:spPr>
+        <p:txBody>
+          <a:bodyPr lIns="0" rIns="0" tIns="0" bIns="0"/>
+          <a:p>
+            <a:endParaRPr/>
+          </a:p>
+        </p:txBody>
+      </p:sp>
+    </p:spTree>
+  </p:cSld>
+</p:sldLayout>
+</file>
+
+<file path=ppt/slideLayouts/slideLayout22.xml><?xml version="1.0" encoding="utf-8"?>
+<p:sldLayout xmlns:a="http://schemas.openxmlformats.org/drawingml/2006/main" xmlns:p="http://schemas.openxmlformats.org/presentationml/2006/main" xmlns:r="http://schemas.openxmlformats.org/officeDocument/2006/relationships" type="objOverTx" preserve="1">
+  <p:cSld name="Title, Content over Content">
+    <p:spTree>
+      <p:nvGrpSpPr>
+        <p:cNvPr id="1" name=""/>
+        <p:cNvGrpSpPr/>
+        <p:nvPr/>
+      </p:nvGrpSpPr>
+      <p:grpSpPr>
+        <a:xfrm>
+          <a:off x="0" y="0"/>
+          <a:ext cx="0" cy="0"/>
+          <a:chOff x="0" y="0"/>
+          <a:chExt cx="0" cy="0"/>
+        </a:xfrm>
+      </p:grpSpPr>
+      <p:sp>
+        <p:nvSpPr>
+          <p:cNvPr id="59" name="PlaceHolder 1"/>
+          <p:cNvSpPr>
+            <a:spLocks noGrp="1"/>
+          </p:cNvSpPr>
+          <p:nvPr>
+            <p:ph type="title"/>
+          </p:nvPr>
+        </p:nvSpPr>
+        <p:spPr>
+          <a:xfrm>
+            <a:off x="504000" y="301320"/>
+            <a:ext cx="9071280" cy="1261800"/>
+          </a:xfrm>
+          <a:prstGeom prst="rect">
+            <a:avLst/>
+          </a:prstGeom>
+        </p:spPr>
+        <p:txBody>
+          <a:bodyPr lIns="0" rIns="0" tIns="0" bIns="0" anchor="ctr"/>
+          <a:p>
+            <a:pPr algn="ctr"/>
+            <a:endParaRPr/>
+          </a:p>
+        </p:txBody>
+      </p:sp>
+      <p:sp>
+        <p:nvSpPr>
+          <p:cNvPr id="60" name="PlaceHolder 2"/>
+          <p:cNvSpPr>
+            <a:spLocks noGrp="1"/>
+          </p:cNvSpPr>
+          <p:nvPr>
+            <p:ph type="body"/>
+          </p:nvPr>
+        </p:nvSpPr>
+        <p:spPr>
+          <a:xfrm>
+            <a:off x="504000" y="1769040"/>
+            <a:ext cx="9071280" cy="2090880"/>
+          </a:xfrm>
+          <a:prstGeom prst="rect">
+            <a:avLst/>
+          </a:prstGeom>
+        </p:spPr>
+        <p:txBody>
+          <a:bodyPr lIns="0" rIns="0" tIns="0" bIns="0"/>
+          <a:p>
+            <a:endParaRPr/>
+          </a:p>
+        </p:txBody>
+      </p:sp>
+      <p:sp>
+        <p:nvSpPr>
+          <p:cNvPr id="61" name="PlaceHolder 3"/>
+          <p:cNvSpPr>
+            <a:spLocks noGrp="1"/>
+          </p:cNvSpPr>
+          <p:nvPr>
+            <p:ph type="body"/>
+          </p:nvPr>
+        </p:nvSpPr>
+        <p:spPr>
+          <a:xfrm>
+            <a:off x="504000" y="4059000"/>
+            <a:ext cx="9071280" cy="2090880"/>
+          </a:xfrm>
+          <a:prstGeom prst="rect">
+            <a:avLst/>
+          </a:prstGeom>
+        </p:spPr>
+        <p:txBody>
+          <a:bodyPr lIns="0" rIns="0" tIns="0" bIns="0"/>
+          <a:p>
+            <a:endParaRPr/>
+          </a:p>
+        </p:txBody>
+      </p:sp>
+    </p:spTree>
+  </p:cSld>
+</p:sldLayout>
+</file>
+
+<file path=ppt/slideLayouts/slideLayout23.xml><?xml version="1.0" encoding="utf-8"?>
+<p:sldLayout xmlns:a="http://schemas.openxmlformats.org/drawingml/2006/main" xmlns:p="http://schemas.openxmlformats.org/presentationml/2006/main" xmlns:r="http://schemas.openxmlformats.org/officeDocument/2006/relationships" type="fourObj" preserve="1">
+  <p:cSld name="Title, 4 Content">
+    <p:spTree>
+      <p:nvGrpSpPr>
+        <p:cNvPr id="1" name=""/>
+        <p:cNvGrpSpPr/>
+        <p:nvPr/>
+      </p:nvGrpSpPr>
+      <p:grpSpPr>
+        <a:xfrm>
+          <a:off x="0" y="0"/>
+          <a:ext cx="0" cy="0"/>
+          <a:chOff x="0" y="0"/>
+          <a:chExt cx="0" cy="0"/>
+        </a:xfrm>
+      </p:grpSpPr>
+      <p:sp>
+        <p:nvSpPr>
+          <p:cNvPr id="62" name="PlaceHolder 1"/>
+          <p:cNvSpPr>
+            <a:spLocks noGrp="1"/>
+          </p:cNvSpPr>
+          <p:nvPr>
+            <p:ph type="title"/>
+          </p:nvPr>
+        </p:nvSpPr>
+        <p:spPr>
+          <a:xfrm>
+            <a:off x="504000" y="301320"/>
+            <a:ext cx="9071280" cy="1261800"/>
+          </a:xfrm>
+          <a:prstGeom prst="rect">
+            <a:avLst/>
+          </a:prstGeom>
+        </p:spPr>
+        <p:txBody>
+          <a:bodyPr lIns="0" rIns="0" tIns="0" bIns="0" anchor="ctr"/>
+          <a:p>
+            <a:pPr algn="ctr"/>
+            <a:endParaRPr/>
+          </a:p>
+        </p:txBody>
+      </p:sp>
+      <p:sp>
+        <p:nvSpPr>
+          <p:cNvPr id="63" name="PlaceHolder 2"/>
+          <p:cNvSpPr>
+            <a:spLocks noGrp="1"/>
+          </p:cNvSpPr>
+          <p:nvPr>
+            <p:ph type="body"/>
+          </p:nvPr>
+        </p:nvSpPr>
+        <p:spPr>
+          <a:xfrm>
+            <a:off x="504000" y="1769040"/>
+            <a:ext cx="4426560" cy="2090880"/>
+          </a:xfrm>
+          <a:prstGeom prst="rect">
+            <a:avLst/>
+          </a:prstGeom>
+        </p:spPr>
+        <p:txBody>
+          <a:bodyPr lIns="0" rIns="0" tIns="0" bIns="0"/>
+          <a:p>
+            <a:endParaRPr/>
+          </a:p>
+        </p:txBody>
+      </p:sp>
+      <p:sp>
+        <p:nvSpPr>
+          <p:cNvPr id="64" name="PlaceHolder 3"/>
+          <p:cNvSpPr>
+            <a:spLocks noGrp="1"/>
+          </p:cNvSpPr>
+          <p:nvPr>
+            <p:ph type="body"/>
+          </p:nvPr>
+        </p:nvSpPr>
+        <p:spPr>
+          <a:xfrm>
+            <a:off x="5152320" y="1769040"/>
+            <a:ext cx="4426560" cy="2090880"/>
+          </a:xfrm>
+          <a:prstGeom prst="rect">
+            <a:avLst/>
+          </a:prstGeom>
+        </p:spPr>
+        <p:txBody>
+          <a:bodyPr lIns="0" rIns="0" tIns="0" bIns="0"/>
+          <a:p>
+            <a:endParaRPr/>
+          </a:p>
+        </p:txBody>
+      </p:sp>
+      <p:sp>
+        <p:nvSpPr>
+          <p:cNvPr id="65" name="PlaceHolder 4"/>
+          <p:cNvSpPr>
+            <a:spLocks noGrp="1"/>
+          </p:cNvSpPr>
+          <p:nvPr>
+            <p:ph type="body"/>
+          </p:nvPr>
+        </p:nvSpPr>
+        <p:spPr>
+          <a:xfrm>
+            <a:off x="5152320" y="4059000"/>
+            <a:ext cx="4426560" cy="2090880"/>
+          </a:xfrm>
+          <a:prstGeom prst="rect">
+            <a:avLst/>
+          </a:prstGeom>
+        </p:spPr>
+        <p:txBody>
+          <a:bodyPr lIns="0" rIns="0" tIns="0" bIns="0"/>
+          <a:p>
+            <a:endParaRPr/>
+          </a:p>
+        </p:txBody>
+      </p:sp>
+      <p:sp>
+        <p:nvSpPr>
+          <p:cNvPr id="66" name="PlaceHolder 5"/>
+          <p:cNvSpPr>
+            <a:spLocks noGrp="1"/>
+          </p:cNvSpPr>
+          <p:nvPr>
+            <p:ph type="body"/>
+          </p:nvPr>
+        </p:nvSpPr>
+        <p:spPr>
+          <a:xfrm>
+            <a:off x="504000" y="4059000"/>
+            <a:ext cx="4426560" cy="2090880"/>
+          </a:xfrm>
+          <a:prstGeom prst="rect">
+            <a:avLst/>
+          </a:prstGeom>
+        </p:spPr>
+        <p:txBody>
+          <a:bodyPr lIns="0" rIns="0" tIns="0" bIns="0"/>
+          <a:p>
+            <a:endParaRPr/>
+          </a:p>
+        </p:txBody>
+      </p:sp>
+    </p:spTree>
+  </p:cSld>
+</p:sldLayout>
+</file>
+
+<file path=ppt/slideLayouts/slideLayout24.xml><?xml version="1.0" encoding="utf-8"?>
+<p:sldLayout xmlns:a="http://schemas.openxmlformats.org/drawingml/2006/main" xmlns:p="http://schemas.openxmlformats.org/presentationml/2006/main" xmlns:r="http://schemas.openxmlformats.org/officeDocument/2006/relationships" type="blank" preserve="1">
+  <p:cSld name="Title, 6 Content">
+    <p:spTree>
+      <p:nvGrpSpPr>
+        <p:cNvPr id="1" name=""/>
+        <p:cNvGrpSpPr/>
+        <p:nvPr/>
+      </p:nvGrpSpPr>
+      <p:grpSpPr>
+        <a:xfrm>
+          <a:off x="0" y="0"/>
+          <a:ext cx="0" cy="0"/>
+          <a:chOff x="0" y="0"/>
+          <a:chExt cx="0" cy="0"/>
+        </a:xfrm>
+      </p:grpSpPr>
+      <p:sp>
+        <p:nvSpPr>
+          <p:cNvPr id="67" name="PlaceHolder 1"/>
+          <p:cNvSpPr>
+            <a:spLocks noGrp="1"/>
+          </p:cNvSpPr>
+          <p:nvPr>
+            <p:ph type="title"/>
+          </p:nvPr>
+        </p:nvSpPr>
+        <p:spPr>
+          <a:xfrm>
+            <a:off x="504000" y="301320"/>
+            <a:ext cx="9071280" cy="1261800"/>
+          </a:xfrm>
+          <a:prstGeom prst="rect">
+            <a:avLst/>
+          </a:prstGeom>
+        </p:spPr>
+        <p:txBody>
+          <a:bodyPr lIns="0" rIns="0" tIns="0" bIns="0" anchor="ctr"/>
+          <a:p>
+            <a:pPr algn="ctr"/>
+            <a:endParaRPr/>
+          </a:p>
+        </p:txBody>
+      </p:sp>
+      <p:sp>
+        <p:nvSpPr>
+          <p:cNvPr id="68" name="PlaceHolder 2"/>
+          <p:cNvSpPr>
+            <a:spLocks noGrp="1"/>
+          </p:cNvSpPr>
+          <p:nvPr>
+            <p:ph type="body"/>
+          </p:nvPr>
+        </p:nvSpPr>
+        <p:spPr>
+          <a:xfrm>
+            <a:off x="504000" y="1769040"/>
+            <a:ext cx="9071280" cy="4384080"/>
+          </a:xfrm>
+          <a:prstGeom prst="rect">
+            <a:avLst/>
+          </a:prstGeom>
+        </p:spPr>
+        <p:txBody>
+          <a:bodyPr lIns="0" rIns="0" tIns="0" bIns="0"/>
+          <a:p>
+            <a:endParaRPr/>
+          </a:p>
+        </p:txBody>
+      </p:sp>
+      <p:sp>
+        <p:nvSpPr>
+          <p:cNvPr id="69" name="PlaceHolder 3"/>
+          <p:cNvSpPr>
+            <a:spLocks noGrp="1"/>
+          </p:cNvSpPr>
+          <p:nvPr>
+            <p:ph type="body"/>
+          </p:nvPr>
+        </p:nvSpPr>
+        <p:spPr>
+          <a:xfrm>
+            <a:off x="504000" y="1769040"/>
+            <a:ext cx="9071280" cy="4384080"/>
+          </a:xfrm>
+          <a:prstGeom prst="rect">
+            <a:avLst/>
+          </a:prstGeom>
+        </p:spPr>
+        <p:txBody>
+          <a:bodyPr lIns="0" rIns="0" tIns="0" bIns="0"/>
+          <a:p>
+            <a:endParaRPr/>
+          </a:p>
+        </p:txBody>
+      </p:sp>
+      <p:pic>
+        <p:nvPicPr>
+          <p:cNvPr id="70" name="" descr=""/>
+          <p:cNvPicPr/>
+          <p:nvPr/>
+        </p:nvPicPr>
+        <p:blipFill>
+          <a:blip r:embed="rId2"/>
+          <a:stretch/>
+        </p:blipFill>
+        <p:spPr>
+          <a:xfrm>
+            <a:off x="2292120" y="1769040"/>
+            <a:ext cx="5494680" cy="4384080"/>
+          </a:xfrm>
+          <a:prstGeom prst="rect">
+            <a:avLst/>
+          </a:prstGeom>
+          <a:ln>
+            <a:noFill/>
+          </a:ln>
+        </p:spPr>
+      </p:pic>
+      <p:pic>
+        <p:nvPicPr>
+          <p:cNvPr id="71" name="" descr=""/>
+          <p:cNvPicPr/>
+          <p:nvPr/>
+        </p:nvPicPr>
+        <p:blipFill>
+          <a:blip r:embed="rId3"/>
+          <a:stretch/>
+        </p:blipFill>
+        <p:spPr>
+          <a:xfrm>
+            <a:off x="2292120" y="1769040"/>
+            <a:ext cx="5494680" cy="4384080"/>
+          </a:xfrm>
+          <a:prstGeom prst="rect">
+            <a:avLst/>
+          </a:prstGeom>
+          <a:ln>
+            <a:noFill/>
+          </a:ln>
+        </p:spPr>
+      </p:pic>
+    </p:spTree>
+  </p:cSld>
+</p:sldLayout>
+</file>
+
+<file path=ppt/slideLayouts/slideLayout25.xml><?xml version="1.0" encoding="utf-8"?>
+<p:sldLayout xmlns:a="http://schemas.openxmlformats.org/drawingml/2006/main" xmlns:p="http://schemas.openxmlformats.org/presentationml/2006/main" xmlns:r="http://schemas.openxmlformats.org/officeDocument/2006/relationships" type="blank" preserve="1">
+  <p:cSld name="Blank Slide">
+    <p:spTree>
+      <p:nvGrpSpPr>
+        <p:cNvPr id="1" name=""/>
+        <p:cNvGrpSpPr/>
+        <p:nvPr/>
+      </p:nvGrpSpPr>
+      <p:grpSpPr>
+        <a:xfrm>
+          <a:off x="0" y="0"/>
+          <a:ext cx="0" cy="0"/>
+          <a:chOff x="0" y="0"/>
+          <a:chExt cx="0" cy="0"/>
+        </a:xfrm>
+      </p:grpSpPr>
+    </p:spTree>
+  </p:cSld>
+</p:sldLayout>
+</file>
+
+<file path=ppt/slideLayouts/slideLayout26.xml><?xml version="1.0" encoding="utf-8"?>
+<p:sldLayout xmlns:a="http://schemas.openxmlformats.org/drawingml/2006/main" xmlns:p="http://schemas.openxmlformats.org/presentationml/2006/main" xmlns:r="http://schemas.openxmlformats.org/officeDocument/2006/relationships" type="tx" preserve="1">
+  <p:cSld name="Title Slide">
+    <p:spTree>
+      <p:nvGrpSpPr>
+        <p:cNvPr id="1" name=""/>
+        <p:cNvGrpSpPr/>
+        <p:nvPr/>
+      </p:nvGrpSpPr>
+      <p:grpSpPr>
+        <a:xfrm>
+          <a:off x="0" y="0"/>
+          <a:ext cx="0" cy="0"/>
+          <a:chOff x="0" y="0"/>
+          <a:chExt cx="0" cy="0"/>
+        </a:xfrm>
+      </p:grpSpPr>
+      <p:sp>
+        <p:nvSpPr>
+          <p:cNvPr id="75" name="PlaceHolder 1"/>
+          <p:cNvSpPr>
+            <a:spLocks noGrp="1"/>
+          </p:cNvSpPr>
+          <p:nvPr>
+            <p:ph type="title"/>
+          </p:nvPr>
+        </p:nvSpPr>
+        <p:spPr>
+          <a:xfrm>
+            <a:off x="504000" y="301320"/>
+            <a:ext cx="9071280" cy="1261800"/>
+          </a:xfrm>
+          <a:prstGeom prst="rect">
+            <a:avLst/>
+          </a:prstGeom>
+        </p:spPr>
+        <p:txBody>
+          <a:bodyPr lIns="0" rIns="0" tIns="0" bIns="0" anchor="ctr"/>
+          <a:p>
+            <a:pPr algn="ctr"/>
+            <a:endParaRPr/>
+          </a:p>
+        </p:txBody>
+      </p:sp>
+      <p:sp>
+        <p:nvSpPr>
+          <p:cNvPr id="76" name="PlaceHolder 2"/>
+          <p:cNvSpPr>
+            <a:spLocks noGrp="1"/>
+          </p:cNvSpPr>
+          <p:nvPr>
+            <p:ph type="subTitle"/>
+          </p:nvPr>
+        </p:nvSpPr>
+        <p:spPr>
+          <a:xfrm>
+            <a:off x="504000" y="1769040"/>
+            <a:ext cx="9071280" cy="4384080"/>
+          </a:xfrm>
+          <a:prstGeom prst="rect">
+            <a:avLst/>
+          </a:prstGeom>
+        </p:spPr>
+        <p:txBody>
+          <a:bodyPr lIns="0" rIns="0" tIns="0" bIns="0" anchor="ctr"/>
+          <a:p>
+            <a:pPr algn="ctr"/>
+            <a:endParaRPr/>
+          </a:p>
+        </p:txBody>
+      </p:sp>
+    </p:spTree>
+  </p:cSld>
+</p:sldLayout>
+</file>
+
+<file path=ppt/slideLayouts/slideLayout27.xml><?xml version="1.0" encoding="utf-8"?>
+<p:sldLayout xmlns:a="http://schemas.openxmlformats.org/drawingml/2006/main" xmlns:p="http://schemas.openxmlformats.org/presentationml/2006/main" xmlns:r="http://schemas.openxmlformats.org/officeDocument/2006/relationships" type="obj" preserve="1">
+  <p:cSld name="Title, Content">
+    <p:spTree>
+      <p:nvGrpSpPr>
+        <p:cNvPr id="1" name=""/>
+        <p:cNvGrpSpPr/>
+        <p:nvPr/>
+      </p:nvGrpSpPr>
+      <p:grpSpPr>
+        <a:xfrm>
+          <a:off x="0" y="0"/>
+          <a:ext cx="0" cy="0"/>
+          <a:chOff x="0" y="0"/>
+          <a:chExt cx="0" cy="0"/>
+        </a:xfrm>
+      </p:grpSpPr>
+      <p:sp>
+        <p:nvSpPr>
+          <p:cNvPr id="77" name="PlaceHolder 1"/>
+          <p:cNvSpPr>
+            <a:spLocks noGrp="1"/>
+          </p:cNvSpPr>
+          <p:nvPr>
+            <p:ph type="title"/>
+          </p:nvPr>
+        </p:nvSpPr>
+        <p:spPr>
+          <a:xfrm>
+            <a:off x="504000" y="301320"/>
+            <a:ext cx="9071280" cy="1261800"/>
+          </a:xfrm>
+          <a:prstGeom prst="rect">
+            <a:avLst/>
+          </a:prstGeom>
+        </p:spPr>
+        <p:txBody>
+          <a:bodyPr lIns="0" rIns="0" tIns="0" bIns="0" anchor="ctr"/>
+          <a:p>
+            <a:pPr algn="ctr"/>
+            <a:endParaRPr/>
+          </a:p>
+        </p:txBody>
+      </p:sp>
+      <p:sp>
+        <p:nvSpPr>
+          <p:cNvPr id="78" name="PlaceHolder 2"/>
+          <p:cNvSpPr>
+            <a:spLocks noGrp="1"/>
+          </p:cNvSpPr>
+          <p:nvPr>
+            <p:ph type="body"/>
+          </p:nvPr>
+        </p:nvSpPr>
+        <p:spPr>
+          <a:xfrm>
+            <a:off x="504000" y="1769040"/>
+            <a:ext cx="9071280" cy="4384080"/>
+          </a:xfrm>
+          <a:prstGeom prst="rect">
+            <a:avLst/>
+          </a:prstGeom>
+        </p:spPr>
+        <p:txBody>
+          <a:bodyPr lIns="0" rIns="0" tIns="0" bIns="0"/>
+          <a:p>
+            <a:endParaRPr/>
+          </a:p>
+        </p:txBody>
+      </p:sp>
+    </p:spTree>
+  </p:cSld>
+</p:sldLayout>
+</file>
+
+<file path=ppt/slideLayouts/slideLayout28.xml><?xml version="1.0" encoding="utf-8"?>
+<p:sldLayout xmlns:a="http://schemas.openxmlformats.org/drawingml/2006/main" xmlns:p="http://schemas.openxmlformats.org/presentationml/2006/main" xmlns:r="http://schemas.openxmlformats.org/officeDocument/2006/relationships" type="twoObj" preserve="1">
+  <p:cSld name="Title, 2 Content">
+    <p:spTree>
+      <p:nvGrpSpPr>
+        <p:cNvPr id="1" name=""/>
+        <p:cNvGrpSpPr/>
+        <p:nvPr/>
+      </p:nvGrpSpPr>
+      <p:grpSpPr>
+        <a:xfrm>
+          <a:off x="0" y="0"/>
+          <a:ext cx="0" cy="0"/>
+          <a:chOff x="0" y="0"/>
+          <a:chExt cx="0" cy="0"/>
+        </a:xfrm>
+      </p:grpSpPr>
+      <p:sp>
+        <p:nvSpPr>
+          <p:cNvPr id="79" name="PlaceHolder 1"/>
+          <p:cNvSpPr>
+            <a:spLocks noGrp="1"/>
+          </p:cNvSpPr>
+          <p:nvPr>
+            <p:ph type="title"/>
+          </p:nvPr>
+        </p:nvSpPr>
+        <p:spPr>
+          <a:xfrm>
+            <a:off x="504000" y="301320"/>
+            <a:ext cx="9071280" cy="1261800"/>
+          </a:xfrm>
+          <a:prstGeom prst="rect">
+            <a:avLst/>
+          </a:prstGeom>
+        </p:spPr>
+        <p:txBody>
+          <a:bodyPr lIns="0" rIns="0" tIns="0" bIns="0" anchor="ctr"/>
+          <a:p>
+            <a:pPr algn="ctr"/>
+            <a:endParaRPr/>
+          </a:p>
+        </p:txBody>
+      </p:sp>
+      <p:sp>
+        <p:nvSpPr>
+          <p:cNvPr id="80" name="PlaceHolder 2"/>
+          <p:cNvSpPr>
+            <a:spLocks noGrp="1"/>
+          </p:cNvSpPr>
+          <p:nvPr>
+            <p:ph type="body"/>
+          </p:nvPr>
+        </p:nvSpPr>
+        <p:spPr>
+          <a:xfrm>
+            <a:off x="504000" y="1769040"/>
+            <a:ext cx="4426560" cy="4384080"/>
+          </a:xfrm>
+          <a:prstGeom prst="rect">
+            <a:avLst/>
+          </a:prstGeom>
+        </p:spPr>
+        <p:txBody>
+          <a:bodyPr lIns="0" rIns="0" tIns="0" bIns="0"/>
+          <a:p>
+            <a:endParaRPr/>
+          </a:p>
+        </p:txBody>
+      </p:sp>
+      <p:sp>
+        <p:nvSpPr>
+          <p:cNvPr id="81" name="PlaceHolder 3"/>
+          <p:cNvSpPr>
+            <a:spLocks noGrp="1"/>
+          </p:cNvSpPr>
+          <p:nvPr>
+            <p:ph type="body"/>
+          </p:nvPr>
+        </p:nvSpPr>
+        <p:spPr>
+          <a:xfrm>
+            <a:off x="5152320" y="1769040"/>
+            <a:ext cx="4426560" cy="4384080"/>
+          </a:xfrm>
+          <a:prstGeom prst="rect">
+            <a:avLst/>
+          </a:prstGeom>
+        </p:spPr>
+        <p:txBody>
+          <a:bodyPr lIns="0" rIns="0" tIns="0" bIns="0"/>
+          <a:p>
+            <a:endParaRPr/>
+          </a:p>
+        </p:txBody>
+      </p:sp>
+    </p:spTree>
+  </p:cSld>
+</p:sldLayout>
+</file>
+
+<file path=ppt/slideLayouts/slideLayout29.xml><?xml version="1.0" encoding="utf-8"?>
+<p:sldLayout xmlns:a="http://schemas.openxmlformats.org/drawingml/2006/main" xmlns:p="http://schemas.openxmlformats.org/presentationml/2006/main" xmlns:r="http://schemas.openxmlformats.org/officeDocument/2006/relationships" type="titleOnly" preserve="1">
+  <p:cSld name="Title Only">
+    <p:spTree>
+      <p:nvGrpSpPr>
+        <p:cNvPr id="1" name=""/>
+        <p:cNvGrpSpPr/>
+        <p:nvPr/>
+      </p:nvGrpSpPr>
+      <p:grpSpPr>
+        <a:xfrm>
+          <a:off x="0" y="0"/>
+          <a:ext cx="0" cy="0"/>
+          <a:chOff x="0" y="0"/>
+          <a:chExt cx="0" cy="0"/>
+        </a:xfrm>
+      </p:grpSpPr>
+      <p:sp>
+        <p:nvSpPr>
+          <p:cNvPr id="82" name="PlaceHolder 1"/>
+          <p:cNvSpPr>
+            <a:spLocks noGrp="1"/>
+          </p:cNvSpPr>
+          <p:nvPr>
+            <p:ph type="title"/>
+          </p:nvPr>
+        </p:nvSpPr>
+        <p:spPr>
+          <a:xfrm>
+            <a:off x="504000" y="301320"/>
+            <a:ext cx="9071280" cy="1261800"/>
           </a:xfrm>
           <a:prstGeom prst="rect">
             <a:avLst/>
@@ -552,7 +2032,7 @@
       </p:grpSpPr>
       <p:sp>
         <p:nvSpPr>
-          <p:cNvPr id="7" name="PlaceHolder 1"/>
+          <p:cNvPr id="4" name="PlaceHolder 1"/>
           <p:cNvSpPr>
             <a:spLocks noGrp="1"/>
           </p:cNvSpPr>
@@ -563,7 +2043,7 @@
         <p:spPr>
           <a:xfrm>
             <a:off x="504000" y="301320"/>
-            <a:ext cx="9071640" cy="1262160"/>
+            <a:ext cx="9071280" cy="1261800"/>
           </a:xfrm>
           <a:prstGeom prst="rect">
             <a:avLst/>
@@ -579,7 +2059,7 @@
       </p:sp>
       <p:sp>
         <p:nvSpPr>
-          <p:cNvPr id="8" name="PlaceHolder 2"/>
+          <p:cNvPr id="5" name="PlaceHolder 2"/>
           <p:cNvSpPr>
             <a:spLocks noGrp="1"/>
           </p:cNvSpPr>
@@ -590,7 +2070,1011 @@
         <p:spPr>
           <a:xfrm>
             <a:off x="504000" y="1769040"/>
-            <a:ext cx="9071640" cy="4384440"/>
+            <a:ext cx="9071280" cy="4384080"/>
+          </a:xfrm>
+          <a:prstGeom prst="rect">
+            <a:avLst/>
+          </a:prstGeom>
+        </p:spPr>
+        <p:txBody>
+          <a:bodyPr lIns="0" rIns="0" tIns="0" bIns="0"/>
+          <a:p>
+            <a:endParaRPr/>
+          </a:p>
+        </p:txBody>
+      </p:sp>
+    </p:spTree>
+  </p:cSld>
+</p:sldLayout>
+</file>
+
+<file path=ppt/slideLayouts/slideLayout30.xml><?xml version="1.0" encoding="utf-8"?>
+<p:sldLayout xmlns:a="http://schemas.openxmlformats.org/drawingml/2006/main" xmlns:p="http://schemas.openxmlformats.org/presentationml/2006/main" xmlns:r="http://schemas.openxmlformats.org/officeDocument/2006/relationships" type="objOnly" preserve="1">
+  <p:cSld name="Centered Text">
+    <p:spTree>
+      <p:nvGrpSpPr>
+        <p:cNvPr id="1" name=""/>
+        <p:cNvGrpSpPr/>
+        <p:nvPr/>
+      </p:nvGrpSpPr>
+      <p:grpSpPr>
+        <a:xfrm>
+          <a:off x="0" y="0"/>
+          <a:ext cx="0" cy="0"/>
+          <a:chOff x="0" y="0"/>
+          <a:chExt cx="0" cy="0"/>
+        </a:xfrm>
+      </p:grpSpPr>
+      <p:sp>
+        <p:nvSpPr>
+          <p:cNvPr id="83" name="PlaceHolder 1"/>
+          <p:cNvSpPr>
+            <a:spLocks noGrp="1"/>
+          </p:cNvSpPr>
+          <p:nvPr>
+            <p:ph type="subTitle"/>
+          </p:nvPr>
+        </p:nvSpPr>
+        <p:spPr>
+          <a:xfrm>
+            <a:off x="504000" y="301320"/>
+            <a:ext cx="9071280" cy="5850360"/>
+          </a:xfrm>
+          <a:prstGeom prst="rect">
+            <a:avLst/>
+          </a:prstGeom>
+        </p:spPr>
+        <p:txBody>
+          <a:bodyPr lIns="0" rIns="0" tIns="0" bIns="0" anchor="ctr"/>
+          <a:p>
+            <a:pPr algn="ctr"/>
+            <a:endParaRPr/>
+          </a:p>
+        </p:txBody>
+      </p:sp>
+    </p:spTree>
+  </p:cSld>
+</p:sldLayout>
+</file>
+
+<file path=ppt/slideLayouts/slideLayout31.xml><?xml version="1.0" encoding="utf-8"?>
+<p:sldLayout xmlns:a="http://schemas.openxmlformats.org/drawingml/2006/main" xmlns:p="http://schemas.openxmlformats.org/presentationml/2006/main" xmlns:r="http://schemas.openxmlformats.org/officeDocument/2006/relationships" type="twoObjAndObj" preserve="1">
+  <p:cSld name="Title, 2 Content and Content">
+    <p:spTree>
+      <p:nvGrpSpPr>
+        <p:cNvPr id="1" name=""/>
+        <p:cNvGrpSpPr/>
+        <p:nvPr/>
+      </p:nvGrpSpPr>
+      <p:grpSpPr>
+        <a:xfrm>
+          <a:off x="0" y="0"/>
+          <a:ext cx="0" cy="0"/>
+          <a:chOff x="0" y="0"/>
+          <a:chExt cx="0" cy="0"/>
+        </a:xfrm>
+      </p:grpSpPr>
+      <p:sp>
+        <p:nvSpPr>
+          <p:cNvPr id="84" name="PlaceHolder 1"/>
+          <p:cNvSpPr>
+            <a:spLocks noGrp="1"/>
+          </p:cNvSpPr>
+          <p:nvPr>
+            <p:ph type="title"/>
+          </p:nvPr>
+        </p:nvSpPr>
+        <p:spPr>
+          <a:xfrm>
+            <a:off x="504000" y="301320"/>
+            <a:ext cx="9071280" cy="1261800"/>
+          </a:xfrm>
+          <a:prstGeom prst="rect">
+            <a:avLst/>
+          </a:prstGeom>
+        </p:spPr>
+        <p:txBody>
+          <a:bodyPr lIns="0" rIns="0" tIns="0" bIns="0" anchor="ctr"/>
+          <a:p>
+            <a:pPr algn="ctr"/>
+            <a:endParaRPr/>
+          </a:p>
+        </p:txBody>
+      </p:sp>
+      <p:sp>
+        <p:nvSpPr>
+          <p:cNvPr id="85" name="PlaceHolder 2"/>
+          <p:cNvSpPr>
+            <a:spLocks noGrp="1"/>
+          </p:cNvSpPr>
+          <p:nvPr>
+            <p:ph type="body"/>
+          </p:nvPr>
+        </p:nvSpPr>
+        <p:spPr>
+          <a:xfrm>
+            <a:off x="504000" y="1769040"/>
+            <a:ext cx="4426560" cy="2090880"/>
+          </a:xfrm>
+          <a:prstGeom prst="rect">
+            <a:avLst/>
+          </a:prstGeom>
+        </p:spPr>
+        <p:txBody>
+          <a:bodyPr lIns="0" rIns="0" tIns="0" bIns="0"/>
+          <a:p>
+            <a:endParaRPr/>
+          </a:p>
+        </p:txBody>
+      </p:sp>
+      <p:sp>
+        <p:nvSpPr>
+          <p:cNvPr id="86" name="PlaceHolder 3"/>
+          <p:cNvSpPr>
+            <a:spLocks noGrp="1"/>
+          </p:cNvSpPr>
+          <p:nvPr>
+            <p:ph type="body"/>
+          </p:nvPr>
+        </p:nvSpPr>
+        <p:spPr>
+          <a:xfrm>
+            <a:off x="504000" y="4059000"/>
+            <a:ext cx="4426560" cy="2090880"/>
+          </a:xfrm>
+          <a:prstGeom prst="rect">
+            <a:avLst/>
+          </a:prstGeom>
+        </p:spPr>
+        <p:txBody>
+          <a:bodyPr lIns="0" rIns="0" tIns="0" bIns="0"/>
+          <a:p>
+            <a:endParaRPr/>
+          </a:p>
+        </p:txBody>
+      </p:sp>
+      <p:sp>
+        <p:nvSpPr>
+          <p:cNvPr id="87" name="PlaceHolder 4"/>
+          <p:cNvSpPr>
+            <a:spLocks noGrp="1"/>
+          </p:cNvSpPr>
+          <p:nvPr>
+            <p:ph type="body"/>
+          </p:nvPr>
+        </p:nvSpPr>
+        <p:spPr>
+          <a:xfrm>
+            <a:off x="5152320" y="1769040"/>
+            <a:ext cx="4426560" cy="4384080"/>
+          </a:xfrm>
+          <a:prstGeom prst="rect">
+            <a:avLst/>
+          </a:prstGeom>
+        </p:spPr>
+        <p:txBody>
+          <a:bodyPr lIns="0" rIns="0" tIns="0" bIns="0"/>
+          <a:p>
+            <a:endParaRPr/>
+          </a:p>
+        </p:txBody>
+      </p:sp>
+    </p:spTree>
+  </p:cSld>
+</p:sldLayout>
+</file>
+
+<file path=ppt/slideLayouts/slideLayout32.xml><?xml version="1.0" encoding="utf-8"?>
+<p:sldLayout xmlns:a="http://schemas.openxmlformats.org/drawingml/2006/main" xmlns:p="http://schemas.openxmlformats.org/presentationml/2006/main" xmlns:r="http://schemas.openxmlformats.org/officeDocument/2006/relationships" type="objAndTwoObj" preserve="1">
+  <p:cSld name="Title Content and 2 Content">
+    <p:spTree>
+      <p:nvGrpSpPr>
+        <p:cNvPr id="1" name=""/>
+        <p:cNvGrpSpPr/>
+        <p:nvPr/>
+      </p:nvGrpSpPr>
+      <p:grpSpPr>
+        <a:xfrm>
+          <a:off x="0" y="0"/>
+          <a:ext cx="0" cy="0"/>
+          <a:chOff x="0" y="0"/>
+          <a:chExt cx="0" cy="0"/>
+        </a:xfrm>
+      </p:grpSpPr>
+      <p:sp>
+        <p:nvSpPr>
+          <p:cNvPr id="88" name="PlaceHolder 1"/>
+          <p:cNvSpPr>
+            <a:spLocks noGrp="1"/>
+          </p:cNvSpPr>
+          <p:nvPr>
+            <p:ph type="title"/>
+          </p:nvPr>
+        </p:nvSpPr>
+        <p:spPr>
+          <a:xfrm>
+            <a:off x="504000" y="301320"/>
+            <a:ext cx="9071280" cy="1261800"/>
+          </a:xfrm>
+          <a:prstGeom prst="rect">
+            <a:avLst/>
+          </a:prstGeom>
+        </p:spPr>
+        <p:txBody>
+          <a:bodyPr lIns="0" rIns="0" tIns="0" bIns="0" anchor="ctr"/>
+          <a:p>
+            <a:pPr algn="ctr"/>
+            <a:endParaRPr/>
+          </a:p>
+        </p:txBody>
+      </p:sp>
+      <p:sp>
+        <p:nvSpPr>
+          <p:cNvPr id="89" name="PlaceHolder 2"/>
+          <p:cNvSpPr>
+            <a:spLocks noGrp="1"/>
+          </p:cNvSpPr>
+          <p:nvPr>
+            <p:ph type="body"/>
+          </p:nvPr>
+        </p:nvSpPr>
+        <p:spPr>
+          <a:xfrm>
+            <a:off x="504000" y="1769040"/>
+            <a:ext cx="4426560" cy="4384080"/>
+          </a:xfrm>
+          <a:prstGeom prst="rect">
+            <a:avLst/>
+          </a:prstGeom>
+        </p:spPr>
+        <p:txBody>
+          <a:bodyPr lIns="0" rIns="0" tIns="0" bIns="0"/>
+          <a:p>
+            <a:endParaRPr/>
+          </a:p>
+        </p:txBody>
+      </p:sp>
+      <p:sp>
+        <p:nvSpPr>
+          <p:cNvPr id="90" name="PlaceHolder 3"/>
+          <p:cNvSpPr>
+            <a:spLocks noGrp="1"/>
+          </p:cNvSpPr>
+          <p:nvPr>
+            <p:ph type="body"/>
+          </p:nvPr>
+        </p:nvSpPr>
+        <p:spPr>
+          <a:xfrm>
+            <a:off x="5152320" y="1769040"/>
+            <a:ext cx="4426560" cy="2090880"/>
+          </a:xfrm>
+          <a:prstGeom prst="rect">
+            <a:avLst/>
+          </a:prstGeom>
+        </p:spPr>
+        <p:txBody>
+          <a:bodyPr lIns="0" rIns="0" tIns="0" bIns="0"/>
+          <a:p>
+            <a:endParaRPr/>
+          </a:p>
+        </p:txBody>
+      </p:sp>
+      <p:sp>
+        <p:nvSpPr>
+          <p:cNvPr id="91" name="PlaceHolder 4"/>
+          <p:cNvSpPr>
+            <a:spLocks noGrp="1"/>
+          </p:cNvSpPr>
+          <p:nvPr>
+            <p:ph type="body"/>
+          </p:nvPr>
+        </p:nvSpPr>
+        <p:spPr>
+          <a:xfrm>
+            <a:off x="5152320" y="4059000"/>
+            <a:ext cx="4426560" cy="2090880"/>
+          </a:xfrm>
+          <a:prstGeom prst="rect">
+            <a:avLst/>
+          </a:prstGeom>
+        </p:spPr>
+        <p:txBody>
+          <a:bodyPr lIns="0" rIns="0" tIns="0" bIns="0"/>
+          <a:p>
+            <a:endParaRPr/>
+          </a:p>
+        </p:txBody>
+      </p:sp>
+    </p:spTree>
+  </p:cSld>
+</p:sldLayout>
+</file>
+
+<file path=ppt/slideLayouts/slideLayout33.xml><?xml version="1.0" encoding="utf-8"?>
+<p:sldLayout xmlns:a="http://schemas.openxmlformats.org/drawingml/2006/main" xmlns:p="http://schemas.openxmlformats.org/presentationml/2006/main" xmlns:r="http://schemas.openxmlformats.org/officeDocument/2006/relationships" type="twoObjOverTx" preserve="1">
+  <p:cSld name="Title, 2 Content over Content">
+    <p:spTree>
+      <p:nvGrpSpPr>
+        <p:cNvPr id="1" name=""/>
+        <p:cNvGrpSpPr/>
+        <p:nvPr/>
+      </p:nvGrpSpPr>
+      <p:grpSpPr>
+        <a:xfrm>
+          <a:off x="0" y="0"/>
+          <a:ext cx="0" cy="0"/>
+          <a:chOff x="0" y="0"/>
+          <a:chExt cx="0" cy="0"/>
+        </a:xfrm>
+      </p:grpSpPr>
+      <p:sp>
+        <p:nvSpPr>
+          <p:cNvPr id="92" name="PlaceHolder 1"/>
+          <p:cNvSpPr>
+            <a:spLocks noGrp="1"/>
+          </p:cNvSpPr>
+          <p:nvPr>
+            <p:ph type="title"/>
+          </p:nvPr>
+        </p:nvSpPr>
+        <p:spPr>
+          <a:xfrm>
+            <a:off x="504000" y="301320"/>
+            <a:ext cx="9071280" cy="1261800"/>
+          </a:xfrm>
+          <a:prstGeom prst="rect">
+            <a:avLst/>
+          </a:prstGeom>
+        </p:spPr>
+        <p:txBody>
+          <a:bodyPr lIns="0" rIns="0" tIns="0" bIns="0" anchor="ctr"/>
+          <a:p>
+            <a:pPr algn="ctr"/>
+            <a:endParaRPr/>
+          </a:p>
+        </p:txBody>
+      </p:sp>
+      <p:sp>
+        <p:nvSpPr>
+          <p:cNvPr id="93" name="PlaceHolder 2"/>
+          <p:cNvSpPr>
+            <a:spLocks noGrp="1"/>
+          </p:cNvSpPr>
+          <p:nvPr>
+            <p:ph type="body"/>
+          </p:nvPr>
+        </p:nvSpPr>
+        <p:spPr>
+          <a:xfrm>
+            <a:off x="504000" y="1769040"/>
+            <a:ext cx="4426560" cy="2090880"/>
+          </a:xfrm>
+          <a:prstGeom prst="rect">
+            <a:avLst/>
+          </a:prstGeom>
+        </p:spPr>
+        <p:txBody>
+          <a:bodyPr lIns="0" rIns="0" tIns="0" bIns="0"/>
+          <a:p>
+            <a:endParaRPr/>
+          </a:p>
+        </p:txBody>
+      </p:sp>
+      <p:sp>
+        <p:nvSpPr>
+          <p:cNvPr id="94" name="PlaceHolder 3"/>
+          <p:cNvSpPr>
+            <a:spLocks noGrp="1"/>
+          </p:cNvSpPr>
+          <p:nvPr>
+            <p:ph type="body"/>
+          </p:nvPr>
+        </p:nvSpPr>
+        <p:spPr>
+          <a:xfrm>
+            <a:off x="5152320" y="1769040"/>
+            <a:ext cx="4426560" cy="2090880"/>
+          </a:xfrm>
+          <a:prstGeom prst="rect">
+            <a:avLst/>
+          </a:prstGeom>
+        </p:spPr>
+        <p:txBody>
+          <a:bodyPr lIns="0" rIns="0" tIns="0" bIns="0"/>
+          <a:p>
+            <a:endParaRPr/>
+          </a:p>
+        </p:txBody>
+      </p:sp>
+      <p:sp>
+        <p:nvSpPr>
+          <p:cNvPr id="95" name="PlaceHolder 4"/>
+          <p:cNvSpPr>
+            <a:spLocks noGrp="1"/>
+          </p:cNvSpPr>
+          <p:nvPr>
+            <p:ph type="body"/>
+          </p:nvPr>
+        </p:nvSpPr>
+        <p:spPr>
+          <a:xfrm>
+            <a:off x="504000" y="4059000"/>
+            <a:ext cx="9071280" cy="2090880"/>
+          </a:xfrm>
+          <a:prstGeom prst="rect">
+            <a:avLst/>
+          </a:prstGeom>
+        </p:spPr>
+        <p:txBody>
+          <a:bodyPr lIns="0" rIns="0" tIns="0" bIns="0"/>
+          <a:p>
+            <a:endParaRPr/>
+          </a:p>
+        </p:txBody>
+      </p:sp>
+    </p:spTree>
+  </p:cSld>
+</p:sldLayout>
+</file>
+
+<file path=ppt/slideLayouts/slideLayout34.xml><?xml version="1.0" encoding="utf-8"?>
+<p:sldLayout xmlns:a="http://schemas.openxmlformats.org/drawingml/2006/main" xmlns:p="http://schemas.openxmlformats.org/presentationml/2006/main" xmlns:r="http://schemas.openxmlformats.org/officeDocument/2006/relationships" type="objOverTx" preserve="1">
+  <p:cSld name="Title, Content over Content">
+    <p:spTree>
+      <p:nvGrpSpPr>
+        <p:cNvPr id="1" name=""/>
+        <p:cNvGrpSpPr/>
+        <p:nvPr/>
+      </p:nvGrpSpPr>
+      <p:grpSpPr>
+        <a:xfrm>
+          <a:off x="0" y="0"/>
+          <a:ext cx="0" cy="0"/>
+          <a:chOff x="0" y="0"/>
+          <a:chExt cx="0" cy="0"/>
+        </a:xfrm>
+      </p:grpSpPr>
+      <p:sp>
+        <p:nvSpPr>
+          <p:cNvPr id="96" name="PlaceHolder 1"/>
+          <p:cNvSpPr>
+            <a:spLocks noGrp="1"/>
+          </p:cNvSpPr>
+          <p:nvPr>
+            <p:ph type="title"/>
+          </p:nvPr>
+        </p:nvSpPr>
+        <p:spPr>
+          <a:xfrm>
+            <a:off x="504000" y="301320"/>
+            <a:ext cx="9071280" cy="1261800"/>
+          </a:xfrm>
+          <a:prstGeom prst="rect">
+            <a:avLst/>
+          </a:prstGeom>
+        </p:spPr>
+        <p:txBody>
+          <a:bodyPr lIns="0" rIns="0" tIns="0" bIns="0" anchor="ctr"/>
+          <a:p>
+            <a:pPr algn="ctr"/>
+            <a:endParaRPr/>
+          </a:p>
+        </p:txBody>
+      </p:sp>
+      <p:sp>
+        <p:nvSpPr>
+          <p:cNvPr id="97" name="PlaceHolder 2"/>
+          <p:cNvSpPr>
+            <a:spLocks noGrp="1"/>
+          </p:cNvSpPr>
+          <p:nvPr>
+            <p:ph type="body"/>
+          </p:nvPr>
+        </p:nvSpPr>
+        <p:spPr>
+          <a:xfrm>
+            <a:off x="504000" y="1769040"/>
+            <a:ext cx="9071280" cy="2090880"/>
+          </a:xfrm>
+          <a:prstGeom prst="rect">
+            <a:avLst/>
+          </a:prstGeom>
+        </p:spPr>
+        <p:txBody>
+          <a:bodyPr lIns="0" rIns="0" tIns="0" bIns="0"/>
+          <a:p>
+            <a:endParaRPr/>
+          </a:p>
+        </p:txBody>
+      </p:sp>
+      <p:sp>
+        <p:nvSpPr>
+          <p:cNvPr id="98" name="PlaceHolder 3"/>
+          <p:cNvSpPr>
+            <a:spLocks noGrp="1"/>
+          </p:cNvSpPr>
+          <p:nvPr>
+            <p:ph type="body"/>
+          </p:nvPr>
+        </p:nvSpPr>
+        <p:spPr>
+          <a:xfrm>
+            <a:off x="504000" y="4059000"/>
+            <a:ext cx="9071280" cy="2090880"/>
+          </a:xfrm>
+          <a:prstGeom prst="rect">
+            <a:avLst/>
+          </a:prstGeom>
+        </p:spPr>
+        <p:txBody>
+          <a:bodyPr lIns="0" rIns="0" tIns="0" bIns="0"/>
+          <a:p>
+            <a:endParaRPr/>
+          </a:p>
+        </p:txBody>
+      </p:sp>
+    </p:spTree>
+  </p:cSld>
+</p:sldLayout>
+</file>
+
+<file path=ppt/slideLayouts/slideLayout35.xml><?xml version="1.0" encoding="utf-8"?>
+<p:sldLayout xmlns:a="http://schemas.openxmlformats.org/drawingml/2006/main" xmlns:p="http://schemas.openxmlformats.org/presentationml/2006/main" xmlns:r="http://schemas.openxmlformats.org/officeDocument/2006/relationships" type="fourObj" preserve="1">
+  <p:cSld name="Title, 4 Content">
+    <p:spTree>
+      <p:nvGrpSpPr>
+        <p:cNvPr id="1" name=""/>
+        <p:cNvGrpSpPr/>
+        <p:nvPr/>
+      </p:nvGrpSpPr>
+      <p:grpSpPr>
+        <a:xfrm>
+          <a:off x="0" y="0"/>
+          <a:ext cx="0" cy="0"/>
+          <a:chOff x="0" y="0"/>
+          <a:chExt cx="0" cy="0"/>
+        </a:xfrm>
+      </p:grpSpPr>
+      <p:sp>
+        <p:nvSpPr>
+          <p:cNvPr id="99" name="PlaceHolder 1"/>
+          <p:cNvSpPr>
+            <a:spLocks noGrp="1"/>
+          </p:cNvSpPr>
+          <p:nvPr>
+            <p:ph type="title"/>
+          </p:nvPr>
+        </p:nvSpPr>
+        <p:spPr>
+          <a:xfrm>
+            <a:off x="504000" y="301320"/>
+            <a:ext cx="9071280" cy="1261800"/>
+          </a:xfrm>
+          <a:prstGeom prst="rect">
+            <a:avLst/>
+          </a:prstGeom>
+        </p:spPr>
+        <p:txBody>
+          <a:bodyPr lIns="0" rIns="0" tIns="0" bIns="0" anchor="ctr"/>
+          <a:p>
+            <a:pPr algn="ctr"/>
+            <a:endParaRPr/>
+          </a:p>
+        </p:txBody>
+      </p:sp>
+      <p:sp>
+        <p:nvSpPr>
+          <p:cNvPr id="100" name="PlaceHolder 2"/>
+          <p:cNvSpPr>
+            <a:spLocks noGrp="1"/>
+          </p:cNvSpPr>
+          <p:nvPr>
+            <p:ph type="body"/>
+          </p:nvPr>
+        </p:nvSpPr>
+        <p:spPr>
+          <a:xfrm>
+            <a:off x="504000" y="1769040"/>
+            <a:ext cx="4426560" cy="2090880"/>
+          </a:xfrm>
+          <a:prstGeom prst="rect">
+            <a:avLst/>
+          </a:prstGeom>
+        </p:spPr>
+        <p:txBody>
+          <a:bodyPr lIns="0" rIns="0" tIns="0" bIns="0"/>
+          <a:p>
+            <a:endParaRPr/>
+          </a:p>
+        </p:txBody>
+      </p:sp>
+      <p:sp>
+        <p:nvSpPr>
+          <p:cNvPr id="101" name="PlaceHolder 3"/>
+          <p:cNvSpPr>
+            <a:spLocks noGrp="1"/>
+          </p:cNvSpPr>
+          <p:nvPr>
+            <p:ph type="body"/>
+          </p:nvPr>
+        </p:nvSpPr>
+        <p:spPr>
+          <a:xfrm>
+            <a:off x="5152320" y="1769040"/>
+            <a:ext cx="4426560" cy="2090880"/>
+          </a:xfrm>
+          <a:prstGeom prst="rect">
+            <a:avLst/>
+          </a:prstGeom>
+        </p:spPr>
+        <p:txBody>
+          <a:bodyPr lIns="0" rIns="0" tIns="0" bIns="0"/>
+          <a:p>
+            <a:endParaRPr/>
+          </a:p>
+        </p:txBody>
+      </p:sp>
+      <p:sp>
+        <p:nvSpPr>
+          <p:cNvPr id="102" name="PlaceHolder 4"/>
+          <p:cNvSpPr>
+            <a:spLocks noGrp="1"/>
+          </p:cNvSpPr>
+          <p:nvPr>
+            <p:ph type="body"/>
+          </p:nvPr>
+        </p:nvSpPr>
+        <p:spPr>
+          <a:xfrm>
+            <a:off x="5152320" y="4059000"/>
+            <a:ext cx="4426560" cy="2090880"/>
+          </a:xfrm>
+          <a:prstGeom prst="rect">
+            <a:avLst/>
+          </a:prstGeom>
+        </p:spPr>
+        <p:txBody>
+          <a:bodyPr lIns="0" rIns="0" tIns="0" bIns="0"/>
+          <a:p>
+            <a:endParaRPr/>
+          </a:p>
+        </p:txBody>
+      </p:sp>
+      <p:sp>
+        <p:nvSpPr>
+          <p:cNvPr id="103" name="PlaceHolder 5"/>
+          <p:cNvSpPr>
+            <a:spLocks noGrp="1"/>
+          </p:cNvSpPr>
+          <p:nvPr>
+            <p:ph type="body"/>
+          </p:nvPr>
+        </p:nvSpPr>
+        <p:spPr>
+          <a:xfrm>
+            <a:off x="504000" y="4059000"/>
+            <a:ext cx="4426560" cy="2090880"/>
+          </a:xfrm>
+          <a:prstGeom prst="rect">
+            <a:avLst/>
+          </a:prstGeom>
+        </p:spPr>
+        <p:txBody>
+          <a:bodyPr lIns="0" rIns="0" tIns="0" bIns="0"/>
+          <a:p>
+            <a:endParaRPr/>
+          </a:p>
+        </p:txBody>
+      </p:sp>
+    </p:spTree>
+  </p:cSld>
+</p:sldLayout>
+</file>
+
+<file path=ppt/slideLayouts/slideLayout36.xml><?xml version="1.0" encoding="utf-8"?>
+<p:sldLayout xmlns:a="http://schemas.openxmlformats.org/drawingml/2006/main" xmlns:p="http://schemas.openxmlformats.org/presentationml/2006/main" xmlns:r="http://schemas.openxmlformats.org/officeDocument/2006/relationships" type="blank" preserve="1">
+  <p:cSld name="Title, 6 Content">
+    <p:spTree>
+      <p:nvGrpSpPr>
+        <p:cNvPr id="1" name=""/>
+        <p:cNvGrpSpPr/>
+        <p:nvPr/>
+      </p:nvGrpSpPr>
+      <p:grpSpPr>
+        <a:xfrm>
+          <a:off x="0" y="0"/>
+          <a:ext cx="0" cy="0"/>
+          <a:chOff x="0" y="0"/>
+          <a:chExt cx="0" cy="0"/>
+        </a:xfrm>
+      </p:grpSpPr>
+      <p:sp>
+        <p:nvSpPr>
+          <p:cNvPr id="104" name="PlaceHolder 1"/>
+          <p:cNvSpPr>
+            <a:spLocks noGrp="1"/>
+          </p:cNvSpPr>
+          <p:nvPr>
+            <p:ph type="title"/>
+          </p:nvPr>
+        </p:nvSpPr>
+        <p:spPr>
+          <a:xfrm>
+            <a:off x="504000" y="301320"/>
+            <a:ext cx="9071280" cy="1261800"/>
+          </a:xfrm>
+          <a:prstGeom prst="rect">
+            <a:avLst/>
+          </a:prstGeom>
+        </p:spPr>
+        <p:txBody>
+          <a:bodyPr lIns="0" rIns="0" tIns="0" bIns="0" anchor="ctr"/>
+          <a:p>
+            <a:pPr algn="ctr"/>
+            <a:endParaRPr/>
+          </a:p>
+        </p:txBody>
+      </p:sp>
+      <p:sp>
+        <p:nvSpPr>
+          <p:cNvPr id="105" name="PlaceHolder 2"/>
+          <p:cNvSpPr>
+            <a:spLocks noGrp="1"/>
+          </p:cNvSpPr>
+          <p:nvPr>
+            <p:ph type="body"/>
+          </p:nvPr>
+        </p:nvSpPr>
+        <p:spPr>
+          <a:xfrm>
+            <a:off x="504000" y="1769040"/>
+            <a:ext cx="9071280" cy="4384080"/>
+          </a:xfrm>
+          <a:prstGeom prst="rect">
+            <a:avLst/>
+          </a:prstGeom>
+        </p:spPr>
+        <p:txBody>
+          <a:bodyPr lIns="0" rIns="0" tIns="0" bIns="0"/>
+          <a:p>
+            <a:endParaRPr/>
+          </a:p>
+        </p:txBody>
+      </p:sp>
+      <p:sp>
+        <p:nvSpPr>
+          <p:cNvPr id="106" name="PlaceHolder 3"/>
+          <p:cNvSpPr>
+            <a:spLocks noGrp="1"/>
+          </p:cNvSpPr>
+          <p:nvPr>
+            <p:ph type="body"/>
+          </p:nvPr>
+        </p:nvSpPr>
+        <p:spPr>
+          <a:xfrm>
+            <a:off x="504000" y="1769040"/>
+            <a:ext cx="9071280" cy="4384080"/>
+          </a:xfrm>
+          <a:prstGeom prst="rect">
+            <a:avLst/>
+          </a:prstGeom>
+        </p:spPr>
+        <p:txBody>
+          <a:bodyPr lIns="0" rIns="0" tIns="0" bIns="0"/>
+          <a:p>
+            <a:endParaRPr/>
+          </a:p>
+        </p:txBody>
+      </p:sp>
+      <p:pic>
+        <p:nvPicPr>
+          <p:cNvPr id="107" name="" descr=""/>
+          <p:cNvPicPr/>
+          <p:nvPr/>
+        </p:nvPicPr>
+        <p:blipFill>
+          <a:blip r:embed="rId2"/>
+          <a:stretch/>
+        </p:blipFill>
+        <p:spPr>
+          <a:xfrm>
+            <a:off x="2292120" y="1769040"/>
+            <a:ext cx="5494680" cy="4384080"/>
+          </a:xfrm>
+          <a:prstGeom prst="rect">
+            <a:avLst/>
+          </a:prstGeom>
+          <a:ln>
+            <a:noFill/>
+          </a:ln>
+        </p:spPr>
+      </p:pic>
+      <p:pic>
+        <p:nvPicPr>
+          <p:cNvPr id="108" name="" descr=""/>
+          <p:cNvPicPr/>
+          <p:nvPr/>
+        </p:nvPicPr>
+        <p:blipFill>
+          <a:blip r:embed="rId3"/>
+          <a:stretch/>
+        </p:blipFill>
+        <p:spPr>
+          <a:xfrm>
+            <a:off x="2292120" y="1769040"/>
+            <a:ext cx="5494680" cy="4384080"/>
+          </a:xfrm>
+          <a:prstGeom prst="rect">
+            <a:avLst/>
+          </a:prstGeom>
+          <a:ln>
+            <a:noFill/>
+          </a:ln>
+        </p:spPr>
+      </p:pic>
+    </p:spTree>
+  </p:cSld>
+</p:sldLayout>
+</file>
+
+<file path=ppt/slideLayouts/slideLayout37.xml><?xml version="1.0" encoding="utf-8"?>
+<p:sldLayout xmlns:a="http://schemas.openxmlformats.org/drawingml/2006/main" xmlns:p="http://schemas.openxmlformats.org/presentationml/2006/main" xmlns:r="http://schemas.openxmlformats.org/officeDocument/2006/relationships" type="blank" preserve="1">
+  <p:cSld name="Blank Slide">
+    <p:spTree>
+      <p:nvGrpSpPr>
+        <p:cNvPr id="1" name=""/>
+        <p:cNvGrpSpPr/>
+        <p:nvPr/>
+      </p:nvGrpSpPr>
+      <p:grpSpPr>
+        <a:xfrm>
+          <a:off x="0" y="0"/>
+          <a:ext cx="0" cy="0"/>
+          <a:chOff x="0" y="0"/>
+          <a:chExt cx="0" cy="0"/>
+        </a:xfrm>
+      </p:grpSpPr>
+    </p:spTree>
+  </p:cSld>
+</p:sldLayout>
+</file>
+
+<file path=ppt/slideLayouts/slideLayout38.xml><?xml version="1.0" encoding="utf-8"?>
+<p:sldLayout xmlns:a="http://schemas.openxmlformats.org/drawingml/2006/main" xmlns:p="http://schemas.openxmlformats.org/presentationml/2006/main" xmlns:r="http://schemas.openxmlformats.org/officeDocument/2006/relationships" type="tx" preserve="1">
+  <p:cSld name="Title Slide">
+    <p:spTree>
+      <p:nvGrpSpPr>
+        <p:cNvPr id="1" name=""/>
+        <p:cNvGrpSpPr/>
+        <p:nvPr/>
+      </p:nvGrpSpPr>
+      <p:grpSpPr>
+        <a:xfrm>
+          <a:off x="0" y="0"/>
+          <a:ext cx="0" cy="0"/>
+          <a:chOff x="0" y="0"/>
+          <a:chExt cx="0" cy="0"/>
+        </a:xfrm>
+      </p:grpSpPr>
+      <p:sp>
+        <p:nvSpPr>
+          <p:cNvPr id="111" name="PlaceHolder 1"/>
+          <p:cNvSpPr>
+            <a:spLocks noGrp="1"/>
+          </p:cNvSpPr>
+          <p:nvPr>
+            <p:ph type="title"/>
+          </p:nvPr>
+        </p:nvSpPr>
+        <p:spPr>
+          <a:xfrm>
+            <a:off x="504000" y="301320"/>
+            <a:ext cx="9071280" cy="1261800"/>
+          </a:xfrm>
+          <a:prstGeom prst="rect">
+            <a:avLst/>
+          </a:prstGeom>
+        </p:spPr>
+        <p:txBody>
+          <a:bodyPr lIns="0" rIns="0" tIns="0" bIns="0" anchor="ctr"/>
+          <a:p>
+            <a:pPr algn="ctr"/>
+            <a:endParaRPr/>
+          </a:p>
+        </p:txBody>
+      </p:sp>
+      <p:sp>
+        <p:nvSpPr>
+          <p:cNvPr id="112" name="PlaceHolder 2"/>
+          <p:cNvSpPr>
+            <a:spLocks noGrp="1"/>
+          </p:cNvSpPr>
+          <p:nvPr>
+            <p:ph type="subTitle"/>
+          </p:nvPr>
+        </p:nvSpPr>
+        <p:spPr>
+          <a:xfrm>
+            <a:off x="504000" y="1769040"/>
+            <a:ext cx="9071280" cy="4384080"/>
+          </a:xfrm>
+          <a:prstGeom prst="rect">
+            <a:avLst/>
+          </a:prstGeom>
+        </p:spPr>
+        <p:txBody>
+          <a:bodyPr lIns="0" rIns="0" tIns="0" bIns="0" anchor="ctr"/>
+          <a:p>
+            <a:pPr algn="ctr"/>
+            <a:endParaRPr/>
+          </a:p>
+        </p:txBody>
+      </p:sp>
+    </p:spTree>
+  </p:cSld>
+</p:sldLayout>
+</file>
+
+<file path=ppt/slideLayouts/slideLayout39.xml><?xml version="1.0" encoding="utf-8"?>
+<p:sldLayout xmlns:a="http://schemas.openxmlformats.org/drawingml/2006/main" xmlns:p="http://schemas.openxmlformats.org/presentationml/2006/main" xmlns:r="http://schemas.openxmlformats.org/officeDocument/2006/relationships" type="obj" preserve="1">
+  <p:cSld name="Title, Content">
+    <p:spTree>
+      <p:nvGrpSpPr>
+        <p:cNvPr id="1" name=""/>
+        <p:cNvGrpSpPr/>
+        <p:nvPr/>
+      </p:nvGrpSpPr>
+      <p:grpSpPr>
+        <a:xfrm>
+          <a:off x="0" y="0"/>
+          <a:ext cx="0" cy="0"/>
+          <a:chOff x="0" y="0"/>
+          <a:chExt cx="0" cy="0"/>
+        </a:xfrm>
+      </p:grpSpPr>
+      <p:sp>
+        <p:nvSpPr>
+          <p:cNvPr id="113" name="PlaceHolder 1"/>
+          <p:cNvSpPr>
+            <a:spLocks noGrp="1"/>
+          </p:cNvSpPr>
+          <p:nvPr>
+            <p:ph type="title"/>
+          </p:nvPr>
+        </p:nvSpPr>
+        <p:spPr>
+          <a:xfrm>
+            <a:off x="504000" y="301320"/>
+            <a:ext cx="9071280" cy="1261800"/>
+          </a:xfrm>
+          <a:prstGeom prst="rect">
+            <a:avLst/>
+          </a:prstGeom>
+        </p:spPr>
+        <p:txBody>
+          <a:bodyPr lIns="0" rIns="0" tIns="0" bIns="0" anchor="ctr"/>
+          <a:p>
+            <a:pPr algn="ctr"/>
+            <a:endParaRPr/>
+          </a:p>
+        </p:txBody>
+      </p:sp>
+      <p:sp>
+        <p:nvSpPr>
+          <p:cNvPr id="114" name="PlaceHolder 2"/>
+          <p:cNvSpPr>
+            <a:spLocks noGrp="1"/>
+          </p:cNvSpPr>
+          <p:nvPr>
+            <p:ph type="body"/>
+          </p:nvPr>
+        </p:nvSpPr>
+        <p:spPr>
+          <a:xfrm>
+            <a:off x="504000" y="1769040"/>
+            <a:ext cx="9071280" cy="4384080"/>
           </a:xfrm>
           <a:prstGeom prst="rect">
             <a:avLst/>
@@ -627,7 +3111,7 @@
       </p:grpSpPr>
       <p:sp>
         <p:nvSpPr>
-          <p:cNvPr id="9" name="PlaceHolder 1"/>
+          <p:cNvPr id="6" name="PlaceHolder 1"/>
           <p:cNvSpPr>
             <a:spLocks noGrp="1"/>
           </p:cNvSpPr>
@@ -638,7 +3122,7 @@
         <p:spPr>
           <a:xfrm>
             <a:off x="504000" y="301320"/>
-            <a:ext cx="9071640" cy="1262160"/>
+            <a:ext cx="9071280" cy="1261800"/>
           </a:xfrm>
           <a:prstGeom prst="rect">
             <a:avLst/>
@@ -654,7 +3138,7 @@
       </p:sp>
       <p:sp>
         <p:nvSpPr>
-          <p:cNvPr id="10" name="PlaceHolder 2"/>
+          <p:cNvPr id="7" name="PlaceHolder 2"/>
           <p:cNvSpPr>
             <a:spLocks noGrp="1"/>
           </p:cNvSpPr>
@@ -665,7 +3149,7 @@
         <p:spPr>
           <a:xfrm>
             <a:off x="504000" y="1769040"/>
-            <a:ext cx="4426920" cy="4384440"/>
+            <a:ext cx="4426560" cy="4384080"/>
           </a:xfrm>
           <a:prstGeom prst="rect">
             <a:avLst/>
@@ -680,7 +3164,7 @@
       </p:sp>
       <p:sp>
         <p:nvSpPr>
-          <p:cNvPr id="11" name="PlaceHolder 3"/>
+          <p:cNvPr id="8" name="PlaceHolder 3"/>
           <p:cNvSpPr>
             <a:spLocks noGrp="1"/>
           </p:cNvSpPr>
@@ -690,8 +3174,8 @@
         </p:nvSpPr>
         <p:spPr>
           <a:xfrm>
-            <a:off x="5152680" y="1769040"/>
-            <a:ext cx="4426920" cy="4384440"/>
+            <a:off x="5152320" y="1769040"/>
+            <a:ext cx="4426560" cy="4384080"/>
           </a:xfrm>
           <a:prstGeom prst="rect">
             <a:avLst/>
@@ -704,6 +3188,987 @@
           </a:p>
         </p:txBody>
       </p:sp>
+    </p:spTree>
+  </p:cSld>
+</p:sldLayout>
+</file>
+
+<file path=ppt/slideLayouts/slideLayout40.xml><?xml version="1.0" encoding="utf-8"?>
+<p:sldLayout xmlns:a="http://schemas.openxmlformats.org/drawingml/2006/main" xmlns:p="http://schemas.openxmlformats.org/presentationml/2006/main" xmlns:r="http://schemas.openxmlformats.org/officeDocument/2006/relationships" type="twoObj" preserve="1">
+  <p:cSld name="Title, 2 Content">
+    <p:spTree>
+      <p:nvGrpSpPr>
+        <p:cNvPr id="1" name=""/>
+        <p:cNvGrpSpPr/>
+        <p:nvPr/>
+      </p:nvGrpSpPr>
+      <p:grpSpPr>
+        <a:xfrm>
+          <a:off x="0" y="0"/>
+          <a:ext cx="0" cy="0"/>
+          <a:chOff x="0" y="0"/>
+          <a:chExt cx="0" cy="0"/>
+        </a:xfrm>
+      </p:grpSpPr>
+      <p:sp>
+        <p:nvSpPr>
+          <p:cNvPr id="115" name="PlaceHolder 1"/>
+          <p:cNvSpPr>
+            <a:spLocks noGrp="1"/>
+          </p:cNvSpPr>
+          <p:nvPr>
+            <p:ph type="title"/>
+          </p:nvPr>
+        </p:nvSpPr>
+        <p:spPr>
+          <a:xfrm>
+            <a:off x="504000" y="301320"/>
+            <a:ext cx="9071280" cy="1261800"/>
+          </a:xfrm>
+          <a:prstGeom prst="rect">
+            <a:avLst/>
+          </a:prstGeom>
+        </p:spPr>
+        <p:txBody>
+          <a:bodyPr lIns="0" rIns="0" tIns="0" bIns="0" anchor="ctr"/>
+          <a:p>
+            <a:pPr algn="ctr"/>
+            <a:endParaRPr/>
+          </a:p>
+        </p:txBody>
+      </p:sp>
+      <p:sp>
+        <p:nvSpPr>
+          <p:cNvPr id="116" name="PlaceHolder 2"/>
+          <p:cNvSpPr>
+            <a:spLocks noGrp="1"/>
+          </p:cNvSpPr>
+          <p:nvPr>
+            <p:ph type="body"/>
+          </p:nvPr>
+        </p:nvSpPr>
+        <p:spPr>
+          <a:xfrm>
+            <a:off x="504000" y="1769040"/>
+            <a:ext cx="4426560" cy="4384080"/>
+          </a:xfrm>
+          <a:prstGeom prst="rect">
+            <a:avLst/>
+          </a:prstGeom>
+        </p:spPr>
+        <p:txBody>
+          <a:bodyPr lIns="0" rIns="0" tIns="0" bIns="0"/>
+          <a:p>
+            <a:endParaRPr/>
+          </a:p>
+        </p:txBody>
+      </p:sp>
+      <p:sp>
+        <p:nvSpPr>
+          <p:cNvPr id="117" name="PlaceHolder 3"/>
+          <p:cNvSpPr>
+            <a:spLocks noGrp="1"/>
+          </p:cNvSpPr>
+          <p:nvPr>
+            <p:ph type="body"/>
+          </p:nvPr>
+        </p:nvSpPr>
+        <p:spPr>
+          <a:xfrm>
+            <a:off x="5152320" y="1769040"/>
+            <a:ext cx="4426560" cy="4384080"/>
+          </a:xfrm>
+          <a:prstGeom prst="rect">
+            <a:avLst/>
+          </a:prstGeom>
+        </p:spPr>
+        <p:txBody>
+          <a:bodyPr lIns="0" rIns="0" tIns="0" bIns="0"/>
+          <a:p>
+            <a:endParaRPr/>
+          </a:p>
+        </p:txBody>
+      </p:sp>
+    </p:spTree>
+  </p:cSld>
+</p:sldLayout>
+</file>
+
+<file path=ppt/slideLayouts/slideLayout41.xml><?xml version="1.0" encoding="utf-8"?>
+<p:sldLayout xmlns:a="http://schemas.openxmlformats.org/drawingml/2006/main" xmlns:p="http://schemas.openxmlformats.org/presentationml/2006/main" xmlns:r="http://schemas.openxmlformats.org/officeDocument/2006/relationships" type="titleOnly" preserve="1">
+  <p:cSld name="Title Only">
+    <p:spTree>
+      <p:nvGrpSpPr>
+        <p:cNvPr id="1" name=""/>
+        <p:cNvGrpSpPr/>
+        <p:nvPr/>
+      </p:nvGrpSpPr>
+      <p:grpSpPr>
+        <a:xfrm>
+          <a:off x="0" y="0"/>
+          <a:ext cx="0" cy="0"/>
+          <a:chOff x="0" y="0"/>
+          <a:chExt cx="0" cy="0"/>
+        </a:xfrm>
+      </p:grpSpPr>
+      <p:sp>
+        <p:nvSpPr>
+          <p:cNvPr id="118" name="PlaceHolder 1"/>
+          <p:cNvSpPr>
+            <a:spLocks noGrp="1"/>
+          </p:cNvSpPr>
+          <p:nvPr>
+            <p:ph type="title"/>
+          </p:nvPr>
+        </p:nvSpPr>
+        <p:spPr>
+          <a:xfrm>
+            <a:off x="504000" y="301320"/>
+            <a:ext cx="9071280" cy="1261800"/>
+          </a:xfrm>
+          <a:prstGeom prst="rect">
+            <a:avLst/>
+          </a:prstGeom>
+        </p:spPr>
+        <p:txBody>
+          <a:bodyPr lIns="0" rIns="0" tIns="0" bIns="0" anchor="ctr"/>
+          <a:p>
+            <a:pPr algn="ctr"/>
+            <a:endParaRPr/>
+          </a:p>
+        </p:txBody>
+      </p:sp>
+    </p:spTree>
+  </p:cSld>
+</p:sldLayout>
+</file>
+
+<file path=ppt/slideLayouts/slideLayout42.xml><?xml version="1.0" encoding="utf-8"?>
+<p:sldLayout xmlns:a="http://schemas.openxmlformats.org/drawingml/2006/main" xmlns:p="http://schemas.openxmlformats.org/presentationml/2006/main" xmlns:r="http://schemas.openxmlformats.org/officeDocument/2006/relationships" type="objOnly" preserve="1">
+  <p:cSld name="Centered Text">
+    <p:spTree>
+      <p:nvGrpSpPr>
+        <p:cNvPr id="1" name=""/>
+        <p:cNvGrpSpPr/>
+        <p:nvPr/>
+      </p:nvGrpSpPr>
+      <p:grpSpPr>
+        <a:xfrm>
+          <a:off x="0" y="0"/>
+          <a:ext cx="0" cy="0"/>
+          <a:chOff x="0" y="0"/>
+          <a:chExt cx="0" cy="0"/>
+        </a:xfrm>
+      </p:grpSpPr>
+      <p:sp>
+        <p:nvSpPr>
+          <p:cNvPr id="119" name="PlaceHolder 1"/>
+          <p:cNvSpPr>
+            <a:spLocks noGrp="1"/>
+          </p:cNvSpPr>
+          <p:nvPr>
+            <p:ph type="subTitle"/>
+          </p:nvPr>
+        </p:nvSpPr>
+        <p:spPr>
+          <a:xfrm>
+            <a:off x="504000" y="301320"/>
+            <a:ext cx="9071280" cy="5850360"/>
+          </a:xfrm>
+          <a:prstGeom prst="rect">
+            <a:avLst/>
+          </a:prstGeom>
+        </p:spPr>
+        <p:txBody>
+          <a:bodyPr lIns="0" rIns="0" tIns="0" bIns="0" anchor="ctr"/>
+          <a:p>
+            <a:pPr algn="ctr"/>
+            <a:endParaRPr/>
+          </a:p>
+        </p:txBody>
+      </p:sp>
+    </p:spTree>
+  </p:cSld>
+</p:sldLayout>
+</file>
+
+<file path=ppt/slideLayouts/slideLayout43.xml><?xml version="1.0" encoding="utf-8"?>
+<p:sldLayout xmlns:a="http://schemas.openxmlformats.org/drawingml/2006/main" xmlns:p="http://schemas.openxmlformats.org/presentationml/2006/main" xmlns:r="http://schemas.openxmlformats.org/officeDocument/2006/relationships" type="twoObjAndObj" preserve="1">
+  <p:cSld name="Title, 2 Content and Content">
+    <p:spTree>
+      <p:nvGrpSpPr>
+        <p:cNvPr id="1" name=""/>
+        <p:cNvGrpSpPr/>
+        <p:nvPr/>
+      </p:nvGrpSpPr>
+      <p:grpSpPr>
+        <a:xfrm>
+          <a:off x="0" y="0"/>
+          <a:ext cx="0" cy="0"/>
+          <a:chOff x="0" y="0"/>
+          <a:chExt cx="0" cy="0"/>
+        </a:xfrm>
+      </p:grpSpPr>
+      <p:sp>
+        <p:nvSpPr>
+          <p:cNvPr id="120" name="PlaceHolder 1"/>
+          <p:cNvSpPr>
+            <a:spLocks noGrp="1"/>
+          </p:cNvSpPr>
+          <p:nvPr>
+            <p:ph type="title"/>
+          </p:nvPr>
+        </p:nvSpPr>
+        <p:spPr>
+          <a:xfrm>
+            <a:off x="504000" y="301320"/>
+            <a:ext cx="9071280" cy="1261800"/>
+          </a:xfrm>
+          <a:prstGeom prst="rect">
+            <a:avLst/>
+          </a:prstGeom>
+        </p:spPr>
+        <p:txBody>
+          <a:bodyPr lIns="0" rIns="0" tIns="0" bIns="0" anchor="ctr"/>
+          <a:p>
+            <a:pPr algn="ctr"/>
+            <a:endParaRPr/>
+          </a:p>
+        </p:txBody>
+      </p:sp>
+      <p:sp>
+        <p:nvSpPr>
+          <p:cNvPr id="121" name="PlaceHolder 2"/>
+          <p:cNvSpPr>
+            <a:spLocks noGrp="1"/>
+          </p:cNvSpPr>
+          <p:nvPr>
+            <p:ph type="body"/>
+          </p:nvPr>
+        </p:nvSpPr>
+        <p:spPr>
+          <a:xfrm>
+            <a:off x="504000" y="1769040"/>
+            <a:ext cx="4426560" cy="2090880"/>
+          </a:xfrm>
+          <a:prstGeom prst="rect">
+            <a:avLst/>
+          </a:prstGeom>
+        </p:spPr>
+        <p:txBody>
+          <a:bodyPr lIns="0" rIns="0" tIns="0" bIns="0"/>
+          <a:p>
+            <a:endParaRPr/>
+          </a:p>
+        </p:txBody>
+      </p:sp>
+      <p:sp>
+        <p:nvSpPr>
+          <p:cNvPr id="122" name="PlaceHolder 3"/>
+          <p:cNvSpPr>
+            <a:spLocks noGrp="1"/>
+          </p:cNvSpPr>
+          <p:nvPr>
+            <p:ph type="body"/>
+          </p:nvPr>
+        </p:nvSpPr>
+        <p:spPr>
+          <a:xfrm>
+            <a:off x="504000" y="4059000"/>
+            <a:ext cx="4426560" cy="2090880"/>
+          </a:xfrm>
+          <a:prstGeom prst="rect">
+            <a:avLst/>
+          </a:prstGeom>
+        </p:spPr>
+        <p:txBody>
+          <a:bodyPr lIns="0" rIns="0" tIns="0" bIns="0"/>
+          <a:p>
+            <a:endParaRPr/>
+          </a:p>
+        </p:txBody>
+      </p:sp>
+      <p:sp>
+        <p:nvSpPr>
+          <p:cNvPr id="123" name="PlaceHolder 4"/>
+          <p:cNvSpPr>
+            <a:spLocks noGrp="1"/>
+          </p:cNvSpPr>
+          <p:nvPr>
+            <p:ph type="body"/>
+          </p:nvPr>
+        </p:nvSpPr>
+        <p:spPr>
+          <a:xfrm>
+            <a:off x="5152320" y="1769040"/>
+            <a:ext cx="4426560" cy="4384080"/>
+          </a:xfrm>
+          <a:prstGeom prst="rect">
+            <a:avLst/>
+          </a:prstGeom>
+        </p:spPr>
+        <p:txBody>
+          <a:bodyPr lIns="0" rIns="0" tIns="0" bIns="0"/>
+          <a:p>
+            <a:endParaRPr/>
+          </a:p>
+        </p:txBody>
+      </p:sp>
+    </p:spTree>
+  </p:cSld>
+</p:sldLayout>
+</file>
+
+<file path=ppt/slideLayouts/slideLayout44.xml><?xml version="1.0" encoding="utf-8"?>
+<p:sldLayout xmlns:a="http://schemas.openxmlformats.org/drawingml/2006/main" xmlns:p="http://schemas.openxmlformats.org/presentationml/2006/main" xmlns:r="http://schemas.openxmlformats.org/officeDocument/2006/relationships" type="objAndTwoObj" preserve="1">
+  <p:cSld name="Title Content and 2 Content">
+    <p:spTree>
+      <p:nvGrpSpPr>
+        <p:cNvPr id="1" name=""/>
+        <p:cNvGrpSpPr/>
+        <p:nvPr/>
+      </p:nvGrpSpPr>
+      <p:grpSpPr>
+        <a:xfrm>
+          <a:off x="0" y="0"/>
+          <a:ext cx="0" cy="0"/>
+          <a:chOff x="0" y="0"/>
+          <a:chExt cx="0" cy="0"/>
+        </a:xfrm>
+      </p:grpSpPr>
+      <p:sp>
+        <p:nvSpPr>
+          <p:cNvPr id="124" name="PlaceHolder 1"/>
+          <p:cNvSpPr>
+            <a:spLocks noGrp="1"/>
+          </p:cNvSpPr>
+          <p:nvPr>
+            <p:ph type="title"/>
+          </p:nvPr>
+        </p:nvSpPr>
+        <p:spPr>
+          <a:xfrm>
+            <a:off x="504000" y="301320"/>
+            <a:ext cx="9071280" cy="1261800"/>
+          </a:xfrm>
+          <a:prstGeom prst="rect">
+            <a:avLst/>
+          </a:prstGeom>
+        </p:spPr>
+        <p:txBody>
+          <a:bodyPr lIns="0" rIns="0" tIns="0" bIns="0" anchor="ctr"/>
+          <a:p>
+            <a:pPr algn="ctr"/>
+            <a:endParaRPr/>
+          </a:p>
+        </p:txBody>
+      </p:sp>
+      <p:sp>
+        <p:nvSpPr>
+          <p:cNvPr id="125" name="PlaceHolder 2"/>
+          <p:cNvSpPr>
+            <a:spLocks noGrp="1"/>
+          </p:cNvSpPr>
+          <p:nvPr>
+            <p:ph type="body"/>
+          </p:nvPr>
+        </p:nvSpPr>
+        <p:spPr>
+          <a:xfrm>
+            <a:off x="504000" y="1769040"/>
+            <a:ext cx="4426560" cy="4384080"/>
+          </a:xfrm>
+          <a:prstGeom prst="rect">
+            <a:avLst/>
+          </a:prstGeom>
+        </p:spPr>
+        <p:txBody>
+          <a:bodyPr lIns="0" rIns="0" tIns="0" bIns="0"/>
+          <a:p>
+            <a:endParaRPr/>
+          </a:p>
+        </p:txBody>
+      </p:sp>
+      <p:sp>
+        <p:nvSpPr>
+          <p:cNvPr id="126" name="PlaceHolder 3"/>
+          <p:cNvSpPr>
+            <a:spLocks noGrp="1"/>
+          </p:cNvSpPr>
+          <p:nvPr>
+            <p:ph type="body"/>
+          </p:nvPr>
+        </p:nvSpPr>
+        <p:spPr>
+          <a:xfrm>
+            <a:off x="5152320" y="1769040"/>
+            <a:ext cx="4426560" cy="2090880"/>
+          </a:xfrm>
+          <a:prstGeom prst="rect">
+            <a:avLst/>
+          </a:prstGeom>
+        </p:spPr>
+        <p:txBody>
+          <a:bodyPr lIns="0" rIns="0" tIns="0" bIns="0"/>
+          <a:p>
+            <a:endParaRPr/>
+          </a:p>
+        </p:txBody>
+      </p:sp>
+      <p:sp>
+        <p:nvSpPr>
+          <p:cNvPr id="127" name="PlaceHolder 4"/>
+          <p:cNvSpPr>
+            <a:spLocks noGrp="1"/>
+          </p:cNvSpPr>
+          <p:nvPr>
+            <p:ph type="body"/>
+          </p:nvPr>
+        </p:nvSpPr>
+        <p:spPr>
+          <a:xfrm>
+            <a:off x="5152320" y="4059000"/>
+            <a:ext cx="4426560" cy="2090880"/>
+          </a:xfrm>
+          <a:prstGeom prst="rect">
+            <a:avLst/>
+          </a:prstGeom>
+        </p:spPr>
+        <p:txBody>
+          <a:bodyPr lIns="0" rIns="0" tIns="0" bIns="0"/>
+          <a:p>
+            <a:endParaRPr/>
+          </a:p>
+        </p:txBody>
+      </p:sp>
+    </p:spTree>
+  </p:cSld>
+</p:sldLayout>
+</file>
+
+<file path=ppt/slideLayouts/slideLayout45.xml><?xml version="1.0" encoding="utf-8"?>
+<p:sldLayout xmlns:a="http://schemas.openxmlformats.org/drawingml/2006/main" xmlns:p="http://schemas.openxmlformats.org/presentationml/2006/main" xmlns:r="http://schemas.openxmlformats.org/officeDocument/2006/relationships" type="twoObjOverTx" preserve="1">
+  <p:cSld name="Title, 2 Content over Content">
+    <p:spTree>
+      <p:nvGrpSpPr>
+        <p:cNvPr id="1" name=""/>
+        <p:cNvGrpSpPr/>
+        <p:nvPr/>
+      </p:nvGrpSpPr>
+      <p:grpSpPr>
+        <a:xfrm>
+          <a:off x="0" y="0"/>
+          <a:ext cx="0" cy="0"/>
+          <a:chOff x="0" y="0"/>
+          <a:chExt cx="0" cy="0"/>
+        </a:xfrm>
+      </p:grpSpPr>
+      <p:sp>
+        <p:nvSpPr>
+          <p:cNvPr id="128" name="PlaceHolder 1"/>
+          <p:cNvSpPr>
+            <a:spLocks noGrp="1"/>
+          </p:cNvSpPr>
+          <p:nvPr>
+            <p:ph type="title"/>
+          </p:nvPr>
+        </p:nvSpPr>
+        <p:spPr>
+          <a:xfrm>
+            <a:off x="504000" y="301320"/>
+            <a:ext cx="9071280" cy="1261800"/>
+          </a:xfrm>
+          <a:prstGeom prst="rect">
+            <a:avLst/>
+          </a:prstGeom>
+        </p:spPr>
+        <p:txBody>
+          <a:bodyPr lIns="0" rIns="0" tIns="0" bIns="0" anchor="ctr"/>
+          <a:p>
+            <a:pPr algn="ctr"/>
+            <a:endParaRPr/>
+          </a:p>
+        </p:txBody>
+      </p:sp>
+      <p:sp>
+        <p:nvSpPr>
+          <p:cNvPr id="129" name="PlaceHolder 2"/>
+          <p:cNvSpPr>
+            <a:spLocks noGrp="1"/>
+          </p:cNvSpPr>
+          <p:nvPr>
+            <p:ph type="body"/>
+          </p:nvPr>
+        </p:nvSpPr>
+        <p:spPr>
+          <a:xfrm>
+            <a:off x="504000" y="1769040"/>
+            <a:ext cx="4426560" cy="2090880"/>
+          </a:xfrm>
+          <a:prstGeom prst="rect">
+            <a:avLst/>
+          </a:prstGeom>
+        </p:spPr>
+        <p:txBody>
+          <a:bodyPr lIns="0" rIns="0" tIns="0" bIns="0"/>
+          <a:p>
+            <a:endParaRPr/>
+          </a:p>
+        </p:txBody>
+      </p:sp>
+      <p:sp>
+        <p:nvSpPr>
+          <p:cNvPr id="130" name="PlaceHolder 3"/>
+          <p:cNvSpPr>
+            <a:spLocks noGrp="1"/>
+          </p:cNvSpPr>
+          <p:nvPr>
+            <p:ph type="body"/>
+          </p:nvPr>
+        </p:nvSpPr>
+        <p:spPr>
+          <a:xfrm>
+            <a:off x="5152320" y="1769040"/>
+            <a:ext cx="4426560" cy="2090880"/>
+          </a:xfrm>
+          <a:prstGeom prst="rect">
+            <a:avLst/>
+          </a:prstGeom>
+        </p:spPr>
+        <p:txBody>
+          <a:bodyPr lIns="0" rIns="0" tIns="0" bIns="0"/>
+          <a:p>
+            <a:endParaRPr/>
+          </a:p>
+        </p:txBody>
+      </p:sp>
+      <p:sp>
+        <p:nvSpPr>
+          <p:cNvPr id="131" name="PlaceHolder 4"/>
+          <p:cNvSpPr>
+            <a:spLocks noGrp="1"/>
+          </p:cNvSpPr>
+          <p:nvPr>
+            <p:ph type="body"/>
+          </p:nvPr>
+        </p:nvSpPr>
+        <p:spPr>
+          <a:xfrm>
+            <a:off x="504000" y="4059000"/>
+            <a:ext cx="9071280" cy="2090880"/>
+          </a:xfrm>
+          <a:prstGeom prst="rect">
+            <a:avLst/>
+          </a:prstGeom>
+        </p:spPr>
+        <p:txBody>
+          <a:bodyPr lIns="0" rIns="0" tIns="0" bIns="0"/>
+          <a:p>
+            <a:endParaRPr/>
+          </a:p>
+        </p:txBody>
+      </p:sp>
+    </p:spTree>
+  </p:cSld>
+</p:sldLayout>
+</file>
+
+<file path=ppt/slideLayouts/slideLayout46.xml><?xml version="1.0" encoding="utf-8"?>
+<p:sldLayout xmlns:a="http://schemas.openxmlformats.org/drawingml/2006/main" xmlns:p="http://schemas.openxmlformats.org/presentationml/2006/main" xmlns:r="http://schemas.openxmlformats.org/officeDocument/2006/relationships" type="objOverTx" preserve="1">
+  <p:cSld name="Title, Content over Content">
+    <p:spTree>
+      <p:nvGrpSpPr>
+        <p:cNvPr id="1" name=""/>
+        <p:cNvGrpSpPr/>
+        <p:nvPr/>
+      </p:nvGrpSpPr>
+      <p:grpSpPr>
+        <a:xfrm>
+          <a:off x="0" y="0"/>
+          <a:ext cx="0" cy="0"/>
+          <a:chOff x="0" y="0"/>
+          <a:chExt cx="0" cy="0"/>
+        </a:xfrm>
+      </p:grpSpPr>
+      <p:sp>
+        <p:nvSpPr>
+          <p:cNvPr id="132" name="PlaceHolder 1"/>
+          <p:cNvSpPr>
+            <a:spLocks noGrp="1"/>
+          </p:cNvSpPr>
+          <p:nvPr>
+            <p:ph type="title"/>
+          </p:nvPr>
+        </p:nvSpPr>
+        <p:spPr>
+          <a:xfrm>
+            <a:off x="504000" y="301320"/>
+            <a:ext cx="9071280" cy="1261800"/>
+          </a:xfrm>
+          <a:prstGeom prst="rect">
+            <a:avLst/>
+          </a:prstGeom>
+        </p:spPr>
+        <p:txBody>
+          <a:bodyPr lIns="0" rIns="0" tIns="0" bIns="0" anchor="ctr"/>
+          <a:p>
+            <a:pPr algn="ctr"/>
+            <a:endParaRPr/>
+          </a:p>
+        </p:txBody>
+      </p:sp>
+      <p:sp>
+        <p:nvSpPr>
+          <p:cNvPr id="133" name="PlaceHolder 2"/>
+          <p:cNvSpPr>
+            <a:spLocks noGrp="1"/>
+          </p:cNvSpPr>
+          <p:nvPr>
+            <p:ph type="body"/>
+          </p:nvPr>
+        </p:nvSpPr>
+        <p:spPr>
+          <a:xfrm>
+            <a:off x="504000" y="1769040"/>
+            <a:ext cx="9071280" cy="2090880"/>
+          </a:xfrm>
+          <a:prstGeom prst="rect">
+            <a:avLst/>
+          </a:prstGeom>
+        </p:spPr>
+        <p:txBody>
+          <a:bodyPr lIns="0" rIns="0" tIns="0" bIns="0"/>
+          <a:p>
+            <a:endParaRPr/>
+          </a:p>
+        </p:txBody>
+      </p:sp>
+      <p:sp>
+        <p:nvSpPr>
+          <p:cNvPr id="134" name="PlaceHolder 3"/>
+          <p:cNvSpPr>
+            <a:spLocks noGrp="1"/>
+          </p:cNvSpPr>
+          <p:nvPr>
+            <p:ph type="body"/>
+          </p:nvPr>
+        </p:nvSpPr>
+        <p:spPr>
+          <a:xfrm>
+            <a:off x="504000" y="4059000"/>
+            <a:ext cx="9071280" cy="2090880"/>
+          </a:xfrm>
+          <a:prstGeom prst="rect">
+            <a:avLst/>
+          </a:prstGeom>
+        </p:spPr>
+        <p:txBody>
+          <a:bodyPr lIns="0" rIns="0" tIns="0" bIns="0"/>
+          <a:p>
+            <a:endParaRPr/>
+          </a:p>
+        </p:txBody>
+      </p:sp>
+    </p:spTree>
+  </p:cSld>
+</p:sldLayout>
+</file>
+
+<file path=ppt/slideLayouts/slideLayout47.xml><?xml version="1.0" encoding="utf-8"?>
+<p:sldLayout xmlns:a="http://schemas.openxmlformats.org/drawingml/2006/main" xmlns:p="http://schemas.openxmlformats.org/presentationml/2006/main" xmlns:r="http://schemas.openxmlformats.org/officeDocument/2006/relationships" type="fourObj" preserve="1">
+  <p:cSld name="Title, 4 Content">
+    <p:spTree>
+      <p:nvGrpSpPr>
+        <p:cNvPr id="1" name=""/>
+        <p:cNvGrpSpPr/>
+        <p:nvPr/>
+      </p:nvGrpSpPr>
+      <p:grpSpPr>
+        <a:xfrm>
+          <a:off x="0" y="0"/>
+          <a:ext cx="0" cy="0"/>
+          <a:chOff x="0" y="0"/>
+          <a:chExt cx="0" cy="0"/>
+        </a:xfrm>
+      </p:grpSpPr>
+      <p:sp>
+        <p:nvSpPr>
+          <p:cNvPr id="135" name="PlaceHolder 1"/>
+          <p:cNvSpPr>
+            <a:spLocks noGrp="1"/>
+          </p:cNvSpPr>
+          <p:nvPr>
+            <p:ph type="title"/>
+          </p:nvPr>
+        </p:nvSpPr>
+        <p:spPr>
+          <a:xfrm>
+            <a:off x="504000" y="301320"/>
+            <a:ext cx="9071280" cy="1261800"/>
+          </a:xfrm>
+          <a:prstGeom prst="rect">
+            <a:avLst/>
+          </a:prstGeom>
+        </p:spPr>
+        <p:txBody>
+          <a:bodyPr lIns="0" rIns="0" tIns="0" bIns="0" anchor="ctr"/>
+          <a:p>
+            <a:pPr algn="ctr"/>
+            <a:endParaRPr/>
+          </a:p>
+        </p:txBody>
+      </p:sp>
+      <p:sp>
+        <p:nvSpPr>
+          <p:cNvPr id="136" name="PlaceHolder 2"/>
+          <p:cNvSpPr>
+            <a:spLocks noGrp="1"/>
+          </p:cNvSpPr>
+          <p:nvPr>
+            <p:ph type="body"/>
+          </p:nvPr>
+        </p:nvSpPr>
+        <p:spPr>
+          <a:xfrm>
+            <a:off x="504000" y="1769040"/>
+            <a:ext cx="4426560" cy="2090880"/>
+          </a:xfrm>
+          <a:prstGeom prst="rect">
+            <a:avLst/>
+          </a:prstGeom>
+        </p:spPr>
+        <p:txBody>
+          <a:bodyPr lIns="0" rIns="0" tIns="0" bIns="0"/>
+          <a:p>
+            <a:endParaRPr/>
+          </a:p>
+        </p:txBody>
+      </p:sp>
+      <p:sp>
+        <p:nvSpPr>
+          <p:cNvPr id="137" name="PlaceHolder 3"/>
+          <p:cNvSpPr>
+            <a:spLocks noGrp="1"/>
+          </p:cNvSpPr>
+          <p:nvPr>
+            <p:ph type="body"/>
+          </p:nvPr>
+        </p:nvSpPr>
+        <p:spPr>
+          <a:xfrm>
+            <a:off x="5152320" y="1769040"/>
+            <a:ext cx="4426560" cy="2090880"/>
+          </a:xfrm>
+          <a:prstGeom prst="rect">
+            <a:avLst/>
+          </a:prstGeom>
+        </p:spPr>
+        <p:txBody>
+          <a:bodyPr lIns="0" rIns="0" tIns="0" bIns="0"/>
+          <a:p>
+            <a:endParaRPr/>
+          </a:p>
+        </p:txBody>
+      </p:sp>
+      <p:sp>
+        <p:nvSpPr>
+          <p:cNvPr id="138" name="PlaceHolder 4"/>
+          <p:cNvSpPr>
+            <a:spLocks noGrp="1"/>
+          </p:cNvSpPr>
+          <p:nvPr>
+            <p:ph type="body"/>
+          </p:nvPr>
+        </p:nvSpPr>
+        <p:spPr>
+          <a:xfrm>
+            <a:off x="5152320" y="4059000"/>
+            <a:ext cx="4426560" cy="2090880"/>
+          </a:xfrm>
+          <a:prstGeom prst="rect">
+            <a:avLst/>
+          </a:prstGeom>
+        </p:spPr>
+        <p:txBody>
+          <a:bodyPr lIns="0" rIns="0" tIns="0" bIns="0"/>
+          <a:p>
+            <a:endParaRPr/>
+          </a:p>
+        </p:txBody>
+      </p:sp>
+      <p:sp>
+        <p:nvSpPr>
+          <p:cNvPr id="139" name="PlaceHolder 5"/>
+          <p:cNvSpPr>
+            <a:spLocks noGrp="1"/>
+          </p:cNvSpPr>
+          <p:nvPr>
+            <p:ph type="body"/>
+          </p:nvPr>
+        </p:nvSpPr>
+        <p:spPr>
+          <a:xfrm>
+            <a:off x="504000" y="4059000"/>
+            <a:ext cx="4426560" cy="2090880"/>
+          </a:xfrm>
+          <a:prstGeom prst="rect">
+            <a:avLst/>
+          </a:prstGeom>
+        </p:spPr>
+        <p:txBody>
+          <a:bodyPr lIns="0" rIns="0" tIns="0" bIns="0"/>
+          <a:p>
+            <a:endParaRPr/>
+          </a:p>
+        </p:txBody>
+      </p:sp>
+    </p:spTree>
+  </p:cSld>
+</p:sldLayout>
+</file>
+
+<file path=ppt/slideLayouts/slideLayout48.xml><?xml version="1.0" encoding="utf-8"?>
+<p:sldLayout xmlns:a="http://schemas.openxmlformats.org/drawingml/2006/main" xmlns:p="http://schemas.openxmlformats.org/presentationml/2006/main" xmlns:r="http://schemas.openxmlformats.org/officeDocument/2006/relationships" type="blank" preserve="1">
+  <p:cSld name="Title, 6 Content">
+    <p:spTree>
+      <p:nvGrpSpPr>
+        <p:cNvPr id="1" name=""/>
+        <p:cNvGrpSpPr/>
+        <p:nvPr/>
+      </p:nvGrpSpPr>
+      <p:grpSpPr>
+        <a:xfrm>
+          <a:off x="0" y="0"/>
+          <a:ext cx="0" cy="0"/>
+          <a:chOff x="0" y="0"/>
+          <a:chExt cx="0" cy="0"/>
+        </a:xfrm>
+      </p:grpSpPr>
+      <p:sp>
+        <p:nvSpPr>
+          <p:cNvPr id="140" name="PlaceHolder 1"/>
+          <p:cNvSpPr>
+            <a:spLocks noGrp="1"/>
+          </p:cNvSpPr>
+          <p:nvPr>
+            <p:ph type="title"/>
+          </p:nvPr>
+        </p:nvSpPr>
+        <p:spPr>
+          <a:xfrm>
+            <a:off x="504000" y="301320"/>
+            <a:ext cx="9071280" cy="1261800"/>
+          </a:xfrm>
+          <a:prstGeom prst="rect">
+            <a:avLst/>
+          </a:prstGeom>
+        </p:spPr>
+        <p:txBody>
+          <a:bodyPr lIns="0" rIns="0" tIns="0" bIns="0" anchor="ctr"/>
+          <a:p>
+            <a:pPr algn="ctr"/>
+            <a:endParaRPr/>
+          </a:p>
+        </p:txBody>
+      </p:sp>
+      <p:sp>
+        <p:nvSpPr>
+          <p:cNvPr id="141" name="PlaceHolder 2"/>
+          <p:cNvSpPr>
+            <a:spLocks noGrp="1"/>
+          </p:cNvSpPr>
+          <p:nvPr>
+            <p:ph type="body"/>
+          </p:nvPr>
+        </p:nvSpPr>
+        <p:spPr>
+          <a:xfrm>
+            <a:off x="504000" y="1769040"/>
+            <a:ext cx="9071280" cy="4384080"/>
+          </a:xfrm>
+          <a:prstGeom prst="rect">
+            <a:avLst/>
+          </a:prstGeom>
+        </p:spPr>
+        <p:txBody>
+          <a:bodyPr lIns="0" rIns="0" tIns="0" bIns="0"/>
+          <a:p>
+            <a:endParaRPr/>
+          </a:p>
+        </p:txBody>
+      </p:sp>
+      <p:sp>
+        <p:nvSpPr>
+          <p:cNvPr id="142" name="PlaceHolder 3"/>
+          <p:cNvSpPr>
+            <a:spLocks noGrp="1"/>
+          </p:cNvSpPr>
+          <p:nvPr>
+            <p:ph type="body"/>
+          </p:nvPr>
+        </p:nvSpPr>
+        <p:spPr>
+          <a:xfrm>
+            <a:off x="504000" y="1769040"/>
+            <a:ext cx="9071280" cy="4384080"/>
+          </a:xfrm>
+          <a:prstGeom prst="rect">
+            <a:avLst/>
+          </a:prstGeom>
+        </p:spPr>
+        <p:txBody>
+          <a:bodyPr lIns="0" rIns="0" tIns="0" bIns="0"/>
+          <a:p>
+            <a:endParaRPr/>
+          </a:p>
+        </p:txBody>
+      </p:sp>
+      <p:pic>
+        <p:nvPicPr>
+          <p:cNvPr id="143" name="" descr=""/>
+          <p:cNvPicPr/>
+          <p:nvPr/>
+        </p:nvPicPr>
+        <p:blipFill>
+          <a:blip r:embed="rId2"/>
+          <a:stretch/>
+        </p:blipFill>
+        <p:spPr>
+          <a:xfrm>
+            <a:off x="2292120" y="1769040"/>
+            <a:ext cx="5494680" cy="4384080"/>
+          </a:xfrm>
+          <a:prstGeom prst="rect">
+            <a:avLst/>
+          </a:prstGeom>
+          <a:ln>
+            <a:noFill/>
+          </a:ln>
+        </p:spPr>
+      </p:pic>
+      <p:pic>
+        <p:nvPicPr>
+          <p:cNvPr id="144" name="" descr=""/>
+          <p:cNvPicPr/>
+          <p:nvPr/>
+        </p:nvPicPr>
+        <p:blipFill>
+          <a:blip r:embed="rId3"/>
+          <a:stretch/>
+        </p:blipFill>
+        <p:spPr>
+          <a:xfrm>
+            <a:off x="2292120" y="1769040"/>
+            <a:ext cx="5494680" cy="4384080"/>
+          </a:xfrm>
+          <a:prstGeom prst="rect">
+            <a:avLst/>
+          </a:prstGeom>
+          <a:ln>
+            <a:noFill/>
+          </a:ln>
+        </p:spPr>
+      </p:pic>
     </p:spTree>
   </p:cSld>
 </p:sldLayout>
@@ -728,7 +4193,7 @@
       </p:grpSpPr>
       <p:sp>
         <p:nvSpPr>
-          <p:cNvPr id="12" name="PlaceHolder 1"/>
+          <p:cNvPr id="9" name="PlaceHolder 1"/>
           <p:cNvSpPr>
             <a:spLocks noGrp="1"/>
           </p:cNvSpPr>
@@ -739,7 +4204,7 @@
         <p:spPr>
           <a:xfrm>
             <a:off x="504000" y="301320"/>
-            <a:ext cx="9071640" cy="1262160"/>
+            <a:ext cx="9071280" cy="1261800"/>
           </a:xfrm>
           <a:prstGeom prst="rect">
             <a:avLst/>
@@ -777,7 +4242,7 @@
       </p:grpSpPr>
       <p:sp>
         <p:nvSpPr>
-          <p:cNvPr id="13" name="PlaceHolder 1"/>
+          <p:cNvPr id="10" name="PlaceHolder 1"/>
           <p:cNvSpPr>
             <a:spLocks noGrp="1"/>
           </p:cNvSpPr>
@@ -788,7 +4253,7 @@
         <p:spPr>
           <a:xfrm>
             <a:off x="504000" y="301320"/>
-            <a:ext cx="9071640" cy="5851800"/>
+            <a:ext cx="9071280" cy="5850360"/>
           </a:xfrm>
           <a:prstGeom prst="rect">
             <a:avLst/>
@@ -826,7 +4291,7 @@
       </p:grpSpPr>
       <p:sp>
         <p:nvSpPr>
-          <p:cNvPr id="14" name="PlaceHolder 1"/>
+          <p:cNvPr id="11" name="PlaceHolder 1"/>
           <p:cNvSpPr>
             <a:spLocks noGrp="1"/>
           </p:cNvSpPr>
@@ -837,7 +4302,7 @@
         <p:spPr>
           <a:xfrm>
             <a:off x="504000" y="301320"/>
-            <a:ext cx="9071640" cy="1262160"/>
+            <a:ext cx="9071280" cy="1261800"/>
           </a:xfrm>
           <a:prstGeom prst="rect">
             <a:avLst/>
@@ -853,7 +4318,7 @@
       </p:sp>
       <p:sp>
         <p:nvSpPr>
-          <p:cNvPr id="15" name="PlaceHolder 2"/>
+          <p:cNvPr id="12" name="PlaceHolder 2"/>
           <p:cNvSpPr>
             <a:spLocks noGrp="1"/>
           </p:cNvSpPr>
@@ -864,7 +4329,7 @@
         <p:spPr>
           <a:xfrm>
             <a:off x="504000" y="1769040"/>
-            <a:ext cx="4426920" cy="2091240"/>
+            <a:ext cx="4426560" cy="2090880"/>
           </a:xfrm>
           <a:prstGeom prst="rect">
             <a:avLst/>
@@ -879,7 +4344,7 @@
       </p:sp>
       <p:sp>
         <p:nvSpPr>
-          <p:cNvPr id="16" name="PlaceHolder 3"/>
+          <p:cNvPr id="13" name="PlaceHolder 3"/>
           <p:cNvSpPr>
             <a:spLocks noGrp="1"/>
           </p:cNvSpPr>
@@ -889,8 +4354,8 @@
         </p:nvSpPr>
         <p:spPr>
           <a:xfrm>
-            <a:off x="504000" y="4059360"/>
-            <a:ext cx="4426920" cy="2091240"/>
+            <a:off x="504000" y="4059000"/>
+            <a:ext cx="4426560" cy="2090880"/>
           </a:xfrm>
           <a:prstGeom prst="rect">
             <a:avLst/>
@@ -905,7 +4370,7 @@
       </p:sp>
       <p:sp>
         <p:nvSpPr>
-          <p:cNvPr id="17" name="PlaceHolder 4"/>
+          <p:cNvPr id="14" name="PlaceHolder 4"/>
           <p:cNvSpPr>
             <a:spLocks noGrp="1"/>
           </p:cNvSpPr>
@@ -915,8 +4380,8 @@
         </p:nvSpPr>
         <p:spPr>
           <a:xfrm>
-            <a:off x="5152680" y="1769040"/>
-            <a:ext cx="4426920" cy="4384440"/>
+            <a:off x="5152320" y="1769040"/>
+            <a:ext cx="4426560" cy="4384080"/>
           </a:xfrm>
           <a:prstGeom prst="rect">
             <a:avLst/>
@@ -953,7 +4418,7 @@
       </p:grpSpPr>
       <p:sp>
         <p:nvSpPr>
-          <p:cNvPr id="18" name="PlaceHolder 1"/>
+          <p:cNvPr id="15" name="PlaceHolder 1"/>
           <p:cNvSpPr>
             <a:spLocks noGrp="1"/>
           </p:cNvSpPr>
@@ -964,7 +4429,7 @@
         <p:spPr>
           <a:xfrm>
             <a:off x="504000" y="301320"/>
-            <a:ext cx="9071640" cy="1262160"/>
+            <a:ext cx="9071280" cy="1261800"/>
           </a:xfrm>
           <a:prstGeom prst="rect">
             <a:avLst/>
@@ -980,7 +4445,7 @@
       </p:sp>
       <p:sp>
         <p:nvSpPr>
-          <p:cNvPr id="19" name="PlaceHolder 2"/>
+          <p:cNvPr id="16" name="PlaceHolder 2"/>
           <p:cNvSpPr>
             <a:spLocks noGrp="1"/>
           </p:cNvSpPr>
@@ -991,7 +4456,7 @@
         <p:spPr>
           <a:xfrm>
             <a:off x="504000" y="1769040"/>
-            <a:ext cx="4426920" cy="4384440"/>
+            <a:ext cx="4426560" cy="4384080"/>
           </a:xfrm>
           <a:prstGeom prst="rect">
             <a:avLst/>
@@ -1006,7 +4471,7 @@
       </p:sp>
       <p:sp>
         <p:nvSpPr>
-          <p:cNvPr id="20" name="PlaceHolder 3"/>
+          <p:cNvPr id="17" name="PlaceHolder 3"/>
           <p:cNvSpPr>
             <a:spLocks noGrp="1"/>
           </p:cNvSpPr>
@@ -1016,8 +4481,8 @@
         </p:nvSpPr>
         <p:spPr>
           <a:xfrm>
-            <a:off x="5152680" y="1769040"/>
-            <a:ext cx="4426920" cy="2091240"/>
+            <a:off x="5152320" y="1769040"/>
+            <a:ext cx="4426560" cy="2090880"/>
           </a:xfrm>
           <a:prstGeom prst="rect">
             <a:avLst/>
@@ -1032,7 +4497,7 @@
       </p:sp>
       <p:sp>
         <p:nvSpPr>
-          <p:cNvPr id="21" name="PlaceHolder 4"/>
+          <p:cNvPr id="18" name="PlaceHolder 4"/>
           <p:cNvSpPr>
             <a:spLocks noGrp="1"/>
           </p:cNvSpPr>
@@ -1042,8 +4507,8 @@
         </p:nvSpPr>
         <p:spPr>
           <a:xfrm>
-            <a:off x="5152680" y="4059360"/>
-            <a:ext cx="4426920" cy="2091240"/>
+            <a:off x="5152320" y="4059000"/>
+            <a:ext cx="4426560" cy="2090880"/>
           </a:xfrm>
           <a:prstGeom prst="rect">
             <a:avLst/>
@@ -1080,7 +4545,7 @@
       </p:grpSpPr>
       <p:sp>
         <p:nvSpPr>
-          <p:cNvPr id="22" name="PlaceHolder 1"/>
+          <p:cNvPr id="19" name="PlaceHolder 1"/>
           <p:cNvSpPr>
             <a:spLocks noGrp="1"/>
           </p:cNvSpPr>
@@ -1091,7 +4556,7 @@
         <p:spPr>
           <a:xfrm>
             <a:off x="504000" y="301320"/>
-            <a:ext cx="9071640" cy="1262160"/>
+            <a:ext cx="9071280" cy="1261800"/>
           </a:xfrm>
           <a:prstGeom prst="rect">
             <a:avLst/>
@@ -1107,7 +4572,7 @@
       </p:sp>
       <p:sp>
         <p:nvSpPr>
-          <p:cNvPr id="23" name="PlaceHolder 2"/>
+          <p:cNvPr id="20" name="PlaceHolder 2"/>
           <p:cNvSpPr>
             <a:spLocks noGrp="1"/>
           </p:cNvSpPr>
@@ -1118,7 +4583,7 @@
         <p:spPr>
           <a:xfrm>
             <a:off x="504000" y="1769040"/>
-            <a:ext cx="4426920" cy="2091240"/>
+            <a:ext cx="4426560" cy="2090880"/>
           </a:xfrm>
           <a:prstGeom prst="rect">
             <a:avLst/>
@@ -1133,7 +4598,7 @@
       </p:sp>
       <p:sp>
         <p:nvSpPr>
-          <p:cNvPr id="24" name="PlaceHolder 3"/>
+          <p:cNvPr id="21" name="PlaceHolder 3"/>
           <p:cNvSpPr>
             <a:spLocks noGrp="1"/>
           </p:cNvSpPr>
@@ -1143,8 +4608,8 @@
         </p:nvSpPr>
         <p:spPr>
           <a:xfrm>
-            <a:off x="5152680" y="1769040"/>
-            <a:ext cx="4426920" cy="2091240"/>
+            <a:off x="5152320" y="1769040"/>
+            <a:ext cx="4426560" cy="2090880"/>
           </a:xfrm>
           <a:prstGeom prst="rect">
             <a:avLst/>
@@ -1159,7 +4624,7 @@
       </p:sp>
       <p:sp>
         <p:nvSpPr>
-          <p:cNvPr id="25" name="PlaceHolder 4"/>
+          <p:cNvPr id="22" name="PlaceHolder 4"/>
           <p:cNvSpPr>
             <a:spLocks noGrp="1"/>
           </p:cNvSpPr>
@@ -1169,8 +4634,8 @@
         </p:nvSpPr>
         <p:spPr>
           <a:xfrm>
-            <a:off x="504000" y="4059360"/>
-            <a:ext cx="9071640" cy="2091240"/>
+            <a:off x="504000" y="4059000"/>
+            <a:ext cx="9071280" cy="2090880"/>
           </a:xfrm>
           <a:prstGeom prst="rect">
             <a:avLst/>
@@ -1218,7 +4683,7 @@
         <p:spPr>
           <a:xfrm>
             <a:off x="504000" y="301320"/>
-            <a:ext cx="9071640" cy="1262160"/>
+            <a:ext cx="9071280" cy="1261800"/>
           </a:xfrm>
           <a:prstGeom prst="rect">
             <a:avLst/>
@@ -1227,9 +4692,8 @@
         <p:txBody>
           <a:bodyPr lIns="0" rIns="0" tIns="0" bIns="0" anchor="ctr"/>
           <a:p>
-            <a:pPr algn="ctr"/>
-            <a:r>
-              <a:rPr lang="en-US" sz="4400">
+            <a:r>
+              <a:rPr lang="en-US">
                 <a:latin typeface="Arial"/>
               </a:rPr>
               <a:t>单击鼠标编辑标题文字格式</a:t>
@@ -1250,8 +4714,8 @@
         </p:nvSpPr>
         <p:spPr>
           <a:xfrm>
-            <a:off x="504000" y="1769040"/>
-            <a:ext cx="9071640" cy="4384440"/>
+            <a:off x="504000" y="1768680"/>
+            <a:ext cx="9072000" cy="4384080"/>
           </a:xfrm>
           <a:prstGeom prst="rect">
             <a:avLst/>
@@ -1355,104 +4819,6 @@
               </a:rPr>
               <a:t>第七大纲级别</a:t>
             </a:r>
-            <a:endParaRPr/>
-          </a:p>
-        </p:txBody>
-      </p:sp>
-      <p:sp>
-        <p:nvSpPr>
-          <p:cNvPr id="2" name="PlaceHolder 3"/>
-          <p:cNvSpPr>
-            <a:spLocks noGrp="1"/>
-          </p:cNvSpPr>
-          <p:nvPr>
-            <p:ph type="dt"/>
-          </p:nvPr>
-        </p:nvSpPr>
-        <p:spPr>
-          <a:xfrm>
-            <a:off x="504000" y="6887160"/>
-            <a:ext cx="2348280" cy="521280"/>
-          </a:xfrm>
-          <a:prstGeom prst="rect">
-            <a:avLst/>
-          </a:prstGeom>
-        </p:spPr>
-        <p:txBody>
-          <a:bodyPr lIns="0" rIns="0" tIns="0" bIns="0"/>
-          <a:p>
-            <a:r>
-              <a:rPr lang="en-US" sz="1400">
-                <a:latin typeface="Times New Roman"/>
-              </a:rPr>
-              <a:t>&lt;日期/时间&gt;</a:t>
-            </a:r>
-            <a:endParaRPr/>
-          </a:p>
-        </p:txBody>
-      </p:sp>
-      <p:sp>
-        <p:nvSpPr>
-          <p:cNvPr id="3" name="PlaceHolder 4"/>
-          <p:cNvSpPr>
-            <a:spLocks noGrp="1"/>
-          </p:cNvSpPr>
-          <p:nvPr>
-            <p:ph type="ftr"/>
-          </p:nvPr>
-        </p:nvSpPr>
-        <p:spPr>
-          <a:xfrm>
-            <a:off x="3447360" y="6887160"/>
-            <a:ext cx="3195000" cy="521280"/>
-          </a:xfrm>
-          <a:prstGeom prst="rect">
-            <a:avLst/>
-          </a:prstGeom>
-        </p:spPr>
-        <p:txBody>
-          <a:bodyPr lIns="0" rIns="0" tIns="0" bIns="0"/>
-          <a:p>
-            <a:pPr algn="ctr"/>
-            <a:r>
-              <a:rPr lang="en-US" sz="1400">
-                <a:latin typeface="Times New Roman"/>
-              </a:rPr>
-              <a:t>&lt;页脚&gt;</a:t>
-            </a:r>
-            <a:endParaRPr/>
-          </a:p>
-        </p:txBody>
-      </p:sp>
-      <p:sp>
-        <p:nvSpPr>
-          <p:cNvPr id="4" name="PlaceHolder 5"/>
-          <p:cNvSpPr>
-            <a:spLocks noGrp="1"/>
-          </p:cNvSpPr>
-          <p:nvPr>
-            <p:ph type="sldNum"/>
-          </p:nvPr>
-        </p:nvSpPr>
-        <p:spPr>
-          <a:xfrm>
-            <a:off x="7227360" y="6887160"/>
-            <a:ext cx="2348280" cy="521280"/>
-          </a:xfrm>
-          <a:prstGeom prst="rect">
-            <a:avLst/>
-          </a:prstGeom>
-        </p:spPr>
-        <p:txBody>
-          <a:bodyPr lIns="0" rIns="0" tIns="0" bIns="0"/>
-          <a:p>
-            <a:pPr algn="r"/>
-            <a:fld id="{B159F6ED-3626-4E58-B67F-D1EF8A7631E5}" type="slidenum">
-              <a:rPr lang="en-US" sz="1400">
-                <a:latin typeface="Times New Roman"/>
-              </a:rPr>
-              <a:t>&lt;编号&gt;</a:t>
-            </a:fld>
             <a:endParaRPr/>
           </a:p>
         </p:txBody>
@@ -1473,6 +4839,698 @@
     <p:sldLayoutId id="2147483658" r:id="rId11"/>
     <p:sldLayoutId id="2147483659" r:id="rId12"/>
     <p:sldLayoutId id="2147483660" r:id="rId13"/>
+  </p:sldLayoutIdLst>
+</p:sldMaster>
+</file>
+
+<file path=ppt/slideMasters/slideMaster2.xml><?xml version="1.0" encoding="utf-8"?>
+<p:sldMaster xmlns:a="http://schemas.openxmlformats.org/drawingml/2006/main" xmlns:p="http://schemas.openxmlformats.org/presentationml/2006/main" xmlns:r="http://schemas.openxmlformats.org/officeDocument/2006/relationships">
+  <p:cSld>
+    <p:spTree>
+      <p:nvGrpSpPr>
+        <p:cNvPr id="1" name=""/>
+        <p:cNvGrpSpPr/>
+        <p:nvPr/>
+      </p:nvGrpSpPr>
+      <p:grpSpPr>
+        <a:xfrm>
+          <a:off x="0" y="0"/>
+          <a:ext cx="0" cy="0"/>
+          <a:chOff x="0" y="0"/>
+          <a:chExt cx="0" cy="0"/>
+        </a:xfrm>
+      </p:grpSpPr>
+      <p:sp>
+        <p:nvSpPr>
+          <p:cNvPr id="36" name="PlaceHolder 1"/>
+          <p:cNvSpPr>
+            <a:spLocks noGrp="1"/>
+          </p:cNvSpPr>
+          <p:nvPr>
+            <p:ph type="title"/>
+          </p:nvPr>
+        </p:nvSpPr>
+        <p:spPr>
+          <a:xfrm>
+            <a:off x="504000" y="301320"/>
+            <a:ext cx="9071280" cy="1261800"/>
+          </a:xfrm>
+          <a:prstGeom prst="rect">
+            <a:avLst/>
+          </a:prstGeom>
+        </p:spPr>
+        <p:txBody>
+          <a:bodyPr lIns="0" rIns="0" tIns="0" bIns="0" anchor="ctr"/>
+          <a:p>
+            <a:r>
+              <a:rPr lang="en-US">
+                <a:latin typeface="Arial"/>
+              </a:rPr>
+              <a:t>单击鼠标编辑标题文字格式</a:t>
+            </a:r>
+            <a:endParaRPr/>
+          </a:p>
+        </p:txBody>
+      </p:sp>
+      <p:sp>
+        <p:nvSpPr>
+          <p:cNvPr id="37" name="PlaceHolder 2"/>
+          <p:cNvSpPr>
+            <a:spLocks noGrp="1"/>
+          </p:cNvSpPr>
+          <p:nvPr>
+            <p:ph type="body"/>
+          </p:nvPr>
+        </p:nvSpPr>
+        <p:spPr>
+          <a:xfrm>
+            <a:off x="504000" y="1769040"/>
+            <a:ext cx="9071280" cy="4384080"/>
+          </a:xfrm>
+          <a:prstGeom prst="rect">
+            <a:avLst/>
+          </a:prstGeom>
+        </p:spPr>
+        <p:txBody>
+          <a:bodyPr lIns="0" rIns="0" tIns="0" bIns="0"/>
+          <a:p>
+            <a:pPr>
+              <a:buSzPct val="45000"/>
+              <a:buFont typeface="StarSymbol"/>
+              <a:buChar char=""/>
+            </a:pPr>
+            <a:r>
+              <a:rPr lang="en-US">
+                <a:latin typeface="Arial"/>
+              </a:rPr>
+              <a:t>单击鼠标编辑大纲文字格式</a:t>
+            </a:r>
+            <a:endParaRPr/>
+          </a:p>
+          <a:p>
+            <a:pPr lvl="1">
+              <a:buSzPct val="75000"/>
+              <a:buFont typeface="StarSymbol"/>
+              <a:buChar char=""/>
+            </a:pPr>
+            <a:r>
+              <a:rPr lang="en-US">
+                <a:latin typeface="Arial"/>
+              </a:rPr>
+              <a:t>第二个大纲级</a:t>
+            </a:r>
+            <a:endParaRPr/>
+          </a:p>
+          <a:p>
+            <a:pPr lvl="2">
+              <a:buSzPct val="45000"/>
+              <a:buFont typeface="StarSymbol"/>
+              <a:buChar char=""/>
+            </a:pPr>
+            <a:r>
+              <a:rPr lang="en-US">
+                <a:latin typeface="Arial"/>
+              </a:rPr>
+              <a:t>第三大纲级别</a:t>
+            </a:r>
+            <a:endParaRPr/>
+          </a:p>
+          <a:p>
+            <a:pPr lvl="3">
+              <a:buSzPct val="75000"/>
+              <a:buFont typeface="StarSymbol"/>
+              <a:buChar char=""/>
+            </a:pPr>
+            <a:r>
+              <a:rPr lang="en-US">
+                <a:latin typeface="Arial"/>
+              </a:rPr>
+              <a:t>第四大纲级别</a:t>
+            </a:r>
+            <a:endParaRPr/>
+          </a:p>
+          <a:p>
+            <a:pPr lvl="4">
+              <a:buSzPct val="45000"/>
+              <a:buFont typeface="StarSymbol"/>
+              <a:buChar char=""/>
+            </a:pPr>
+            <a:r>
+              <a:rPr lang="en-US">
+                <a:latin typeface="Arial"/>
+              </a:rPr>
+              <a:t>第五大纲级别</a:t>
+            </a:r>
+            <a:endParaRPr/>
+          </a:p>
+          <a:p>
+            <a:pPr lvl="5">
+              <a:buSzPct val="45000"/>
+              <a:buFont typeface="StarSymbol"/>
+              <a:buChar char=""/>
+            </a:pPr>
+            <a:r>
+              <a:rPr lang="en-US">
+                <a:latin typeface="Arial"/>
+              </a:rPr>
+              <a:t>第六大纲级别</a:t>
+            </a:r>
+            <a:endParaRPr/>
+          </a:p>
+          <a:p>
+            <a:pPr lvl="6">
+              <a:buSzPct val="45000"/>
+              <a:buFont typeface="StarSymbol"/>
+              <a:buChar char=""/>
+            </a:pPr>
+            <a:r>
+              <a:rPr lang="en-US">
+                <a:latin typeface="Arial"/>
+              </a:rPr>
+              <a:t>第七大纲级别</a:t>
+            </a:r>
+            <a:endParaRPr/>
+          </a:p>
+        </p:txBody>
+      </p:sp>
+    </p:spTree>
+  </p:cSld>
+  <p:clrMap bg1="lt1" bg2="lt2" tx1="dk1" tx2="dk2" accent1="accent1" accent2="accent2" accent3="accent3" accent4="accent4" accent5="accent5" accent6="accent6" hlink="hlink" folHlink="folHlink"/>
+  <p:sldLayoutIdLst>
+    <p:sldLayoutId id="2147483662" r:id="rId2"/>
+    <p:sldLayoutId id="2147483663" r:id="rId3"/>
+    <p:sldLayoutId id="2147483664" r:id="rId4"/>
+    <p:sldLayoutId id="2147483665" r:id="rId5"/>
+    <p:sldLayoutId id="2147483666" r:id="rId6"/>
+    <p:sldLayoutId id="2147483667" r:id="rId7"/>
+    <p:sldLayoutId id="2147483668" r:id="rId8"/>
+    <p:sldLayoutId id="2147483669" r:id="rId9"/>
+    <p:sldLayoutId id="2147483670" r:id="rId10"/>
+    <p:sldLayoutId id="2147483671" r:id="rId11"/>
+    <p:sldLayoutId id="2147483672" r:id="rId12"/>
+    <p:sldLayoutId id="2147483673" r:id="rId13"/>
+  </p:sldLayoutIdLst>
+</p:sldMaster>
+</file>
+
+<file path=ppt/slideMasters/slideMaster3.xml><?xml version="1.0" encoding="utf-8"?>
+<p:sldMaster xmlns:a="http://schemas.openxmlformats.org/drawingml/2006/main" xmlns:p="http://schemas.openxmlformats.org/presentationml/2006/main" xmlns:r="http://schemas.openxmlformats.org/officeDocument/2006/relationships">
+  <p:cSld>
+    <p:spTree>
+      <p:nvGrpSpPr>
+        <p:cNvPr id="1" name=""/>
+        <p:cNvGrpSpPr/>
+        <p:nvPr/>
+      </p:nvGrpSpPr>
+      <p:grpSpPr>
+        <a:xfrm>
+          <a:off x="0" y="0"/>
+          <a:ext cx="0" cy="0"/>
+          <a:chOff x="0" y="0"/>
+          <a:chExt cx="0" cy="0"/>
+        </a:xfrm>
+      </p:grpSpPr>
+      <p:sp>
+        <p:nvSpPr>
+          <p:cNvPr id="72" name="PlaceHolder 1"/>
+          <p:cNvSpPr>
+            <a:spLocks noGrp="1"/>
+          </p:cNvSpPr>
+          <p:nvPr>
+            <p:ph type="title"/>
+          </p:nvPr>
+        </p:nvSpPr>
+        <p:spPr>
+          <a:xfrm>
+            <a:off x="504000" y="301320"/>
+            <a:ext cx="9071280" cy="1261800"/>
+          </a:xfrm>
+          <a:prstGeom prst="rect">
+            <a:avLst/>
+          </a:prstGeom>
+        </p:spPr>
+        <p:txBody>
+          <a:bodyPr lIns="0" rIns="0" tIns="0" bIns="0" anchor="ctr"/>
+          <a:p>
+            <a:r>
+              <a:rPr lang="en-US">
+                <a:latin typeface="Arial"/>
+              </a:rPr>
+              <a:t>单击鼠标编辑标题文字格式</a:t>
+            </a:r>
+            <a:endParaRPr/>
+          </a:p>
+        </p:txBody>
+      </p:sp>
+      <p:sp>
+        <p:nvSpPr>
+          <p:cNvPr id="73" name="PlaceHolder 2"/>
+          <p:cNvSpPr>
+            <a:spLocks noGrp="1"/>
+          </p:cNvSpPr>
+          <p:nvPr>
+            <p:ph type="body"/>
+          </p:nvPr>
+        </p:nvSpPr>
+        <p:spPr>
+          <a:xfrm>
+            <a:off x="504000" y="1769040"/>
+            <a:ext cx="9071280" cy="2090880"/>
+          </a:xfrm>
+          <a:prstGeom prst="rect">
+            <a:avLst/>
+          </a:prstGeom>
+        </p:spPr>
+        <p:txBody>
+          <a:bodyPr lIns="0" rIns="0" tIns="0" bIns="0"/>
+          <a:p>
+            <a:pPr>
+              <a:buSzPct val="45000"/>
+              <a:buFont typeface="StarSymbol"/>
+              <a:buChar char=""/>
+            </a:pPr>
+            <a:r>
+              <a:rPr lang="en-US">
+                <a:latin typeface="Arial"/>
+              </a:rPr>
+              <a:t>单击鼠标编辑大纲文字格式</a:t>
+            </a:r>
+            <a:endParaRPr/>
+          </a:p>
+          <a:p>
+            <a:pPr lvl="1">
+              <a:buSzPct val="75000"/>
+              <a:buFont typeface="StarSymbol"/>
+              <a:buChar char=""/>
+            </a:pPr>
+            <a:r>
+              <a:rPr lang="en-US">
+                <a:latin typeface="Arial"/>
+              </a:rPr>
+              <a:t>第二个大纲级</a:t>
+            </a:r>
+            <a:endParaRPr/>
+          </a:p>
+          <a:p>
+            <a:pPr lvl="2">
+              <a:buSzPct val="45000"/>
+              <a:buFont typeface="StarSymbol"/>
+              <a:buChar char=""/>
+            </a:pPr>
+            <a:r>
+              <a:rPr lang="en-US">
+                <a:latin typeface="Arial"/>
+              </a:rPr>
+              <a:t>第三大纲级别</a:t>
+            </a:r>
+            <a:endParaRPr/>
+          </a:p>
+          <a:p>
+            <a:pPr lvl="3">
+              <a:buSzPct val="75000"/>
+              <a:buFont typeface="StarSymbol"/>
+              <a:buChar char=""/>
+            </a:pPr>
+            <a:r>
+              <a:rPr lang="en-US">
+                <a:latin typeface="Arial"/>
+              </a:rPr>
+              <a:t>第四大纲级别</a:t>
+            </a:r>
+            <a:endParaRPr/>
+          </a:p>
+          <a:p>
+            <a:pPr lvl="4">
+              <a:buSzPct val="45000"/>
+              <a:buFont typeface="StarSymbol"/>
+              <a:buChar char=""/>
+            </a:pPr>
+            <a:r>
+              <a:rPr lang="en-US">
+                <a:latin typeface="Arial"/>
+              </a:rPr>
+              <a:t>第五大纲级别</a:t>
+            </a:r>
+            <a:endParaRPr/>
+          </a:p>
+          <a:p>
+            <a:pPr lvl="5">
+              <a:buSzPct val="45000"/>
+              <a:buFont typeface="StarSymbol"/>
+              <a:buChar char=""/>
+            </a:pPr>
+            <a:r>
+              <a:rPr lang="en-US">
+                <a:latin typeface="Arial"/>
+              </a:rPr>
+              <a:t>第六大纲级别</a:t>
+            </a:r>
+            <a:endParaRPr/>
+          </a:p>
+          <a:p>
+            <a:pPr lvl="6">
+              <a:buSzPct val="45000"/>
+              <a:buFont typeface="StarSymbol"/>
+              <a:buChar char=""/>
+            </a:pPr>
+            <a:r>
+              <a:rPr lang="en-US">
+                <a:latin typeface="Arial"/>
+              </a:rPr>
+              <a:t>第七大纲级别</a:t>
+            </a:r>
+            <a:endParaRPr/>
+          </a:p>
+        </p:txBody>
+      </p:sp>
+      <p:sp>
+        <p:nvSpPr>
+          <p:cNvPr id="74" name="PlaceHolder 3"/>
+          <p:cNvSpPr>
+            <a:spLocks noGrp="1"/>
+          </p:cNvSpPr>
+          <p:nvPr>
+            <p:ph type="body"/>
+          </p:nvPr>
+        </p:nvSpPr>
+        <p:spPr>
+          <a:xfrm>
+            <a:off x="504000" y="4059360"/>
+            <a:ext cx="9071280" cy="2090880"/>
+          </a:xfrm>
+          <a:prstGeom prst="rect">
+            <a:avLst/>
+          </a:prstGeom>
+        </p:spPr>
+        <p:txBody>
+          <a:bodyPr lIns="0" rIns="0" tIns="0" bIns="0"/>
+          <a:p>
+            <a:pPr>
+              <a:buSzPct val="45000"/>
+              <a:buFont typeface="StarSymbol"/>
+              <a:buChar char=""/>
+            </a:pPr>
+            <a:r>
+              <a:rPr lang="en-US">
+                <a:latin typeface="Arial"/>
+              </a:rPr>
+              <a:t>单击鼠标编辑大纲文字格式</a:t>
+            </a:r>
+            <a:endParaRPr/>
+          </a:p>
+          <a:p>
+            <a:pPr lvl="1">
+              <a:buSzPct val="75000"/>
+              <a:buFont typeface="StarSymbol"/>
+              <a:buChar char=""/>
+            </a:pPr>
+            <a:r>
+              <a:rPr lang="en-US">
+                <a:latin typeface="Arial"/>
+              </a:rPr>
+              <a:t>第二个大纲级</a:t>
+            </a:r>
+            <a:endParaRPr/>
+          </a:p>
+          <a:p>
+            <a:pPr lvl="2">
+              <a:buSzPct val="45000"/>
+              <a:buFont typeface="StarSymbol"/>
+              <a:buChar char=""/>
+            </a:pPr>
+            <a:r>
+              <a:rPr lang="en-US">
+                <a:latin typeface="Arial"/>
+              </a:rPr>
+              <a:t>第三大纲级别</a:t>
+            </a:r>
+            <a:endParaRPr/>
+          </a:p>
+          <a:p>
+            <a:pPr lvl="3">
+              <a:buSzPct val="75000"/>
+              <a:buFont typeface="StarSymbol"/>
+              <a:buChar char=""/>
+            </a:pPr>
+            <a:r>
+              <a:rPr lang="en-US">
+                <a:latin typeface="Arial"/>
+              </a:rPr>
+              <a:t>第四大纲级别</a:t>
+            </a:r>
+            <a:endParaRPr/>
+          </a:p>
+          <a:p>
+            <a:pPr lvl="4">
+              <a:buSzPct val="45000"/>
+              <a:buFont typeface="StarSymbol"/>
+              <a:buChar char=""/>
+            </a:pPr>
+            <a:r>
+              <a:rPr lang="en-US">
+                <a:latin typeface="Arial"/>
+              </a:rPr>
+              <a:t>第五大纲级别</a:t>
+            </a:r>
+            <a:endParaRPr/>
+          </a:p>
+          <a:p>
+            <a:pPr lvl="5">
+              <a:buSzPct val="45000"/>
+              <a:buFont typeface="StarSymbol"/>
+              <a:buChar char=""/>
+            </a:pPr>
+            <a:r>
+              <a:rPr lang="en-US">
+                <a:latin typeface="Arial"/>
+              </a:rPr>
+              <a:t>第六大纲级别</a:t>
+            </a:r>
+            <a:endParaRPr/>
+          </a:p>
+          <a:p>
+            <a:pPr lvl="6">
+              <a:buSzPct val="45000"/>
+              <a:buFont typeface="StarSymbol"/>
+              <a:buChar char=""/>
+            </a:pPr>
+            <a:r>
+              <a:rPr lang="en-US">
+                <a:latin typeface="Arial"/>
+              </a:rPr>
+              <a:t>第七大纲级别</a:t>
+            </a:r>
+            <a:endParaRPr/>
+          </a:p>
+        </p:txBody>
+      </p:sp>
+    </p:spTree>
+  </p:cSld>
+  <p:clrMap bg1="lt1" bg2="lt2" tx1="dk1" tx2="dk2" accent1="accent1" accent2="accent2" accent3="accent3" accent4="accent4" accent5="accent5" accent6="accent6" hlink="hlink" folHlink="folHlink"/>
+  <p:sldLayoutIdLst>
+    <p:sldLayoutId id="2147483675" r:id="rId2"/>
+    <p:sldLayoutId id="2147483676" r:id="rId3"/>
+    <p:sldLayoutId id="2147483677" r:id="rId4"/>
+    <p:sldLayoutId id="2147483678" r:id="rId5"/>
+    <p:sldLayoutId id="2147483679" r:id="rId6"/>
+    <p:sldLayoutId id="2147483680" r:id="rId7"/>
+    <p:sldLayoutId id="2147483681" r:id="rId8"/>
+    <p:sldLayoutId id="2147483682" r:id="rId9"/>
+    <p:sldLayoutId id="2147483683" r:id="rId10"/>
+    <p:sldLayoutId id="2147483684" r:id="rId11"/>
+    <p:sldLayoutId id="2147483685" r:id="rId12"/>
+    <p:sldLayoutId id="2147483686" r:id="rId13"/>
+  </p:sldLayoutIdLst>
+</p:sldMaster>
+</file>
+
+<file path=ppt/slideMasters/slideMaster4.xml><?xml version="1.0" encoding="utf-8"?>
+<p:sldMaster xmlns:a="http://schemas.openxmlformats.org/drawingml/2006/main" xmlns:p="http://schemas.openxmlformats.org/presentationml/2006/main" xmlns:r="http://schemas.openxmlformats.org/officeDocument/2006/relationships">
+  <p:cSld>
+    <p:spTree>
+      <p:nvGrpSpPr>
+        <p:cNvPr id="1" name=""/>
+        <p:cNvGrpSpPr/>
+        <p:nvPr/>
+      </p:nvGrpSpPr>
+      <p:grpSpPr>
+        <a:xfrm>
+          <a:off x="0" y="0"/>
+          <a:ext cx="0" cy="0"/>
+          <a:chOff x="0" y="0"/>
+          <a:chExt cx="0" cy="0"/>
+        </a:xfrm>
+      </p:grpSpPr>
+      <p:sp>
+        <p:nvSpPr>
+          <p:cNvPr id="109" name="PlaceHolder 1"/>
+          <p:cNvSpPr>
+            <a:spLocks noGrp="1"/>
+          </p:cNvSpPr>
+          <p:nvPr>
+            <p:ph type="title"/>
+          </p:nvPr>
+        </p:nvSpPr>
+        <p:spPr>
+          <a:xfrm>
+            <a:off x="504000" y="301320"/>
+            <a:ext cx="9072000" cy="1261800"/>
+          </a:xfrm>
+          <a:prstGeom prst="rect">
+            <a:avLst/>
+          </a:prstGeom>
+        </p:spPr>
+        <p:txBody>
+          <a:bodyPr lIns="0" rIns="0" tIns="0" bIns="0" anchor="ctr"/>
+          <a:p>
+            <a:pPr algn="ctr"/>
+            <a:r>
+              <a:rPr lang="en-US" sz="4400">
+                <a:latin typeface="Arial"/>
+              </a:rPr>
+              <a:t>单击鼠标编辑标题文字格式</a:t>
+            </a:r>
+            <a:endParaRPr/>
+          </a:p>
+        </p:txBody>
+      </p:sp>
+      <p:sp>
+        <p:nvSpPr>
+          <p:cNvPr id="110" name="PlaceHolder 2"/>
+          <p:cNvSpPr>
+            <a:spLocks noGrp="1"/>
+          </p:cNvSpPr>
+          <p:nvPr>
+            <p:ph type="body"/>
+          </p:nvPr>
+        </p:nvSpPr>
+        <p:spPr>
+          <a:xfrm>
+            <a:off x="504000" y="1768680"/>
+            <a:ext cx="9072000" cy="4384080"/>
+          </a:xfrm>
+          <a:prstGeom prst="rect">
+            <a:avLst/>
+          </a:prstGeom>
+        </p:spPr>
+        <p:txBody>
+          <a:bodyPr lIns="0" rIns="0" tIns="0" bIns="0"/>
+          <a:p>
+            <a:pPr>
+              <a:buSzPct val="45000"/>
+              <a:buFont typeface="StarSymbol"/>
+              <a:buChar char=""/>
+            </a:pPr>
+            <a:r>
+              <a:rPr lang="en-US" sz="3200">
+                <a:latin typeface="Arial"/>
+              </a:rPr>
+              <a:t>单击鼠标编辑大纲文字格式</a:t>
+            </a:r>
+            <a:endParaRPr/>
+          </a:p>
+          <a:p>
+            <a:pPr lvl="1">
+              <a:buSzPct val="75000"/>
+              <a:buFont typeface="StarSymbol"/>
+              <a:buChar char=""/>
+            </a:pPr>
+            <a:r>
+              <a:rPr lang="en-US" sz="2800">
+                <a:latin typeface="Arial"/>
+              </a:rPr>
+              <a:t>第二个大纲级</a:t>
+            </a:r>
+            <a:endParaRPr/>
+          </a:p>
+          <a:p>
+            <a:pPr lvl="2">
+              <a:buSzPct val="45000"/>
+              <a:buFont typeface="StarSymbol"/>
+              <a:buChar char=""/>
+            </a:pPr>
+            <a:r>
+              <a:rPr lang="en-US" sz="2400">
+                <a:latin typeface="Arial"/>
+              </a:rPr>
+              <a:t>第三大纲级别</a:t>
+            </a:r>
+            <a:endParaRPr/>
+          </a:p>
+          <a:p>
+            <a:pPr lvl="3">
+              <a:buSzPct val="75000"/>
+              <a:buFont typeface="StarSymbol"/>
+              <a:buChar char=""/>
+            </a:pPr>
+            <a:r>
+              <a:rPr lang="en-US" sz="2000">
+                <a:latin typeface="Arial"/>
+              </a:rPr>
+              <a:t>第四大纲级别</a:t>
+            </a:r>
+            <a:endParaRPr/>
+          </a:p>
+          <a:p>
+            <a:pPr lvl="4">
+              <a:buSzPct val="45000"/>
+              <a:buFont typeface="StarSymbol"/>
+              <a:buChar char=""/>
+            </a:pPr>
+            <a:r>
+              <a:rPr lang="en-US" sz="2000">
+                <a:latin typeface="Arial"/>
+              </a:rPr>
+              <a:t>第五大纲级别</a:t>
+            </a:r>
+            <a:endParaRPr/>
+          </a:p>
+          <a:p>
+            <a:pPr lvl="5">
+              <a:buSzPct val="45000"/>
+              <a:buFont typeface="StarSymbol"/>
+              <a:buChar char=""/>
+            </a:pPr>
+            <a:r>
+              <a:rPr lang="en-US" sz="2000">
+                <a:latin typeface="Arial"/>
+              </a:rPr>
+              <a:t>第六大纲级别</a:t>
+            </a:r>
+            <a:endParaRPr/>
+          </a:p>
+          <a:p>
+            <a:pPr lvl="6">
+              <a:buSzPct val="45000"/>
+              <a:buFont typeface="StarSymbol"/>
+              <a:buChar char=""/>
+            </a:pPr>
+            <a:r>
+              <a:rPr lang="en-US" sz="2000">
+                <a:latin typeface="Arial"/>
+              </a:rPr>
+              <a:t>第七大纲级别</a:t>
+            </a:r>
+            <a:endParaRPr/>
+          </a:p>
+        </p:txBody>
+      </p:sp>
+    </p:spTree>
+  </p:cSld>
+  <p:clrMap bg1="lt1" bg2="lt2" tx1="dk1" tx2="dk2" accent1="accent1" accent2="accent2" accent3="accent3" accent4="accent4" accent5="accent5" accent6="accent6" hlink="hlink" folHlink="folHlink"/>
+  <p:sldLayoutIdLst>
+    <p:sldLayoutId id="2147483688" r:id="rId2"/>
+    <p:sldLayoutId id="2147483689" r:id="rId3"/>
+    <p:sldLayoutId id="2147483690" r:id="rId4"/>
+    <p:sldLayoutId id="2147483691" r:id="rId5"/>
+    <p:sldLayoutId id="2147483692" r:id="rId6"/>
+    <p:sldLayoutId id="2147483693" r:id="rId7"/>
+    <p:sldLayoutId id="2147483694" r:id="rId8"/>
+    <p:sldLayoutId id="2147483695" r:id="rId9"/>
+    <p:sldLayoutId id="2147483696" r:id="rId10"/>
+    <p:sldLayoutId id="2147483697" r:id="rId11"/>
+    <p:sldLayoutId id="2147483698" r:id="rId12"/>
+    <p:sldLayoutId id="2147483699" r:id="rId13"/>
   </p:sldLayoutIdLst>
 </p:sldMaster>
 </file>
@@ -1496,14 +5554,14 @@
       </p:grpSpPr>
       <p:sp>
         <p:nvSpPr>
-          <p:cNvPr id="39" name="TextShape 1"/>
-          <p:cNvSpPr txBox="1"/>
+          <p:cNvPr id="145" name="CustomShape 1"/>
+          <p:cNvSpPr/>
           <p:nvPr/>
         </p:nvSpPr>
         <p:spPr>
           <a:xfrm>
             <a:off x="504000" y="301320"/>
-            <a:ext cx="9071640" cy="1262160"/>
+            <a:ext cx="9071280" cy="1261800"/>
           </a:xfrm>
           <a:prstGeom prst="rect">
             <a:avLst/>
@@ -1513,12 +5571,22 @@
             <a:noFill/>
           </a:ln>
         </p:spPr>
+        <p:style>
+          <a:lnRef idx="0"/>
+          <a:fillRef idx="0"/>
+          <a:effectRef idx="0"/>
+          <a:fontRef idx="minor"/>
+        </p:style>
         <p:txBody>
           <a:bodyPr lIns="0" rIns="0" tIns="0" bIns="0" anchor="ctr"/>
           <a:p>
-            <a:pPr algn="ctr"/>
-            <a:r>
-              <a:rPr lang="en-US" sz="4400">
+            <a:pPr algn="ctr">
+              <a:lnSpc>
+                <a:spcPct val="100000"/>
+              </a:lnSpc>
+            </a:pPr>
+            <a:r>
+              <a:rPr lang="en-US" sz="4400" strike="noStrike">
                 <a:latin typeface="Arial"/>
               </a:rPr>
               <a:t>Previous Summary &amp; New Framework</a:t>
@@ -1529,14 +5597,14 @@
       </p:sp>
       <p:sp>
         <p:nvSpPr>
-          <p:cNvPr id="40" name="TextShape 2"/>
-          <p:cNvSpPr txBox="1"/>
+          <p:cNvPr id="146" name="CustomShape 2"/>
+          <p:cNvSpPr/>
           <p:nvPr/>
         </p:nvSpPr>
         <p:spPr>
           <a:xfrm>
             <a:off x="936000" y="1663560"/>
-            <a:ext cx="9071640" cy="4384440"/>
+            <a:ext cx="9071280" cy="4384080"/>
           </a:xfrm>
           <a:prstGeom prst="rect">
             <a:avLst/>
@@ -1546,22 +5614,31 @@
             <a:noFill/>
           </a:ln>
         </p:spPr>
+        <p:style>
+          <a:lnRef idx="0"/>
+          <a:fillRef idx="0"/>
+          <a:effectRef idx="0"/>
+          <a:fontRef idx="minor"/>
+        </p:style>
         <p:txBody>
           <a:bodyPr lIns="0" rIns="0" tIns="0" bIns="0" anchor="ctr"/>
           <a:p>
             <a:pPr>
+              <a:lnSpc>
+                <a:spcPct val="100000"/>
+              </a:lnSpc>
               <a:buSzPct val="45000"/>
               <a:buFont typeface="StarSymbol"/>
               <a:buChar char=""/>
             </a:pPr>
             <a:r>
-              <a:rPr lang="en-US" sz="3200">
+              <a:rPr lang="en-US" sz="3200" strike="noStrike">
                 <a:latin typeface="Arial"/>
               </a:rPr>
               <a:t> </a:t>
             </a:r>
             <a:r>
-              <a:rPr lang="en-US" sz="3200">
+              <a:rPr lang="en-US" sz="3200" strike="noStrike">
                 <a:latin typeface="Arial"/>
               </a:rPr>
               <a:t>Old method</a:t>
@@ -1570,18 +5647,21 @@
           </a:p>
           <a:p>
             <a:pPr>
+              <a:lnSpc>
+                <a:spcPct val="100000"/>
+              </a:lnSpc>
               <a:buSzPct val="45000"/>
               <a:buFont typeface="StarSymbol"/>
               <a:buChar char=""/>
             </a:pPr>
             <a:r>
-              <a:rPr lang="en-US" sz="3200">
+              <a:rPr lang="en-US" sz="3200" strike="noStrike">
                 <a:latin typeface="Arial"/>
               </a:rPr>
               <a:t> </a:t>
             </a:r>
             <a:r>
-              <a:rPr lang="en-US" sz="3200">
+              <a:rPr lang="en-US" sz="3200" strike="noStrike">
                 <a:latin typeface="Arial"/>
               </a:rPr>
               <a:t>New Method </a:t>
@@ -1641,14 +5721,14 @@
       </p:grpSpPr>
       <p:sp>
         <p:nvSpPr>
-          <p:cNvPr id="57" name="TextShape 1"/>
-          <p:cNvSpPr txBox="1"/>
+          <p:cNvPr id="163" name="CustomShape 1"/>
+          <p:cNvSpPr/>
           <p:nvPr/>
         </p:nvSpPr>
         <p:spPr>
           <a:xfrm>
             <a:off x="504000" y="301320"/>
-            <a:ext cx="9071640" cy="1262160"/>
+            <a:ext cx="9071280" cy="1261800"/>
           </a:xfrm>
           <a:prstGeom prst="rect">
             <a:avLst/>
@@ -1658,12 +5738,22 @@
             <a:noFill/>
           </a:ln>
         </p:spPr>
+        <p:style>
+          <a:lnRef idx="0"/>
+          <a:fillRef idx="0"/>
+          <a:effectRef idx="0"/>
+          <a:fontRef idx="minor"/>
+        </p:style>
         <p:txBody>
           <a:bodyPr lIns="0" rIns="0" tIns="0" bIns="0" anchor="ctr"/>
           <a:p>
-            <a:pPr algn="ctr"/>
-            <a:r>
-              <a:rPr lang="en-US" sz="4400">
+            <a:pPr algn="ctr">
+              <a:lnSpc>
+                <a:spcPct val="100000"/>
+              </a:lnSpc>
+            </a:pPr>
+            <a:r>
+              <a:rPr lang="en-US" sz="4400" strike="noStrike">
                 <a:latin typeface="Arial"/>
               </a:rPr>
               <a:t>R = 0.3</a:t>
@@ -1674,7 +5764,7 @@
       </p:sp>
       <p:pic>
         <p:nvPicPr>
-          <p:cNvPr id="58" name="" descr=""/>
+          <p:cNvPr id="164" name="" descr=""/>
           <p:cNvPicPr/>
           <p:nvPr/>
         </p:nvPicPr>
@@ -1685,7 +5775,7 @@
         <p:spPr>
           <a:xfrm>
             <a:off x="0" y="1368000"/>
-            <a:ext cx="10079640" cy="4951080"/>
+            <a:ext cx="10079280" cy="4950720"/>
           </a:xfrm>
           <a:prstGeom prst="rect">
             <a:avLst/>
@@ -1746,14 +5836,14 @@
       </p:grpSpPr>
       <p:sp>
         <p:nvSpPr>
-          <p:cNvPr id="59" name="TextShape 1"/>
-          <p:cNvSpPr txBox="1"/>
+          <p:cNvPr id="165" name="CustomShape 1"/>
+          <p:cNvSpPr/>
           <p:nvPr/>
         </p:nvSpPr>
         <p:spPr>
           <a:xfrm>
             <a:off x="504000" y="301320"/>
-            <a:ext cx="9071640" cy="1262160"/>
+            <a:ext cx="9071280" cy="1261800"/>
           </a:xfrm>
           <a:prstGeom prst="rect">
             <a:avLst/>
@@ -1763,12 +5853,22 @@
             <a:noFill/>
           </a:ln>
         </p:spPr>
+        <p:style>
+          <a:lnRef idx="0"/>
+          <a:fillRef idx="0"/>
+          <a:effectRef idx="0"/>
+          <a:fontRef idx="minor"/>
+        </p:style>
         <p:txBody>
           <a:bodyPr lIns="0" rIns="0" tIns="0" bIns="0" anchor="ctr"/>
           <a:p>
-            <a:pPr algn="ctr"/>
-            <a:r>
-              <a:rPr lang="en-US" sz="4400">
+            <a:pPr algn="ctr">
+              <a:lnSpc>
+                <a:spcPct val="100000"/>
+              </a:lnSpc>
+            </a:pPr>
+            <a:r>
+              <a:rPr lang="en-US" sz="4400" strike="noStrike">
                 <a:latin typeface="Arial"/>
               </a:rPr>
               <a:t>R = 0.8</a:t>
@@ -1779,7 +5879,7 @@
       </p:sp>
       <p:pic>
         <p:nvPicPr>
-          <p:cNvPr id="60" name="" descr=""/>
+          <p:cNvPr id="166" name="" descr=""/>
           <p:cNvPicPr/>
           <p:nvPr/>
         </p:nvPicPr>
@@ -1790,7 +5890,7 @@
         <p:spPr>
           <a:xfrm>
             <a:off x="144000" y="1656000"/>
-            <a:ext cx="9720000" cy="5184000"/>
+            <a:ext cx="9719640" cy="5183640"/>
           </a:xfrm>
           <a:prstGeom prst="rect">
             <a:avLst/>
@@ -1851,14 +5951,14 @@
       </p:grpSpPr>
       <p:sp>
         <p:nvSpPr>
-          <p:cNvPr id="61" name="TextShape 1"/>
-          <p:cNvSpPr txBox="1"/>
+          <p:cNvPr id="167" name="CustomShape 1"/>
+          <p:cNvSpPr/>
           <p:nvPr/>
         </p:nvSpPr>
         <p:spPr>
           <a:xfrm>
             <a:off x="504000" y="301320"/>
-            <a:ext cx="9071640" cy="1262160"/>
+            <a:ext cx="9071280" cy="1261800"/>
           </a:xfrm>
           <a:prstGeom prst="rect">
             <a:avLst/>
@@ -1868,12 +5968,22 @@
             <a:noFill/>
           </a:ln>
         </p:spPr>
+        <p:style>
+          <a:lnRef idx="0"/>
+          <a:fillRef idx="0"/>
+          <a:effectRef idx="0"/>
+          <a:fontRef idx="minor"/>
+        </p:style>
         <p:txBody>
           <a:bodyPr lIns="0" rIns="0" tIns="0" bIns="0" anchor="ctr"/>
           <a:p>
-            <a:pPr algn="ctr"/>
-            <a:r>
-              <a:rPr lang="en-US" sz="4400">
+            <a:pPr algn="ctr">
+              <a:lnSpc>
+                <a:spcPct val="100000"/>
+              </a:lnSpc>
+            </a:pPr>
+            <a:r>
+              <a:rPr lang="en-US" sz="4400" strike="noStrike">
                 <a:latin typeface="Arial"/>
               </a:rPr>
               <a:t>R = 1.5</a:t>
@@ -1884,14 +5994,14 @@
       </p:sp>
       <p:sp>
         <p:nvSpPr>
-          <p:cNvPr id="62" name="TextShape 2"/>
-          <p:cNvSpPr txBox="1"/>
+          <p:cNvPr id="168" name="CustomShape 2"/>
+          <p:cNvSpPr/>
           <p:nvPr/>
         </p:nvSpPr>
         <p:spPr>
           <a:xfrm>
             <a:off x="504000" y="1769040"/>
-            <a:ext cx="9071640" cy="4384440"/>
+            <a:ext cx="9071280" cy="4384080"/>
           </a:xfrm>
           <a:prstGeom prst="rect">
             <a:avLst/>
@@ -1901,16 +6011,16 @@
             <a:noFill/>
           </a:ln>
         </p:spPr>
-        <p:txBody>
-          <a:bodyPr lIns="0" rIns="0" tIns="0" bIns="0"/>
-          <a:p>
-            <a:endParaRPr/>
-          </a:p>
-        </p:txBody>
+        <p:style>
+          <a:lnRef idx="0"/>
+          <a:fillRef idx="0"/>
+          <a:effectRef idx="0"/>
+          <a:fontRef idx="minor"/>
+        </p:style>
       </p:sp>
       <p:pic>
         <p:nvPicPr>
-          <p:cNvPr id="63" name="" descr=""/>
+          <p:cNvPr id="169" name="" descr=""/>
           <p:cNvPicPr/>
           <p:nvPr/>
         </p:nvPicPr>
@@ -1921,7 +6031,7 @@
         <p:spPr>
           <a:xfrm>
             <a:off x="360" y="1296000"/>
-            <a:ext cx="10079640" cy="5904000"/>
+            <a:ext cx="10079280" cy="5903640"/>
           </a:xfrm>
           <a:prstGeom prst="rect">
             <a:avLst/>
@@ -1982,14 +6092,14 @@
       </p:grpSpPr>
       <p:sp>
         <p:nvSpPr>
-          <p:cNvPr id="64" name="TextShape 1"/>
-          <p:cNvSpPr txBox="1"/>
+          <p:cNvPr id="170" name="CustomShape 1"/>
+          <p:cNvSpPr/>
           <p:nvPr/>
         </p:nvSpPr>
         <p:spPr>
           <a:xfrm>
             <a:off x="504000" y="301320"/>
-            <a:ext cx="9071640" cy="1262160"/>
+            <a:ext cx="9071280" cy="1261800"/>
           </a:xfrm>
           <a:prstGeom prst="rect">
             <a:avLst/>
@@ -1999,12 +6109,22 @@
             <a:noFill/>
           </a:ln>
         </p:spPr>
+        <p:style>
+          <a:lnRef idx="0"/>
+          <a:fillRef idx="0"/>
+          <a:effectRef idx="0"/>
+          <a:fontRef idx="minor"/>
+        </p:style>
         <p:txBody>
           <a:bodyPr lIns="0" rIns="0" tIns="0" bIns="0" anchor="ctr"/>
           <a:p>
-            <a:pPr algn="ctr"/>
-            <a:r>
-              <a:rPr lang="en-US" sz="4400">
+            <a:pPr algn="ctr">
+              <a:lnSpc>
+                <a:spcPct val="100000"/>
+              </a:lnSpc>
+            </a:pPr>
+            <a:r>
+              <a:rPr lang="en-US" sz="4400" strike="noStrike">
                 <a:latin typeface="Arial"/>
               </a:rPr>
               <a:t>How to pick that new but small Peak</a:t>
@@ -2015,14 +6135,14 @@
       </p:sp>
       <p:sp>
         <p:nvSpPr>
-          <p:cNvPr id="65" name="TextShape 2"/>
-          <p:cNvSpPr txBox="1"/>
+          <p:cNvPr id="171" name="CustomShape 2"/>
+          <p:cNvSpPr/>
           <p:nvPr/>
         </p:nvSpPr>
         <p:spPr>
           <a:xfrm>
             <a:off x="504000" y="1769040"/>
-            <a:ext cx="9071640" cy="4384440"/>
+            <a:ext cx="9071280" cy="4384080"/>
           </a:xfrm>
           <a:prstGeom prst="rect">
             <a:avLst/>
@@ -2032,16 +6152,25 @@
             <a:noFill/>
           </a:ln>
         </p:spPr>
+        <p:style>
+          <a:lnRef idx="0"/>
+          <a:fillRef idx="0"/>
+          <a:effectRef idx="0"/>
+          <a:fontRef idx="minor"/>
+        </p:style>
         <p:txBody>
           <a:bodyPr lIns="0" rIns="0" tIns="0" bIns="0"/>
           <a:p>
             <a:pPr>
+              <a:lnSpc>
+                <a:spcPct val="100000"/>
+              </a:lnSpc>
               <a:buSzPct val="45000"/>
               <a:buFont typeface="StarSymbol"/>
               <a:buChar char=""/>
             </a:pPr>
             <a:r>
-              <a:rPr lang="en-US" sz="3200">
+              <a:rPr lang="en-US" sz="3200" strike="noStrike">
                 <a:latin typeface="Arial"/>
               </a:rPr>
               <a:t>Apply different r</a:t>
@@ -2050,12 +6179,15 @@
           </a:p>
           <a:p>
             <a:pPr>
+              <a:lnSpc>
+                <a:spcPct val="100000"/>
+              </a:lnSpc>
               <a:buSzPct val="45000"/>
               <a:buFont typeface="StarSymbol"/>
               <a:buChar char=""/>
             </a:pPr>
             <a:r>
-              <a:rPr lang="en-US" sz="3200">
+              <a:rPr lang="en-US" sz="3200" strike="noStrike">
                 <a:latin typeface="Arial"/>
               </a:rPr>
               <a:t>Observe changes of peaks</a:t>
@@ -2064,12 +6196,15 @@
           </a:p>
           <a:p>
             <a:pPr>
+              <a:lnSpc>
+                <a:spcPct val="100000"/>
+              </a:lnSpc>
               <a:buSzPct val="45000"/>
               <a:buFont typeface="StarSymbol"/>
               <a:buChar char=""/>
             </a:pPr>
             <a:r>
-              <a:rPr lang="en-US" sz="3200">
+              <a:rPr lang="en-US" sz="3200" strike="noStrike">
                 <a:latin typeface="Arial"/>
               </a:rPr>
               <a:t>Peak the special one</a:t>
@@ -2129,14 +6264,14 @@
       </p:grpSpPr>
       <p:sp>
         <p:nvSpPr>
-          <p:cNvPr id="66" name="TextShape 1"/>
-          <p:cNvSpPr txBox="1"/>
+          <p:cNvPr id="172" name="CustomShape 1"/>
+          <p:cNvSpPr/>
           <p:nvPr/>
         </p:nvSpPr>
         <p:spPr>
           <a:xfrm>
             <a:off x="504000" y="301320"/>
-            <a:ext cx="9071640" cy="1262160"/>
+            <a:ext cx="9071280" cy="1261800"/>
           </a:xfrm>
           <a:prstGeom prst="rect">
             <a:avLst/>
@@ -2146,12 +6281,22 @@
             <a:noFill/>
           </a:ln>
         </p:spPr>
+        <p:style>
+          <a:lnRef idx="0"/>
+          <a:fillRef idx="0"/>
+          <a:effectRef idx="0"/>
+          <a:fontRef idx="minor"/>
+        </p:style>
         <p:txBody>
           <a:bodyPr lIns="0" rIns="0" tIns="0" bIns="0" anchor="ctr"/>
           <a:p>
-            <a:pPr algn="ctr"/>
-            <a:r>
-              <a:rPr lang="en-US" sz="4400">
+            <a:pPr algn="ctr">
+              <a:lnSpc>
+                <a:spcPct val="100000"/>
+              </a:lnSpc>
+            </a:pPr>
+            <a:r>
+              <a:rPr lang="en-US" sz="4400" strike="noStrike">
                 <a:latin typeface="Arial"/>
               </a:rPr>
               <a:t>Version One Already!</a:t>
@@ -2162,14 +6307,14 @@
       </p:sp>
       <p:sp>
         <p:nvSpPr>
-          <p:cNvPr id="67" name="TextShape 2"/>
-          <p:cNvSpPr txBox="1"/>
+          <p:cNvPr id="173" name="CustomShape 2"/>
+          <p:cNvSpPr/>
           <p:nvPr/>
         </p:nvSpPr>
         <p:spPr>
           <a:xfrm>
             <a:off x="504000" y="1769040"/>
-            <a:ext cx="9071640" cy="4384440"/>
+            <a:ext cx="9071280" cy="4384080"/>
           </a:xfrm>
           <a:prstGeom prst="rect">
             <a:avLst/>
@@ -2179,16 +6324,25 @@
             <a:noFill/>
           </a:ln>
         </p:spPr>
+        <p:style>
+          <a:lnRef idx="0"/>
+          <a:fillRef idx="0"/>
+          <a:effectRef idx="0"/>
+          <a:fontRef idx="minor"/>
+        </p:style>
         <p:txBody>
           <a:bodyPr lIns="0" rIns="0" tIns="0" bIns="0"/>
           <a:p>
             <a:pPr>
+              <a:lnSpc>
+                <a:spcPct val="100000"/>
+              </a:lnSpc>
               <a:buSzPct val="45000"/>
               <a:buFont typeface="StarSymbol"/>
               <a:buChar char=""/>
             </a:pPr>
             <a:r>
-              <a:rPr lang="en-US" sz="3200">
+              <a:rPr lang="en-US" sz="3200" strike="noStrike">
                 <a:latin typeface="Arial"/>
               </a:rPr>
               <a:t>Only Simple Rules</a:t>
@@ -2197,154 +6351,181 @@
           </a:p>
           <a:p>
             <a:pPr lvl="1">
-              <a:buSzPct val="75000"/>
-              <a:buFont typeface="StarSymbol"/>
-              <a:buChar char=""/>
-            </a:pPr>
-            <a:r>
-              <a:rPr lang="en-US" sz="2800">
-                <a:latin typeface="Arial"/>
-              </a:rPr>
-              <a:t> </a:t>
-            </a:r>
-            <a:r>
-              <a:rPr lang="en-US" sz="2800">
-                <a:latin typeface="Arial"/>
-              </a:rPr>
-              <a:t>Magnitude Unit</a:t>
-            </a:r>
-            <a:endParaRPr/>
-          </a:p>
-          <a:p>
-            <a:pPr lvl="2">
+              <a:lnSpc>
+                <a:spcPct val="100000"/>
+              </a:lnSpc>
               <a:buSzPct val="45000"/>
               <a:buFont typeface="StarSymbol"/>
               <a:buChar char=""/>
             </a:pPr>
             <a:r>
-              <a:rPr lang="en-US" sz="2400">
-                <a:latin typeface="Arial"/>
-              </a:rPr>
-              <a:t>Peak the larger one</a:t>
-            </a:r>
-            <a:endParaRPr/>
-          </a:p>
-          <a:p>
-            <a:pPr lvl="1">
-              <a:buSzPct val="75000"/>
-              <a:buFont typeface="StarSymbol"/>
-              <a:buChar char=""/>
-            </a:pPr>
-            <a:r>
-              <a:rPr lang="en-US" sz="2800">
+              <a:rPr lang="en-US" sz="2800" strike="noStrike">
                 <a:latin typeface="Arial"/>
               </a:rPr>
               <a:t> </a:t>
             </a:r>
             <a:r>
-              <a:rPr lang="en-US" sz="2800">
-                <a:latin typeface="Arial"/>
-              </a:rPr>
-              <a:t>Memory Unit </a:t>
+              <a:rPr lang="en-US" sz="2800" strike="noStrike">
+                <a:latin typeface="Arial"/>
+              </a:rPr>
+              <a:t>Magnitude Unit</a:t>
             </a:r>
             <a:endParaRPr/>
           </a:p>
           <a:p>
             <a:pPr lvl="2">
+              <a:lnSpc>
+                <a:spcPct val="100000"/>
+              </a:lnSpc>
               <a:buSzPct val="45000"/>
               <a:buFont typeface="StarSymbol"/>
               <a:buChar char=""/>
             </a:pPr>
             <a:r>
-              <a:rPr lang="en-US" sz="2400">
-                <a:latin typeface="Arial"/>
-              </a:rPr>
-              <a:t>find the peaks that not so far from the previous estimation</a:t>
-            </a:r>
-            <a:endParaRPr/>
-          </a:p>
-          <a:p>
-            <a:pPr lvl="2">
+              <a:rPr lang="en-US" sz="2400" strike="noStrike">
+                <a:latin typeface="Arial"/>
+              </a:rPr>
+              <a:t>Peak the larger one</a:t>
+            </a:r>
+            <a:endParaRPr/>
+          </a:p>
+          <a:p>
+            <a:pPr lvl="1">
+              <a:lnSpc>
+                <a:spcPct val="100000"/>
+              </a:lnSpc>
               <a:buSzPct val="45000"/>
               <a:buFont typeface="StarSymbol"/>
               <a:buChar char=""/>
             </a:pPr>
             <a:r>
-              <a:rPr lang="en-US" sz="2400">
-                <a:latin typeface="Arial"/>
-              </a:rPr>
-              <a:t>Not find all peaks from 0.5 to 3.0</a:t>
+              <a:rPr lang="en-US" sz="2800" strike="noStrike">
+                <a:latin typeface="Arial"/>
+              </a:rPr>
+              <a:t> </a:t>
+            </a:r>
+            <a:r>
+              <a:rPr lang="en-US" sz="2800" strike="noStrike">
+                <a:latin typeface="Arial"/>
+              </a:rPr>
+              <a:t>Memory Unit </a:t>
             </a:r>
             <a:endParaRPr/>
           </a:p>
           <a:p>
             <a:pPr lvl="2">
+              <a:lnSpc>
+                <a:spcPct val="100000"/>
+              </a:lnSpc>
               <a:buSzPct val="45000"/>
               <a:buFont typeface="StarSymbol"/>
               <a:buChar char=""/>
             </a:pPr>
             <a:r>
-              <a:rPr lang="en-US" sz="2400">
-                <a:latin typeface="Arial"/>
-              </a:rPr>
-              <a:t>Simple rule: 0.8*current + 0.2* previous</a:t>
-            </a:r>
-            <a:r>
-              <a:rPr lang="en-US" sz="2400">
-                <a:latin typeface="Arial"/>
-              </a:rPr>
-              <a:t>	</a:t>
-            </a:r>
-            <a:r>
-              <a:rPr lang="en-US" sz="2400">
-                <a:latin typeface="Arial"/>
-              </a:rPr>
-              <a:t>	</a:t>
-            </a:r>
-            <a:endParaRPr/>
-          </a:p>
-          <a:p>
-            <a:pPr lvl="1">
-              <a:buSzPct val="75000"/>
-              <a:buFont typeface="StarSymbol"/>
-              <a:buChar char=""/>
-            </a:pPr>
-            <a:r>
-              <a:rPr lang="en-US" sz="2800">
-                <a:latin typeface="Arial"/>
-              </a:rPr>
-              <a:t> </a:t>
-            </a:r>
-            <a:r>
-              <a:rPr lang="en-US" sz="2800">
-                <a:latin typeface="Arial"/>
-              </a:rPr>
-              <a:t>Wavelet Unit</a:t>
+              <a:rPr lang="en-US" sz="2400" strike="noStrike">
+                <a:latin typeface="Arial"/>
+              </a:rPr>
+              <a:t>find the peaks that not so far from the previous estimation</a:t>
             </a:r>
             <a:endParaRPr/>
           </a:p>
           <a:p>
             <a:pPr lvl="2">
+              <a:lnSpc>
+                <a:spcPct val="100000"/>
+              </a:lnSpc>
               <a:buSzPct val="45000"/>
               <a:buFont typeface="StarSymbol"/>
               <a:buChar char=""/>
             </a:pPr>
             <a:r>
-              <a:rPr lang="en-US" sz="2400">
-                <a:latin typeface="Arial"/>
-              </a:rPr>
-              <a:t>Find the Special peak as above</a:t>
+              <a:rPr lang="en-US" sz="2400" strike="noStrike">
+                <a:latin typeface="Arial"/>
+              </a:rPr>
+              <a:t>Not find all peaks from 0.5 to 3.0</a:t>
             </a:r>
             <a:endParaRPr/>
           </a:p>
           <a:p>
             <a:pPr lvl="2">
+              <a:lnSpc>
+                <a:spcPct val="100000"/>
+              </a:lnSpc>
               <a:buSzPct val="45000"/>
               <a:buFont typeface="StarSymbol"/>
               <a:buChar char=""/>
             </a:pPr>
             <a:r>
-              <a:rPr lang="en-US" sz="2400">
+              <a:rPr lang="en-US" sz="2400" strike="noStrike">
+                <a:latin typeface="Arial"/>
+              </a:rPr>
+              <a:t>Simple rule: 0.8*current + 0.2* previous</a:t>
+            </a:r>
+            <a:r>
+              <a:rPr lang="en-US" sz="2400" strike="noStrike">
+                <a:latin typeface="Arial"/>
+              </a:rPr>
+              <a:t>	</a:t>
+            </a:r>
+            <a:r>
+              <a:rPr lang="en-US" sz="2400" strike="noStrike">
+                <a:latin typeface="Arial"/>
+              </a:rPr>
+              <a:t>	</a:t>
+            </a:r>
+            <a:endParaRPr/>
+          </a:p>
+          <a:p>
+            <a:pPr lvl="1">
+              <a:lnSpc>
+                <a:spcPct val="100000"/>
+              </a:lnSpc>
+              <a:buSzPct val="45000"/>
+              <a:buFont typeface="StarSymbol"/>
+              <a:buChar char=""/>
+            </a:pPr>
+            <a:r>
+              <a:rPr lang="en-US" sz="2800" strike="noStrike">
+                <a:latin typeface="Arial"/>
+              </a:rPr>
+              <a:t> </a:t>
+            </a:r>
+            <a:r>
+              <a:rPr lang="en-US" sz="2800" strike="noStrike">
+                <a:latin typeface="Arial"/>
+              </a:rPr>
+              <a:t>Wavelet Unit</a:t>
+            </a:r>
+            <a:endParaRPr/>
+          </a:p>
+          <a:p>
+            <a:pPr lvl="2">
+              <a:lnSpc>
+                <a:spcPct val="100000"/>
+              </a:lnSpc>
+              <a:buSzPct val="45000"/>
+              <a:buFont typeface="StarSymbol"/>
+              <a:buChar char=""/>
+            </a:pPr>
+            <a:r>
+              <a:rPr lang="en-US" sz="2400" strike="noStrike">
+                <a:latin typeface="Arial"/>
+              </a:rPr>
+              <a:t>Find the Special peak as above</a:t>
+            </a:r>
+            <a:endParaRPr/>
+          </a:p>
+          <a:p>
+            <a:pPr lvl="2">
+              <a:lnSpc>
+                <a:spcPct val="100000"/>
+              </a:lnSpc>
+              <a:buSzPct val="45000"/>
+              <a:buFont typeface="StarSymbol"/>
+              <a:buChar char=""/>
+            </a:pPr>
+            <a:r>
+              <a:rPr lang="en-US" sz="2400" strike="noStrike">
                 <a:latin typeface="Arial"/>
               </a:rPr>
               <a:t>Have higher priority than the memory unit.</a:t>
@@ -2404,14 +6585,14 @@
       </p:grpSpPr>
       <p:sp>
         <p:nvSpPr>
-          <p:cNvPr id="68" name="TextShape 1"/>
-          <p:cNvSpPr txBox="1"/>
+          <p:cNvPr id="174" name="CustomShape 1"/>
+          <p:cNvSpPr/>
           <p:nvPr/>
         </p:nvSpPr>
         <p:spPr>
           <a:xfrm>
             <a:off x="504000" y="301320"/>
-            <a:ext cx="9071640" cy="1262160"/>
+            <a:ext cx="9071280" cy="1261800"/>
           </a:xfrm>
           <a:prstGeom prst="rect">
             <a:avLst/>
@@ -2421,12 +6602,22 @@
             <a:noFill/>
           </a:ln>
         </p:spPr>
+        <p:style>
+          <a:lnRef idx="0"/>
+          <a:fillRef idx="0"/>
+          <a:effectRef idx="0"/>
+          <a:fontRef idx="minor"/>
+        </p:style>
         <p:txBody>
           <a:bodyPr lIns="0" rIns="0" tIns="0" bIns="0" anchor="ctr"/>
           <a:p>
-            <a:pPr algn="ctr"/>
-            <a:r>
-              <a:rPr lang="en-US" sz="4400">
+            <a:pPr algn="ctr">
+              <a:lnSpc>
+                <a:spcPct val="100000"/>
+              </a:lnSpc>
+            </a:pPr>
+            <a:r>
+              <a:rPr lang="en-US" sz="4400" strike="noStrike">
                 <a:latin typeface="Arial"/>
               </a:rPr>
               <a:t>Version One Already!</a:t>
@@ -2437,14 +6628,14 @@
       </p:sp>
       <p:sp>
         <p:nvSpPr>
-          <p:cNvPr id="69" name="TextShape 2"/>
-          <p:cNvSpPr txBox="1"/>
+          <p:cNvPr id="175" name="CustomShape 2"/>
+          <p:cNvSpPr/>
           <p:nvPr/>
         </p:nvSpPr>
         <p:spPr>
           <a:xfrm>
             <a:off x="504000" y="1769040"/>
-            <a:ext cx="9071640" cy="4384440"/>
+            <a:ext cx="9071280" cy="4384080"/>
           </a:xfrm>
           <a:prstGeom prst="rect">
             <a:avLst/>
@@ -2454,16 +6645,25 @@
             <a:noFill/>
           </a:ln>
         </p:spPr>
+        <p:style>
+          <a:lnRef idx="0"/>
+          <a:fillRef idx="0"/>
+          <a:effectRef idx="0"/>
+          <a:fontRef idx="minor"/>
+        </p:style>
         <p:txBody>
           <a:bodyPr lIns="0" rIns="0" tIns="0" bIns="0"/>
           <a:p>
             <a:pPr>
+              <a:lnSpc>
+                <a:spcPct val="100000"/>
+              </a:lnSpc>
               <a:buSzPct val="45000"/>
               <a:buFont typeface="StarSymbol"/>
               <a:buChar char=""/>
             </a:pPr>
             <a:r>
-              <a:rPr lang="en-US" sz="3200">
+              <a:rPr lang="en-US" sz="3200" strike="noStrike">
                 <a:latin typeface="Arial"/>
               </a:rPr>
               <a:t>For the first peak </a:t>
@@ -2472,40 +6672,49 @@
           </a:p>
           <a:p>
             <a:pPr lvl="1">
-              <a:buSzPct val="75000"/>
-              <a:buFont typeface="StarSymbol"/>
-              <a:buChar char=""/>
-            </a:pPr>
-            <a:r>
-              <a:rPr lang="en-US" sz="2800">
-                <a:latin typeface="Arial"/>
-              </a:rPr>
-              <a:t>Magnitude Unit</a:t>
-            </a:r>
-            <a:endParaRPr/>
-          </a:p>
-          <a:p>
-            <a:pPr lvl="1">
-              <a:buSzPct val="75000"/>
-              <a:buFont typeface="StarSymbol"/>
-              <a:buChar char=""/>
-            </a:pPr>
-            <a:r>
-              <a:rPr lang="en-US" sz="2800">
-                <a:latin typeface="Arial"/>
-              </a:rPr>
-              <a:t>Wavelet Unit</a:t>
-            </a:r>
-            <a:endParaRPr/>
-          </a:p>
-          <a:p>
-            <a:pPr>
+              <a:lnSpc>
+                <a:spcPct val="100000"/>
+              </a:lnSpc>
               <a:buSzPct val="45000"/>
               <a:buFont typeface="StarSymbol"/>
               <a:buChar char=""/>
             </a:pPr>
             <a:r>
-              <a:rPr lang="en-US" sz="3200">
+              <a:rPr lang="en-US" sz="2800" strike="noStrike">
+                <a:latin typeface="Arial"/>
+              </a:rPr>
+              <a:t>Magnitude Unit</a:t>
+            </a:r>
+            <a:endParaRPr/>
+          </a:p>
+          <a:p>
+            <a:pPr lvl="1">
+              <a:lnSpc>
+                <a:spcPct val="100000"/>
+              </a:lnSpc>
+              <a:buSzPct val="45000"/>
+              <a:buFont typeface="StarSymbol"/>
+              <a:buChar char=""/>
+            </a:pPr>
+            <a:r>
+              <a:rPr lang="en-US" sz="2800" strike="noStrike">
+                <a:latin typeface="Arial"/>
+              </a:rPr>
+              <a:t>Wavelet Unit</a:t>
+            </a:r>
+            <a:endParaRPr/>
+          </a:p>
+          <a:p>
+            <a:pPr>
+              <a:lnSpc>
+                <a:spcPct val="100000"/>
+              </a:lnSpc>
+              <a:buSzPct val="45000"/>
+              <a:buFont typeface="StarSymbol"/>
+              <a:buChar char=""/>
+            </a:pPr>
+            <a:r>
+              <a:rPr lang="en-US" sz="3200" strike="noStrike">
                 <a:latin typeface="Arial"/>
               </a:rPr>
               <a:t>For the next peak</a:t>
@@ -2514,12 +6723,15 @@
           </a:p>
           <a:p>
             <a:pPr lvl="1">
-              <a:buSzPct val="75000"/>
+              <a:lnSpc>
+                <a:spcPct val="100000"/>
+              </a:lnSpc>
+              <a:buSzPct val="45000"/>
               <a:buFont typeface="StarSymbol"/>
-              <a:buChar char=""/>
-            </a:pPr>
-            <a:r>
-              <a:rPr lang="en-US" sz="2800">
+              <a:buChar char=""/>
+            </a:pPr>
+            <a:r>
+              <a:rPr lang="en-US" sz="2800" strike="noStrike">
                 <a:latin typeface="Arial"/>
               </a:rPr>
               <a:t>Memory Unit</a:t>
@@ -2528,12 +6740,15 @@
           </a:p>
           <a:p>
             <a:pPr lvl="1">
-              <a:buSzPct val="75000"/>
+              <a:lnSpc>
+                <a:spcPct val="100000"/>
+              </a:lnSpc>
+              <a:buSzPct val="45000"/>
               <a:buFont typeface="StarSymbol"/>
-              <a:buChar char=""/>
-            </a:pPr>
-            <a:r>
-              <a:rPr lang="en-US" sz="2800">
+              <a:buChar char=""/>
+            </a:pPr>
+            <a:r>
+              <a:rPr lang="en-US" sz="2800" strike="noStrike">
                 <a:latin typeface="Arial"/>
               </a:rPr>
               <a:t>Magnitude Unit</a:t>
@@ -2541,10 +6756,13 @@
             <a:endParaRPr/>
           </a:p>
           <a:p>
-            <a:pPr lvl="1">
-              <a:buSzPct val="75000"/>
+            <a:pPr>
+              <a:lnSpc>
+                <a:spcPct val="100000"/>
+              </a:lnSpc>
+              <a:buSzPct val="45000"/>
               <a:buFont typeface="StarSymbol"/>
-              <a:buChar char=""/>
+              <a:buChar char=""/>
             </a:pPr>
             <a:endParaRPr/>
           </a:p>
@@ -2601,14 +6819,14 @@
       </p:grpSpPr>
       <p:sp>
         <p:nvSpPr>
-          <p:cNvPr id="70" name="TextShape 1"/>
-          <p:cNvSpPr txBox="1"/>
+          <p:cNvPr id="176" name="CustomShape 1"/>
+          <p:cNvSpPr/>
           <p:nvPr/>
         </p:nvSpPr>
         <p:spPr>
           <a:xfrm>
             <a:off x="504000" y="301320"/>
-            <a:ext cx="9071640" cy="1262160"/>
+            <a:ext cx="9071280" cy="1261800"/>
           </a:xfrm>
           <a:prstGeom prst="rect">
             <a:avLst/>
@@ -2618,12 +6836,22 @@
             <a:noFill/>
           </a:ln>
         </p:spPr>
+        <p:style>
+          <a:lnRef idx="0"/>
+          <a:fillRef idx="0"/>
+          <a:effectRef idx="0"/>
+          <a:fontRef idx="minor"/>
+        </p:style>
         <p:txBody>
           <a:bodyPr lIns="0" rIns="0" tIns="0" bIns="0" anchor="ctr"/>
           <a:p>
-            <a:pPr algn="ctr"/>
-            <a:r>
-              <a:rPr lang="en-US" sz="4400">
+            <a:pPr algn="ctr">
+              <a:lnSpc>
+                <a:spcPct val="100000"/>
+              </a:lnSpc>
+            </a:pPr>
+            <a:r>
+              <a:rPr lang="en-US" sz="4400" strike="noStrike">
                 <a:latin typeface="Arial"/>
               </a:rPr>
               <a:t>Version One Already!</a:t>
@@ -2634,14 +6862,14 @@
       </p:sp>
       <p:sp>
         <p:nvSpPr>
-          <p:cNvPr id="71" name="TextShape 2"/>
-          <p:cNvSpPr txBox="1"/>
+          <p:cNvPr id="177" name="CustomShape 2"/>
+          <p:cNvSpPr/>
           <p:nvPr/>
         </p:nvSpPr>
         <p:spPr>
           <a:xfrm>
             <a:off x="504000" y="1769040"/>
-            <a:ext cx="9071640" cy="4384440"/>
+            <a:ext cx="9071280" cy="4384080"/>
           </a:xfrm>
           <a:prstGeom prst="rect">
             <a:avLst/>
@@ -2651,10 +6879,19 @@
             <a:noFill/>
           </a:ln>
         </p:spPr>
+        <p:style>
+          <a:lnRef idx="0"/>
+          <a:fillRef idx="0"/>
+          <a:effectRef idx="0"/>
+          <a:fontRef idx="minor"/>
+        </p:style>
         <p:txBody>
           <a:bodyPr lIns="0" rIns="0" tIns="0" bIns="0"/>
           <a:p>
             <a:pPr>
+              <a:lnSpc>
+                <a:spcPct val="100000"/>
+              </a:lnSpc>
               <a:buSzPct val="45000"/>
               <a:buFont typeface="StarSymbol"/>
               <a:buChar char=""/>
@@ -2663,52 +6900,50 @@
           </a:p>
           <a:p>
             <a:pPr>
+              <a:lnSpc>
+                <a:spcPct val="100000"/>
+              </a:lnSpc>
               <a:buSzPct val="45000"/>
               <a:buFont typeface="StarSymbol"/>
               <a:buChar char=""/>
             </a:pPr>
+            <a:r>
+              <a:rPr lang="en-US" sz="3200" strike="noStrike">
+                <a:latin typeface="Arial"/>
+              </a:rPr>
+              <a:t>The Code is very</a:t>
+            </a:r>
+            <a:r>
+              <a:rPr lang="en-US" sz="3200" strike="noStrike">
+                <a:solidFill>
+                  <a:srgbClr val="800000"/>
+                </a:solidFill>
+                <a:latin typeface="Arial"/>
+              </a:rPr>
+              <a:t> </a:t>
+            </a:r>
+            <a:r>
+              <a:rPr lang="en-US" sz="3200" strike="noStrike">
+                <a:solidFill>
+                  <a:srgbClr val="ff0000"/>
+                </a:solidFill>
+                <a:latin typeface="Arial"/>
+              </a:rPr>
+              <a:t>Clean and Modular</a:t>
+            </a:r>
             <a:endParaRPr/>
           </a:p>
           <a:p>
             <a:pPr>
+              <a:lnSpc>
+                <a:spcPct val="100000"/>
+              </a:lnSpc>
               <a:buSzPct val="45000"/>
               <a:buFont typeface="StarSymbol"/>
               <a:buChar char=""/>
             </a:pPr>
             <a:r>
-              <a:rPr lang="en-US" sz="3200">
-                <a:latin typeface="Arial"/>
-              </a:rPr>
-              <a:t>The Code is very</a:t>
-            </a:r>
-            <a:r>
-              <a:rPr lang="en-US" sz="3200">
-                <a:solidFill>
-                  <a:srgbClr val="800000"/>
-                </a:solidFill>
-                <a:latin typeface="Arial"/>
-              </a:rPr>
-              <a:t> </a:t>
-            </a:r>
-            <a:r>
-              <a:rPr lang="en-US" sz="3200">
-                <a:solidFill>
-                  <a:srgbClr val="ff0000"/>
-                </a:solidFill>
-                <a:latin typeface="Arial"/>
-              </a:rPr>
-              <a:t>Clean and Modular</a:t>
-            </a:r>
-            <a:endParaRPr/>
-          </a:p>
-          <a:p>
-            <a:pPr>
-              <a:buSzPct val="45000"/>
-              <a:buFont typeface="StarSymbol"/>
-              <a:buChar char=""/>
-            </a:pPr>
-            <a:r>
-              <a:rPr lang="en-US" sz="3200">
+              <a:rPr lang="en-US" sz="3200" strike="noStrike">
                 <a:solidFill>
                   <a:srgbClr val="000000"/>
                 </a:solidFill>
@@ -2771,14 +7006,14 @@
       </p:grpSpPr>
       <p:sp>
         <p:nvSpPr>
-          <p:cNvPr id="72" name="TextShape 1"/>
-          <p:cNvSpPr txBox="1"/>
+          <p:cNvPr id="178" name="CustomShape 1"/>
+          <p:cNvSpPr/>
           <p:nvPr/>
         </p:nvSpPr>
         <p:spPr>
           <a:xfrm>
             <a:off x="504000" y="301320"/>
-            <a:ext cx="9071640" cy="1262160"/>
+            <a:ext cx="9071280" cy="1261800"/>
           </a:xfrm>
           <a:prstGeom prst="rect">
             <a:avLst/>
@@ -2788,12 +7023,22 @@
             <a:noFill/>
           </a:ln>
         </p:spPr>
+        <p:style>
+          <a:lnRef idx="0"/>
+          <a:fillRef idx="0"/>
+          <a:effectRef idx="0"/>
+          <a:fontRef idx="minor"/>
+        </p:style>
         <p:txBody>
           <a:bodyPr lIns="0" rIns="0" tIns="0" bIns="0" anchor="ctr"/>
           <a:p>
-            <a:pPr algn="ctr"/>
-            <a:r>
-              <a:rPr lang="en-US" sz="4400">
+            <a:pPr algn="ctr">
+              <a:lnSpc>
+                <a:spcPct val="100000"/>
+              </a:lnSpc>
+            </a:pPr>
+            <a:r>
+              <a:rPr lang="en-US" sz="4400" strike="noStrike">
                 <a:latin typeface="Arial"/>
               </a:rPr>
               <a:t>Result one</a:t>
@@ -2804,7 +7049,7 @@
       </p:sp>
       <p:pic>
         <p:nvPicPr>
-          <p:cNvPr id="73" name="" descr=""/>
+          <p:cNvPr id="179" name="" descr=""/>
           <p:cNvPicPr/>
           <p:nvPr/>
         </p:nvPicPr>
@@ -2815,7 +7060,7 @@
         <p:spPr>
           <a:xfrm>
             <a:off x="1008000" y="1368000"/>
-            <a:ext cx="7488000" cy="4680000"/>
+            <a:ext cx="7487640" cy="4679640"/>
           </a:xfrm>
           <a:prstGeom prst="rect">
             <a:avLst/>
@@ -2827,14 +7072,14 @@
       </p:pic>
       <p:sp>
         <p:nvSpPr>
-          <p:cNvPr id="74" name="TextShape 2"/>
-          <p:cNvSpPr txBox="1"/>
+          <p:cNvPr id="180" name="CustomShape 2"/>
+          <p:cNvSpPr/>
           <p:nvPr/>
         </p:nvSpPr>
         <p:spPr>
           <a:xfrm>
             <a:off x="1080000" y="6120000"/>
-            <a:ext cx="2741040" cy="346320"/>
+            <a:ext cx="2740680" cy="345960"/>
           </a:xfrm>
           <a:prstGeom prst="rect">
             <a:avLst/>
@@ -2844,11 +7089,17 @@
             <a:noFill/>
           </a:ln>
         </p:spPr>
+        <p:style>
+          <a:lnRef idx="0"/>
+          <a:fillRef idx="0"/>
+          <a:effectRef idx="0"/>
+          <a:fontRef idx="minor"/>
+        </p:style>
         <p:txBody>
           <a:bodyPr lIns="90000" rIns="90000" tIns="45000" bIns="45000"/>
           <a:p>
             <a:r>
-              <a:rPr lang="en-US">
+              <a:rPr lang="en-US" strike="noStrike">
                 <a:latin typeface="Arial"/>
               </a:rPr>
               <a:t>Error: 1.5%    Dataset: 11</a:t>
@@ -2908,14 +7159,14 @@
       </p:grpSpPr>
       <p:sp>
         <p:nvSpPr>
-          <p:cNvPr id="75" name="TextShape 1"/>
-          <p:cNvSpPr txBox="1"/>
+          <p:cNvPr id="181" name="CustomShape 1"/>
+          <p:cNvSpPr/>
           <p:nvPr/>
         </p:nvSpPr>
         <p:spPr>
           <a:xfrm>
             <a:off x="504000" y="301320"/>
-            <a:ext cx="9071640" cy="1262160"/>
+            <a:ext cx="9071280" cy="1261800"/>
           </a:xfrm>
           <a:prstGeom prst="rect">
             <a:avLst/>
@@ -2925,12 +7176,22 @@
             <a:noFill/>
           </a:ln>
         </p:spPr>
+        <p:style>
+          <a:lnRef idx="0"/>
+          <a:fillRef idx="0"/>
+          <a:effectRef idx="0"/>
+          <a:fontRef idx="minor"/>
+        </p:style>
         <p:txBody>
           <a:bodyPr lIns="0" rIns="0" tIns="0" bIns="0" anchor="ctr"/>
           <a:p>
-            <a:pPr algn="ctr"/>
-            <a:r>
-              <a:rPr lang="en-US" sz="4400">
+            <a:pPr algn="ctr">
+              <a:lnSpc>
+                <a:spcPct val="100000"/>
+              </a:lnSpc>
+            </a:pPr>
+            <a:r>
+              <a:rPr lang="en-US" sz="4400" strike="noStrike">
                 <a:latin typeface="Arial"/>
               </a:rPr>
               <a:t>Result two (this one is bad)</a:t>
@@ -2941,7 +7202,7 @@
       </p:sp>
       <p:pic>
         <p:nvPicPr>
-          <p:cNvPr id="76" name="" descr=""/>
+          <p:cNvPr id="182" name="" descr=""/>
           <p:cNvPicPr/>
           <p:nvPr/>
         </p:nvPicPr>
@@ -2952,7 +7213,7 @@
         <p:spPr>
           <a:xfrm>
             <a:off x="218880" y="1563480"/>
-            <a:ext cx="8925120" cy="4384440"/>
+            <a:ext cx="8924760" cy="4384080"/>
           </a:xfrm>
           <a:prstGeom prst="rect">
             <a:avLst/>
@@ -2964,14 +7225,14 @@
       </p:pic>
       <p:sp>
         <p:nvSpPr>
-          <p:cNvPr id="77" name="TextShape 2"/>
-          <p:cNvSpPr txBox="1"/>
+          <p:cNvPr id="183" name="CustomShape 2"/>
+          <p:cNvSpPr/>
           <p:nvPr/>
         </p:nvSpPr>
         <p:spPr>
           <a:xfrm>
             <a:off x="1079640" y="6264000"/>
-            <a:ext cx="3672360" cy="378720"/>
+            <a:ext cx="3672000" cy="378360"/>
           </a:xfrm>
           <a:prstGeom prst="rect">
             <a:avLst/>
@@ -2981,11 +7242,17 @@
             <a:noFill/>
           </a:ln>
         </p:spPr>
+        <p:style>
+          <a:lnRef idx="0"/>
+          <a:fillRef idx="0"/>
+          <a:effectRef idx="0"/>
+          <a:fontRef idx="minor"/>
+        </p:style>
         <p:txBody>
           <a:bodyPr lIns="90000" rIns="90000" tIns="45000" bIns="45000"/>
           <a:p>
             <a:r>
-              <a:rPr lang="en-US">
+              <a:rPr lang="en-US" strike="noStrike">
                 <a:latin typeface="Arial"/>
               </a:rPr>
               <a:t>  </a:t>
@@ -2996,14 +7263,14 @@
       </p:sp>
       <p:sp>
         <p:nvSpPr>
-          <p:cNvPr id="78" name="TextShape 3"/>
-          <p:cNvSpPr txBox="1"/>
+          <p:cNvPr id="184" name="CustomShape 3"/>
+          <p:cNvSpPr/>
           <p:nvPr/>
         </p:nvSpPr>
         <p:spPr>
           <a:xfrm>
             <a:off x="1296000" y="6336000"/>
-            <a:ext cx="1514160" cy="346320"/>
+            <a:ext cx="1513800" cy="345960"/>
           </a:xfrm>
           <a:prstGeom prst="rect">
             <a:avLst/>
@@ -3013,11 +7280,17 @@
             <a:noFill/>
           </a:ln>
         </p:spPr>
+        <p:style>
+          <a:lnRef idx="0"/>
+          <a:fillRef idx="0"/>
+          <a:effectRef idx="0"/>
+          <a:fontRef idx="minor"/>
+        </p:style>
         <p:txBody>
           <a:bodyPr lIns="90000" rIns="90000" tIns="45000" bIns="45000"/>
           <a:p>
             <a:r>
-              <a:rPr lang="en-US">
+              <a:rPr lang="en-US" strike="noStrike">
                 <a:latin typeface="Arial"/>
               </a:rPr>
               <a:t>Data Set: 10 </a:t>
@@ -3077,14 +7350,14 @@
       </p:grpSpPr>
       <p:sp>
         <p:nvSpPr>
-          <p:cNvPr id="79" name="TextShape 1"/>
-          <p:cNvSpPr txBox="1"/>
+          <p:cNvPr id="185" name="CustomShape 1"/>
+          <p:cNvSpPr/>
           <p:nvPr/>
         </p:nvSpPr>
         <p:spPr>
           <a:xfrm>
             <a:off x="504000" y="301320"/>
-            <a:ext cx="9071640" cy="1262160"/>
+            <a:ext cx="9071280" cy="1261800"/>
           </a:xfrm>
           <a:prstGeom prst="rect">
             <a:avLst/>
@@ -3094,12 +7367,22 @@
             <a:noFill/>
           </a:ln>
         </p:spPr>
+        <p:style>
+          <a:lnRef idx="0"/>
+          <a:fillRef idx="0"/>
+          <a:effectRef idx="0"/>
+          <a:fontRef idx="minor"/>
+        </p:style>
         <p:txBody>
           <a:bodyPr lIns="0" rIns="0" tIns="0" bIns="0" anchor="ctr"/>
           <a:p>
-            <a:pPr algn="ctr"/>
-            <a:r>
-              <a:rPr lang="en-US" sz="4400">
+            <a:pPr algn="ctr">
+              <a:lnSpc>
+                <a:spcPct val="100000"/>
+              </a:lnSpc>
+            </a:pPr>
+            <a:r>
+              <a:rPr lang="en-US" sz="4400" strike="noStrike">
                 <a:latin typeface="Arial"/>
               </a:rPr>
               <a:t>Analysis --- not perfect but</a:t>
@@ -3110,14 +7393,14 @@
       </p:sp>
       <p:sp>
         <p:nvSpPr>
-          <p:cNvPr id="80" name="TextShape 2"/>
-          <p:cNvSpPr txBox="1"/>
+          <p:cNvPr id="186" name="CustomShape 2"/>
+          <p:cNvSpPr/>
           <p:nvPr/>
         </p:nvSpPr>
         <p:spPr>
           <a:xfrm>
             <a:off x="504000" y="1769040"/>
-            <a:ext cx="9071640" cy="4384440"/>
+            <a:ext cx="9071280" cy="4384080"/>
           </a:xfrm>
           <a:prstGeom prst="rect">
             <a:avLst/>
@@ -3127,16 +7410,25 @@
             <a:noFill/>
           </a:ln>
         </p:spPr>
+        <p:style>
+          <a:lnRef idx="0"/>
+          <a:fillRef idx="0"/>
+          <a:effectRef idx="0"/>
+          <a:fontRef idx="minor"/>
+        </p:style>
         <p:txBody>
           <a:bodyPr lIns="0" rIns="0" tIns="0" bIns="0"/>
           <a:p>
             <a:pPr>
+              <a:lnSpc>
+                <a:spcPct val="100000"/>
+              </a:lnSpc>
               <a:buSzPct val="45000"/>
               <a:buFont typeface="StarSymbol"/>
               <a:buChar char=""/>
             </a:pPr>
             <a:r>
-              <a:rPr lang="en-US" sz="3200">
+              <a:rPr lang="en-US" sz="3200" strike="noStrike">
                 <a:solidFill>
                   <a:srgbClr val="800000"/>
                 </a:solidFill>
@@ -3148,12 +7440,15 @@
           </a:p>
           <a:p>
             <a:pPr>
+              <a:lnSpc>
+                <a:spcPct val="100000"/>
+              </a:lnSpc>
               <a:buSzPct val="45000"/>
               <a:buFont typeface="StarSymbol"/>
               <a:buChar char=""/>
             </a:pPr>
             <a:r>
-              <a:rPr lang="en-US" sz="3200">
+              <a:rPr lang="en-US" sz="3200" strike="noStrike">
                 <a:solidFill>
                   <a:srgbClr val="ff0000"/>
                 </a:solidFill>
@@ -3165,12 +7460,15 @@
           </a:p>
           <a:p>
             <a:pPr>
+              <a:lnSpc>
+                <a:spcPct val="100000"/>
+              </a:lnSpc>
               <a:buSzPct val="45000"/>
               <a:buFont typeface="StarSymbol"/>
               <a:buChar char=""/>
             </a:pPr>
             <a:r>
-              <a:rPr lang="en-US" sz="3200">
+              <a:rPr lang="en-US" sz="3200" strike="noStrike">
                 <a:solidFill>
                   <a:srgbClr val="0000ff"/>
                 </a:solidFill>
@@ -3182,12 +7480,15 @@
           </a:p>
           <a:p>
             <a:pPr>
+              <a:lnSpc>
+                <a:spcPct val="100000"/>
+              </a:lnSpc>
               <a:buSzPct val="45000"/>
               <a:buFont typeface="StarSymbol"/>
               <a:buChar char=""/>
             </a:pPr>
             <a:r>
-              <a:rPr lang="en-US" sz="3200">
+              <a:rPr lang="en-US" sz="3200" strike="noStrike">
                 <a:solidFill>
                   <a:srgbClr val="0000ff"/>
                 </a:solidFill>
@@ -3250,14 +7551,14 @@
       </p:grpSpPr>
       <p:sp>
         <p:nvSpPr>
-          <p:cNvPr id="41" name="TextShape 1"/>
-          <p:cNvSpPr txBox="1"/>
+          <p:cNvPr id="147" name="CustomShape 1"/>
+          <p:cNvSpPr/>
           <p:nvPr/>
         </p:nvSpPr>
         <p:spPr>
           <a:xfrm>
             <a:off x="504000" y="301320"/>
-            <a:ext cx="9071640" cy="1262160"/>
+            <a:ext cx="9071280" cy="1261800"/>
           </a:xfrm>
           <a:prstGeom prst="rect">
             <a:avLst/>
@@ -3267,12 +7568,22 @@
             <a:noFill/>
           </a:ln>
         </p:spPr>
+        <p:style>
+          <a:lnRef idx="0"/>
+          <a:fillRef idx="0"/>
+          <a:effectRef idx="0"/>
+          <a:fontRef idx="minor"/>
+        </p:style>
         <p:txBody>
           <a:bodyPr lIns="0" rIns="0" tIns="0" bIns="0" anchor="ctr"/>
           <a:p>
-            <a:pPr algn="ctr"/>
-            <a:r>
-              <a:rPr lang="en-US" sz="4400">
+            <a:pPr algn="ctr">
+              <a:lnSpc>
+                <a:spcPct val="100000"/>
+              </a:lnSpc>
+            </a:pPr>
+            <a:r>
+              <a:rPr lang="en-US" sz="4400" strike="noStrike">
                 <a:latin typeface="Arial"/>
               </a:rPr>
               <a:t>Old Method</a:t>
@@ -3283,14 +7594,14 @@
       </p:sp>
       <p:sp>
         <p:nvSpPr>
-          <p:cNvPr id="42" name="TextShape 2"/>
-          <p:cNvSpPr txBox="1"/>
+          <p:cNvPr id="148" name="CustomShape 2"/>
+          <p:cNvSpPr/>
           <p:nvPr/>
         </p:nvSpPr>
         <p:spPr>
           <a:xfrm>
-            <a:off x="504000" y="1769040"/>
-            <a:ext cx="9071640" cy="4384440"/>
+            <a:off x="504720" y="1800000"/>
+            <a:ext cx="9071280" cy="4384080"/>
           </a:xfrm>
           <a:prstGeom prst="rect">
             <a:avLst/>
@@ -3300,16 +7611,25 @@
             <a:noFill/>
           </a:ln>
         </p:spPr>
+        <p:style>
+          <a:lnRef idx="0"/>
+          <a:fillRef idx="0"/>
+          <a:effectRef idx="0"/>
+          <a:fontRef idx="minor"/>
+        </p:style>
         <p:txBody>
           <a:bodyPr lIns="0" rIns="0" tIns="0" bIns="0"/>
           <a:p>
             <a:pPr>
+              <a:lnSpc>
+                <a:spcPct val="100000"/>
+              </a:lnSpc>
               <a:buSzPct val="45000"/>
               <a:buFont typeface="StarSymbol"/>
               <a:buChar char=""/>
             </a:pPr>
             <a:r>
-              <a:rPr lang="en-US" sz="3200">
+              <a:rPr lang="en-US" sz="3200" strike="noStrike">
                 <a:solidFill>
                   <a:srgbClr val="ff0000"/>
                 </a:solidFill>
@@ -3321,12 +7641,18 @@
           </a:p>
           <a:p>
             <a:pPr>
+              <a:lnSpc>
+                <a:spcPct val="100000"/>
+              </a:lnSpc>
               <a:buSzPct val="45000"/>
               <a:buFont typeface="StarSymbol"/>
               <a:buChar char=""/>
             </a:pPr>
             <a:r>
-              <a:rPr lang="en-US" sz="3200">
+              <a:rPr lang="en-US" sz="3200" strike="noStrike">
+                <a:solidFill>
+                  <a:srgbClr val="ff0000"/>
+                </a:solidFill>
                 <a:latin typeface="Arial"/>
               </a:rPr>
               <a:t>Too much rules, absolutely overfitting </a:t>
@@ -3335,12 +7661,18 @@
           </a:p>
           <a:p>
             <a:pPr>
+              <a:lnSpc>
+                <a:spcPct val="100000"/>
+              </a:lnSpc>
               <a:buSzPct val="45000"/>
               <a:buFont typeface="StarSymbol"/>
               <a:buChar char=""/>
             </a:pPr>
             <a:r>
-              <a:rPr lang="en-US" sz="3200">
+              <a:rPr lang="en-US" sz="3200" strike="noStrike">
+                <a:solidFill>
+                  <a:srgbClr val="ff0000"/>
+                </a:solidFill>
                 <a:latin typeface="Arial"/>
               </a:rPr>
               <a:t>Even a little denoising filtering on the input signal could change the result a lot.</a:t>
@@ -3349,24 +7681,21 @@
           </a:p>
           <a:p>
             <a:pPr>
+              <a:lnSpc>
+                <a:spcPct val="100000"/>
+              </a:lnSpc>
               <a:buSzPct val="45000"/>
               <a:buFont typeface="StarSymbol"/>
               <a:buChar char=""/>
             </a:pPr>
             <a:r>
-              <a:rPr lang="en-US" sz="3200">
-                <a:latin typeface="Arial"/>
-              </a:rPr>
-              <a:t>The code is piled together, and not purely m file, </a:t>
-            </a:r>
-            <a:r>
-              <a:rPr lang="en-US" sz="3200">
+              <a:rPr lang="en-US" sz="3200" strike="noStrike">
                 <a:solidFill>
                   <a:srgbClr val="ff0000"/>
                 </a:solidFill>
                 <a:latin typeface="Arial"/>
               </a:rPr>
-              <a:t>horrible and even impossible to maintain and modify.</a:t>
+              <a:t>The code is piled together, and not purely m file, horrible and even impossible to maintain and modify.</a:t>
             </a:r>
             <a:endParaRPr/>
           </a:p>
@@ -3423,14 +7752,14 @@
       </p:grpSpPr>
       <p:sp>
         <p:nvSpPr>
-          <p:cNvPr id="81" name="TextShape 1"/>
-          <p:cNvSpPr txBox="1"/>
+          <p:cNvPr id="187" name="CustomShape 1"/>
+          <p:cNvSpPr/>
           <p:nvPr/>
         </p:nvSpPr>
         <p:spPr>
           <a:xfrm>
             <a:off x="504000" y="301320"/>
-            <a:ext cx="9071640" cy="1262160"/>
+            <a:ext cx="9071280" cy="1261800"/>
           </a:xfrm>
           <a:prstGeom prst="rect">
             <a:avLst/>
@@ -3440,12 +7769,22 @@
             <a:noFill/>
           </a:ln>
         </p:spPr>
+        <p:style>
+          <a:lnRef idx="0"/>
+          <a:fillRef idx="0"/>
+          <a:effectRef idx="0"/>
+          <a:fontRef idx="minor"/>
+        </p:style>
         <p:txBody>
           <a:bodyPr lIns="0" rIns="0" tIns="0" bIns="0" anchor="ctr"/>
           <a:p>
-            <a:pPr algn="ctr"/>
-            <a:r>
-              <a:rPr lang="en-US" sz="4400">
+            <a:pPr algn="ctr">
+              <a:lnSpc>
+                <a:spcPct val="100000"/>
+              </a:lnSpc>
+            </a:pPr>
+            <a:r>
+              <a:rPr lang="en-US" sz="4400" strike="noStrike">
                 <a:latin typeface="Arial"/>
               </a:rPr>
               <a:t>Also Try other techniques</a:t>
@@ -3456,14 +7795,14 @@
       </p:sp>
       <p:sp>
         <p:nvSpPr>
-          <p:cNvPr id="82" name="TextShape 2"/>
-          <p:cNvSpPr txBox="1"/>
+          <p:cNvPr id="188" name="CustomShape 2"/>
+          <p:cNvSpPr/>
           <p:nvPr/>
         </p:nvSpPr>
         <p:spPr>
           <a:xfrm>
             <a:off x="504000" y="1769040"/>
-            <a:ext cx="9071640" cy="4384440"/>
+            <a:ext cx="9071280" cy="4384080"/>
           </a:xfrm>
           <a:prstGeom prst="rect">
             <a:avLst/>
@@ -3473,16 +7812,25 @@
             <a:noFill/>
           </a:ln>
         </p:spPr>
+        <p:style>
+          <a:lnRef idx="0"/>
+          <a:fillRef idx="0"/>
+          <a:effectRef idx="0"/>
+          <a:fontRef idx="minor"/>
+        </p:style>
         <p:txBody>
           <a:bodyPr lIns="0" rIns="0" tIns="0" bIns="0"/>
           <a:p>
             <a:pPr>
+              <a:lnSpc>
+                <a:spcPct val="100000"/>
+              </a:lnSpc>
               <a:buSzPct val="45000"/>
               <a:buFont typeface="StarSymbol"/>
               <a:buChar char=""/>
             </a:pPr>
             <a:r>
-              <a:rPr lang="en-US" sz="3200">
+              <a:rPr lang="en-US" sz="3200" strike="noStrike">
                 <a:solidFill>
                   <a:srgbClr val="000080"/>
                 </a:solidFill>
@@ -3494,85 +7842,118 @@
           </a:p>
           <a:p>
             <a:pPr lvl="1">
-              <a:buSzPct val="75000"/>
-              <a:buFont typeface="StarSymbol"/>
-              <a:buChar char=""/>
-            </a:pPr>
-            <a:r>
-              <a:rPr lang="en-US" sz="2800">
-                <a:latin typeface="Arial"/>
-              </a:rPr>
-              <a:t>Won't work at all</a:t>
-            </a:r>
-            <a:endParaRPr/>
-          </a:p>
-          <a:p>
-            <a:pPr lvl="1">
-              <a:buSzPct val="75000"/>
-              <a:buFont typeface="StarSymbol"/>
-              <a:buChar char=""/>
-            </a:pPr>
-            <a:r>
-              <a:rPr lang="en-US" sz="2800">
-                <a:latin typeface="Arial"/>
-              </a:rPr>
-              <a:t>Some methods will totally ruin the ppg signal</a:t>
-            </a:r>
-            <a:endParaRPr/>
-          </a:p>
-          <a:p>
-            <a:pPr lvl="1">
-              <a:buSzPct val="75000"/>
-              <a:buFont typeface="StarSymbol"/>
-              <a:buChar char=""/>
-            </a:pPr>
-            <a:r>
-              <a:rPr lang="en-US" sz="2800">
-                <a:latin typeface="Arial"/>
-              </a:rPr>
-              <a:t>other won't make any good changes </a:t>
-            </a:r>
-            <a:endParaRPr/>
-          </a:p>
-          <a:p>
-            <a:pPr lvl="1">
-              <a:buSzPct val="75000"/>
-              <a:buFont typeface="StarSymbol"/>
-              <a:buChar char=""/>
-            </a:pPr>
-            <a:r>
-              <a:rPr lang="en-US" sz="2800">
-                <a:latin typeface="Arial"/>
-              </a:rPr>
-              <a:t>Maybe our PPG too dirty or totally different signal collection methods</a:t>
-            </a:r>
-            <a:endParaRPr/>
-          </a:p>
-          <a:p>
-            <a:pPr>
+              <a:lnSpc>
+                <a:spcPct val="100000"/>
+              </a:lnSpc>
               <a:buSzPct val="45000"/>
               <a:buFont typeface="StarSymbol"/>
               <a:buChar char=""/>
             </a:pPr>
             <a:r>
-              <a:rPr lang="en-US" sz="3200">
+              <a:rPr lang="en-US" sz="2800" strike="noStrike">
                 <a:solidFill>
                   <a:srgbClr val="000080"/>
                 </a:solidFill>
                 <a:latin typeface="Arial"/>
               </a:rPr>
+              <a:t>Won't work at all</a:t>
+            </a:r>
+            <a:endParaRPr/>
+          </a:p>
+          <a:p>
+            <a:pPr lvl="1">
+              <a:lnSpc>
+                <a:spcPct val="100000"/>
+              </a:lnSpc>
+              <a:buSzPct val="45000"/>
+              <a:buFont typeface="StarSymbol"/>
+              <a:buChar char=""/>
+            </a:pPr>
+            <a:r>
+              <a:rPr lang="en-US" sz="2800" strike="noStrike">
+                <a:solidFill>
+                  <a:srgbClr val="000080"/>
+                </a:solidFill>
+                <a:latin typeface="Arial"/>
+              </a:rPr>
+              <a:t>Some methods will totally ruin the ppg signal</a:t>
+            </a:r>
+            <a:endParaRPr/>
+          </a:p>
+          <a:p>
+            <a:pPr lvl="1">
+              <a:lnSpc>
+                <a:spcPct val="100000"/>
+              </a:lnSpc>
+              <a:buSzPct val="45000"/>
+              <a:buFont typeface="StarSymbol"/>
+              <a:buChar char=""/>
+            </a:pPr>
+            <a:r>
+              <a:rPr lang="en-US" sz="2800" strike="noStrike">
+                <a:solidFill>
+                  <a:srgbClr val="000080"/>
+                </a:solidFill>
+                <a:latin typeface="Arial"/>
+              </a:rPr>
+              <a:t>other won't make any good changes </a:t>
+            </a:r>
+            <a:endParaRPr/>
+          </a:p>
+          <a:p>
+            <a:pPr lvl="1">
+              <a:lnSpc>
+                <a:spcPct val="100000"/>
+              </a:lnSpc>
+              <a:buSzPct val="45000"/>
+              <a:buFont typeface="StarSymbol"/>
+              <a:buChar char=""/>
+            </a:pPr>
+            <a:r>
+              <a:rPr lang="en-US" sz="2800" strike="noStrike">
+                <a:solidFill>
+                  <a:srgbClr val="000080"/>
+                </a:solidFill>
+                <a:latin typeface="Arial"/>
+              </a:rPr>
+              <a:t>Maybe our PPG too dirty or totally different signal collection methods</a:t>
+            </a:r>
+            <a:endParaRPr/>
+          </a:p>
+          <a:p>
+            <a:pPr>
+              <a:lnSpc>
+                <a:spcPct val="100000"/>
+              </a:lnSpc>
+              <a:buSzPct val="45000"/>
+              <a:buFont typeface="StarSymbol"/>
+              <a:buChar char=""/>
+            </a:pPr>
+            <a:r>
+              <a:rPr lang="en-US" sz="3200" strike="noStrike">
+                <a:solidFill>
+                  <a:srgbClr val="000080"/>
+                </a:solidFill>
+                <a:latin typeface="Arial"/>
+              </a:rPr>
               <a:t>ICA</a:t>
             </a:r>
             <a:endParaRPr/>
           </a:p>
           <a:p>
             <a:pPr lvl="1">
-              <a:buSzPct val="75000"/>
+              <a:lnSpc>
+                <a:spcPct val="100000"/>
+              </a:lnSpc>
+              <a:buSzPct val="45000"/>
               <a:buFont typeface="StarSymbol"/>
-              <a:buChar char=""/>
-            </a:pPr>
-            <a:r>
-              <a:rPr lang="en-US" sz="2800">
+              <a:buChar char=""/>
+            </a:pPr>
+            <a:r>
+              <a:rPr lang="en-US" sz="2800" strike="noStrike">
+                <a:solidFill>
+                  <a:srgbClr val="000080"/>
+                </a:solidFill>
                 <a:latin typeface="Arial"/>
               </a:rPr>
               <a:t>If ICA don't converge, it would hurt a lot</a:t>
@@ -3581,12 +7962,18 @@
           </a:p>
           <a:p>
             <a:pPr lvl="1">
-              <a:buSzPct val="75000"/>
+              <a:lnSpc>
+                <a:spcPct val="100000"/>
+              </a:lnSpc>
+              <a:buSzPct val="45000"/>
               <a:buFont typeface="StarSymbol"/>
-              <a:buChar char=""/>
-            </a:pPr>
-            <a:r>
-              <a:rPr lang="en-US" sz="2800">
+              <a:buChar char=""/>
+            </a:pPr>
+            <a:r>
+              <a:rPr lang="en-US" sz="2800" strike="noStrike">
+                <a:solidFill>
+                  <a:srgbClr val="000080"/>
+                </a:solidFill>
                 <a:latin typeface="Arial"/>
               </a:rPr>
               <a:t>If ICA converge, hard to say it's good or not.</a:t>
@@ -3646,14 +8033,14 @@
       </p:grpSpPr>
       <p:sp>
         <p:nvSpPr>
-          <p:cNvPr id="83" name="TextShape 1"/>
-          <p:cNvSpPr txBox="1"/>
+          <p:cNvPr id="189" name="CustomShape 1"/>
+          <p:cNvSpPr/>
           <p:nvPr/>
         </p:nvSpPr>
         <p:spPr>
           <a:xfrm>
             <a:off x="504000" y="301320"/>
-            <a:ext cx="9071640" cy="5851800"/>
+            <a:ext cx="9071280" cy="5851440"/>
           </a:xfrm>
           <a:prstGeom prst="rect">
             <a:avLst/>
@@ -3663,12 +8050,22 @@
             <a:noFill/>
           </a:ln>
         </p:spPr>
+        <p:style>
+          <a:lnRef idx="0"/>
+          <a:fillRef idx="0"/>
+          <a:effectRef idx="0"/>
+          <a:fontRef idx="minor"/>
+        </p:style>
         <p:txBody>
           <a:bodyPr lIns="0" rIns="0" tIns="0" bIns="0" anchor="ctr"/>
           <a:p>
-            <a:pPr algn="ctr"/>
-            <a:r>
-              <a:rPr lang="en-US" sz="7200">
+            <a:pPr algn="ctr">
+              <a:lnSpc>
+                <a:spcPct val="100000"/>
+              </a:lnSpc>
+            </a:pPr>
+            <a:r>
+              <a:rPr lang="en-US" sz="7200" strike="noStrike">
                 <a:latin typeface="Arial"/>
               </a:rPr>
               <a:t>The End</a:t>
@@ -3679,6 +8076,33 @@
       </p:sp>
     </p:spTree>
   </p:cSld>
+  <p:timing>
+    <p:tnLst>
+      <p:par>
+        <p:cTn id="41" dur="indefinite" restart="never" nodeType="tmRoot">
+          <p:childTnLst>
+            <p:seq>
+              <p:cTn id="42" nodeType="mainSeq"/>
+              <p:prevCondLst>
+                <p:cond delay="0" evt="onPrev">
+                  <p:tgtEl>
+                    <p:sldTgt/>
+                  </p:tgtEl>
+                </p:cond>
+              </p:prevCondLst>
+              <p:nextCondLst>
+                <p:cond delay="0" evt="onNext">
+                  <p:tgtEl>
+                    <p:sldTgt/>
+                  </p:tgtEl>
+                </p:cond>
+              </p:nextCondLst>
+            </p:seq>
+          </p:childTnLst>
+        </p:cTn>
+      </p:par>
+    </p:tnLst>
+  </p:timing>
 </p:sld>
 </file>
 
@@ -3701,14 +8125,14 @@
       </p:grpSpPr>
       <p:sp>
         <p:nvSpPr>
-          <p:cNvPr id="84" name="TextShape 1"/>
-          <p:cNvSpPr txBox="1"/>
+          <p:cNvPr id="190" name="CustomShape 1"/>
+          <p:cNvSpPr/>
           <p:nvPr/>
         </p:nvSpPr>
         <p:spPr>
           <a:xfrm>
             <a:off x="504000" y="301320"/>
-            <a:ext cx="9071640" cy="1262160"/>
+            <a:ext cx="9071280" cy="1261800"/>
           </a:xfrm>
           <a:prstGeom prst="rect">
             <a:avLst/>
@@ -3718,12 +8142,22 @@
             <a:noFill/>
           </a:ln>
         </p:spPr>
+        <p:style>
+          <a:lnRef idx="0"/>
+          <a:fillRef idx="0"/>
+          <a:effectRef idx="0"/>
+          <a:fontRef idx="minor"/>
+        </p:style>
         <p:txBody>
           <a:bodyPr lIns="0" rIns="0" tIns="0" bIns="0" anchor="ctr"/>
           <a:p>
-            <a:pPr algn="ctr"/>
-            <a:r>
-              <a:rPr lang="en-US" sz="4400">
+            <a:pPr algn="ctr">
+              <a:lnSpc>
+                <a:spcPct val="100000"/>
+              </a:lnSpc>
+            </a:pPr>
+            <a:r>
+              <a:rPr lang="en-US" sz="4400" strike="noStrike">
                 <a:latin typeface="Arial"/>
               </a:rPr>
               <a:t>Also Try other techniques</a:t>
@@ -3734,14 +8168,14 @@
       </p:sp>
       <p:sp>
         <p:nvSpPr>
-          <p:cNvPr id="85" name="TextShape 2"/>
-          <p:cNvSpPr txBox="1"/>
+          <p:cNvPr id="191" name="CustomShape 2"/>
+          <p:cNvSpPr/>
           <p:nvPr/>
         </p:nvSpPr>
         <p:spPr>
           <a:xfrm>
             <a:off x="504000" y="1769040"/>
-            <a:ext cx="9071640" cy="4384440"/>
+            <a:ext cx="9071280" cy="4384080"/>
           </a:xfrm>
           <a:prstGeom prst="rect">
             <a:avLst/>
@@ -3751,16 +8185,25 @@
             <a:noFill/>
           </a:ln>
         </p:spPr>
+        <p:style>
+          <a:lnRef idx="0"/>
+          <a:fillRef idx="0"/>
+          <a:effectRef idx="0"/>
+          <a:fontRef idx="minor"/>
+        </p:style>
         <p:txBody>
           <a:bodyPr lIns="0" rIns="0" tIns="0" bIns="0"/>
           <a:p>
             <a:pPr>
+              <a:lnSpc>
+                <a:spcPct val="100000"/>
+              </a:lnSpc>
               <a:buSzPct val="45000"/>
               <a:buFont typeface="StarSymbol"/>
               <a:buChar char=""/>
             </a:pPr>
             <a:r>
-              <a:rPr lang="en-US" sz="3200">
+              <a:rPr lang="en-US" sz="3200" strike="noStrike">
                 <a:solidFill>
                   <a:srgbClr val="000080"/>
                 </a:solidFill>
@@ -3772,88 +8215,118 @@
           </a:p>
           <a:p>
             <a:pPr lvl="1">
-              <a:buSzPct val="75000"/>
-              <a:buFont typeface="StarSymbol"/>
-              <a:buChar char=""/>
-            </a:pPr>
-            <a:r>
-              <a:rPr lang="en-US" sz="2800">
-                <a:latin typeface="Arial"/>
-              </a:rPr>
-              <a:t>Won't work</a:t>
-            </a:r>
-            <a:endParaRPr/>
-          </a:p>
-          <a:p>
-            <a:pPr>
+              <a:lnSpc>
+                <a:spcPct val="100000"/>
+              </a:lnSpc>
               <a:buSzPct val="45000"/>
               <a:buFont typeface="StarSymbol"/>
               <a:buChar char=""/>
             </a:pPr>
             <a:r>
-              <a:rPr lang="en-US" sz="3200">
+              <a:rPr lang="en-US" sz="2800" strike="noStrike">
                 <a:solidFill>
                   <a:srgbClr val="000080"/>
                 </a:solidFill>
                 <a:latin typeface="Arial"/>
               </a:rPr>
-              <a:t>Pvcoder</a:t>
-            </a:r>
-            <a:endParaRPr/>
-          </a:p>
-          <a:p>
-            <a:pPr lvl="1">
-              <a:buSzPct val="75000"/>
-              <a:buFont typeface="StarSymbol"/>
-              <a:buChar char=""/>
-            </a:pPr>
-            <a:r>
-              <a:rPr lang="en-US" sz="2800">
-                <a:latin typeface="Arial"/>
-              </a:rPr>
-              <a:t>Already written</a:t>
-            </a:r>
-            <a:endParaRPr/>
-          </a:p>
-          <a:p>
-            <a:pPr lvl="1">
-              <a:buSzPct val="75000"/>
-              <a:buFont typeface="StarSymbol"/>
-              <a:buChar char=""/>
-            </a:pPr>
-            <a:r>
-              <a:rPr lang="en-US" sz="2800">
-                <a:latin typeface="Arial"/>
-              </a:rPr>
-              <a:t>maybe would work, haven't integrated into this method</a:t>
+              <a:t>Won't work</a:t>
             </a:r>
             <a:endParaRPr/>
           </a:p>
           <a:p>
             <a:pPr>
+              <a:lnSpc>
+                <a:spcPct val="100000"/>
+              </a:lnSpc>
               <a:buSzPct val="45000"/>
               <a:buFont typeface="StarSymbol"/>
               <a:buChar char=""/>
             </a:pPr>
             <a:r>
-              <a:rPr lang="en-US" sz="3200">
+              <a:rPr lang="en-US" sz="3200" strike="noStrike">
                 <a:solidFill>
                   <a:srgbClr val="000080"/>
                 </a:solidFill>
                 <a:latin typeface="Arial"/>
               </a:rPr>
+              <a:t>Pvcoder</a:t>
+            </a:r>
+            <a:endParaRPr/>
+          </a:p>
+          <a:p>
+            <a:pPr lvl="1">
+              <a:lnSpc>
+                <a:spcPct val="100000"/>
+              </a:lnSpc>
+              <a:buSzPct val="45000"/>
+              <a:buFont typeface="StarSymbol"/>
+              <a:buChar char=""/>
+            </a:pPr>
+            <a:r>
+              <a:rPr lang="en-US" sz="2800" strike="noStrike">
+                <a:solidFill>
+                  <a:srgbClr val="000080"/>
+                </a:solidFill>
+                <a:latin typeface="Arial"/>
+              </a:rPr>
+              <a:t>Already written</a:t>
+            </a:r>
+            <a:endParaRPr/>
+          </a:p>
+          <a:p>
+            <a:pPr lvl="1">
+              <a:lnSpc>
+                <a:spcPct val="100000"/>
+              </a:lnSpc>
+              <a:buSzPct val="45000"/>
+              <a:buFont typeface="StarSymbol"/>
+              <a:buChar char=""/>
+            </a:pPr>
+            <a:r>
+              <a:rPr lang="en-US" sz="2800" strike="noStrike">
+                <a:solidFill>
+                  <a:srgbClr val="000080"/>
+                </a:solidFill>
+                <a:latin typeface="Arial"/>
+              </a:rPr>
+              <a:t>maybe would work, haven't integrated into this method</a:t>
+            </a:r>
+            <a:endParaRPr/>
+          </a:p>
+          <a:p>
+            <a:pPr>
+              <a:lnSpc>
+                <a:spcPct val="100000"/>
+              </a:lnSpc>
+              <a:buSzPct val="45000"/>
+              <a:buFont typeface="StarSymbol"/>
+              <a:buChar char=""/>
+            </a:pPr>
+            <a:r>
+              <a:rPr lang="en-US" sz="3200" strike="noStrike">
+                <a:solidFill>
+                  <a:srgbClr val="000080"/>
+                </a:solidFill>
+                <a:latin typeface="Arial"/>
+              </a:rPr>
               <a:t>Improve old method rules</a:t>
             </a:r>
             <a:endParaRPr/>
           </a:p>
           <a:p>
             <a:pPr lvl="1">
-              <a:buSzPct val="75000"/>
+              <a:lnSpc>
+                <a:spcPct val="100000"/>
+              </a:lnSpc>
+              <a:buSzPct val="45000"/>
               <a:buFont typeface="StarSymbol"/>
-              <a:buChar char=""/>
-            </a:pPr>
-            <a:r>
-              <a:rPr lang="en-US" sz="2800">
+              <a:buChar char=""/>
+            </a:pPr>
+            <a:r>
+              <a:rPr lang="en-US" sz="2800" strike="noStrike">
+                <a:solidFill>
+                  <a:srgbClr val="000080"/>
+                </a:solidFill>
                 <a:latin typeface="Arial"/>
               </a:rPr>
               <a:t>It's hard </a:t>
@@ -3862,12 +8335,18 @@
           </a:p>
           <a:p>
             <a:pPr lvl="1">
-              <a:buSzPct val="75000"/>
+              <a:lnSpc>
+                <a:spcPct val="100000"/>
+              </a:lnSpc>
+              <a:buSzPct val="45000"/>
               <a:buFont typeface="StarSymbol"/>
-              <a:buChar char=""/>
-            </a:pPr>
-            <a:r>
-              <a:rPr lang="en-US" sz="2800">
+              <a:buChar char=""/>
+            </a:pPr>
+            <a:r>
+              <a:rPr lang="en-US" sz="2800" strike="noStrike">
+                <a:solidFill>
+                  <a:srgbClr val="000080"/>
+                </a:solidFill>
                 <a:latin typeface="Arial"/>
               </a:rPr>
               <a:t>But we should see the result of old method is not bad, it could be our baseline and provide some inspirations on rules</a:t>
@@ -3875,10 +8354,13 @@
             <a:endParaRPr/>
           </a:p>
           <a:p>
-            <a:pPr lvl="1">
-              <a:buSzPct val="75000"/>
+            <a:pPr>
+              <a:lnSpc>
+                <a:spcPct val="100000"/>
+              </a:lnSpc>
+              <a:buSzPct val="45000"/>
               <a:buFont typeface="StarSymbol"/>
-              <a:buChar char=""/>
+              <a:buChar char=""/>
             </a:pPr>
             <a:endParaRPr/>
           </a:p>
@@ -3889,10 +8371,10 @@
   <p:timing>
     <p:tnLst>
       <p:par>
-        <p:cTn id="41" dur="indefinite" restart="never" nodeType="tmRoot">
+        <p:cTn id="43" dur="indefinite" restart="never" nodeType="tmRoot">
           <p:childTnLst>
             <p:seq>
-              <p:cTn id="42" nodeType="mainSeq"/>
+              <p:cTn id="44" nodeType="mainSeq"/>
               <p:prevCondLst>
                 <p:cond delay="0" evt="onPrev">
                   <p:tgtEl>
@@ -3935,14 +8417,14 @@
       </p:grpSpPr>
       <p:sp>
         <p:nvSpPr>
-          <p:cNvPr id="86" name="TextShape 1"/>
-          <p:cNvSpPr txBox="1"/>
+          <p:cNvPr id="192" name="CustomShape 1"/>
+          <p:cNvSpPr/>
           <p:nvPr/>
         </p:nvSpPr>
         <p:spPr>
           <a:xfrm>
             <a:off x="504000" y="301320"/>
-            <a:ext cx="9071640" cy="1262160"/>
+            <a:ext cx="9071280" cy="1261800"/>
           </a:xfrm>
           <a:prstGeom prst="rect">
             <a:avLst/>
@@ -3952,12 +8434,22 @@
             <a:noFill/>
           </a:ln>
         </p:spPr>
+        <p:style>
+          <a:lnRef idx="0"/>
+          <a:fillRef idx="0"/>
+          <a:effectRef idx="0"/>
+          <a:fontRef idx="minor"/>
+        </p:style>
         <p:txBody>
           <a:bodyPr lIns="0" rIns="0" tIns="0" bIns="0" anchor="ctr"/>
           <a:p>
-            <a:pPr algn="ctr"/>
-            <a:r>
-              <a:rPr lang="en-US" sz="4400">
+            <a:pPr algn="ctr">
+              <a:lnSpc>
+                <a:spcPct val="100000"/>
+              </a:lnSpc>
+            </a:pPr>
+            <a:r>
+              <a:rPr lang="en-US" sz="4400" strike="noStrike">
                 <a:latin typeface="Arial"/>
               </a:rPr>
               <a:t>Also Try other techniques</a:t>
@@ -3968,14 +8460,14 @@
       </p:sp>
       <p:sp>
         <p:nvSpPr>
-          <p:cNvPr id="87" name="TextShape 2"/>
-          <p:cNvSpPr txBox="1"/>
+          <p:cNvPr id="193" name="CustomShape 2"/>
+          <p:cNvSpPr/>
           <p:nvPr/>
         </p:nvSpPr>
         <p:spPr>
           <a:xfrm>
             <a:off x="504000" y="1769040"/>
-            <a:ext cx="9071640" cy="4384440"/>
+            <a:ext cx="9071280" cy="4384080"/>
           </a:xfrm>
           <a:prstGeom prst="rect">
             <a:avLst/>
@@ -3985,16 +8477,25 @@
             <a:noFill/>
           </a:ln>
         </p:spPr>
+        <p:style>
+          <a:lnRef idx="0"/>
+          <a:fillRef idx="0"/>
+          <a:effectRef idx="0"/>
+          <a:fontRef idx="minor"/>
+        </p:style>
         <p:txBody>
           <a:bodyPr lIns="0" rIns="0" tIns="0" bIns="0"/>
           <a:p>
             <a:pPr>
+              <a:lnSpc>
+                <a:spcPct val="100000"/>
+              </a:lnSpc>
               <a:buSzPct val="45000"/>
               <a:buFont typeface="StarSymbol"/>
               <a:buChar char=""/>
             </a:pPr>
             <a:r>
-              <a:rPr lang="en-US" sz="3200">
+              <a:rPr lang="en-US" sz="3200" strike="noStrike">
                 <a:solidFill>
                   <a:srgbClr val="000080"/>
                 </a:solidFill>
@@ -4006,85 +8507,118 @@
           </a:p>
           <a:p>
             <a:pPr lvl="1">
-              <a:buSzPct val="75000"/>
-              <a:buFont typeface="StarSymbol"/>
-              <a:buChar char=""/>
-            </a:pPr>
-            <a:r>
-              <a:rPr lang="en-US" sz="2800">
-                <a:latin typeface="Arial"/>
-              </a:rPr>
-              <a:t>Won't work at all</a:t>
-            </a:r>
-            <a:endParaRPr/>
-          </a:p>
-          <a:p>
-            <a:pPr lvl="1">
-              <a:buSzPct val="75000"/>
-              <a:buFont typeface="StarSymbol"/>
-              <a:buChar char=""/>
-            </a:pPr>
-            <a:r>
-              <a:rPr lang="en-US" sz="2800">
-                <a:latin typeface="Arial"/>
-              </a:rPr>
-              <a:t>Some methods will totally ruin the ppg signal</a:t>
-            </a:r>
-            <a:endParaRPr/>
-          </a:p>
-          <a:p>
-            <a:pPr lvl="1">
-              <a:buSzPct val="75000"/>
-              <a:buFont typeface="StarSymbol"/>
-              <a:buChar char=""/>
-            </a:pPr>
-            <a:r>
-              <a:rPr lang="en-US" sz="2800">
-                <a:latin typeface="Arial"/>
-              </a:rPr>
-              <a:t>other won't make any good changes </a:t>
-            </a:r>
-            <a:endParaRPr/>
-          </a:p>
-          <a:p>
-            <a:pPr lvl="1">
-              <a:buSzPct val="75000"/>
-              <a:buFont typeface="StarSymbol"/>
-              <a:buChar char=""/>
-            </a:pPr>
-            <a:r>
-              <a:rPr lang="en-US" sz="2800">
-                <a:latin typeface="Arial"/>
-              </a:rPr>
-              <a:t>Maybe our PPG too dirty or totally different signal collection methods</a:t>
-            </a:r>
-            <a:endParaRPr/>
-          </a:p>
-          <a:p>
-            <a:pPr>
+              <a:lnSpc>
+                <a:spcPct val="100000"/>
+              </a:lnSpc>
               <a:buSzPct val="45000"/>
               <a:buFont typeface="StarSymbol"/>
               <a:buChar char=""/>
             </a:pPr>
             <a:r>
-              <a:rPr lang="en-US" sz="3200">
+              <a:rPr lang="en-US" sz="2800" strike="noStrike">
                 <a:solidFill>
                   <a:srgbClr val="000080"/>
                 </a:solidFill>
                 <a:latin typeface="Arial"/>
               </a:rPr>
+              <a:t>Won't work at all</a:t>
+            </a:r>
+            <a:endParaRPr/>
+          </a:p>
+          <a:p>
+            <a:pPr lvl="1">
+              <a:lnSpc>
+                <a:spcPct val="100000"/>
+              </a:lnSpc>
+              <a:buSzPct val="45000"/>
+              <a:buFont typeface="StarSymbol"/>
+              <a:buChar char=""/>
+            </a:pPr>
+            <a:r>
+              <a:rPr lang="en-US" sz="2800" strike="noStrike">
+                <a:solidFill>
+                  <a:srgbClr val="000080"/>
+                </a:solidFill>
+                <a:latin typeface="Arial"/>
+              </a:rPr>
+              <a:t>Some methods will totally ruin the ppg signal</a:t>
+            </a:r>
+            <a:endParaRPr/>
+          </a:p>
+          <a:p>
+            <a:pPr lvl="1">
+              <a:lnSpc>
+                <a:spcPct val="100000"/>
+              </a:lnSpc>
+              <a:buSzPct val="45000"/>
+              <a:buFont typeface="StarSymbol"/>
+              <a:buChar char=""/>
+            </a:pPr>
+            <a:r>
+              <a:rPr lang="en-US" sz="2800" strike="noStrike">
+                <a:solidFill>
+                  <a:srgbClr val="000080"/>
+                </a:solidFill>
+                <a:latin typeface="Arial"/>
+              </a:rPr>
+              <a:t>other won't make any good changes </a:t>
+            </a:r>
+            <a:endParaRPr/>
+          </a:p>
+          <a:p>
+            <a:pPr lvl="1">
+              <a:lnSpc>
+                <a:spcPct val="100000"/>
+              </a:lnSpc>
+              <a:buSzPct val="45000"/>
+              <a:buFont typeface="StarSymbol"/>
+              <a:buChar char=""/>
+            </a:pPr>
+            <a:r>
+              <a:rPr lang="en-US" sz="2800" strike="noStrike">
+                <a:solidFill>
+                  <a:srgbClr val="000080"/>
+                </a:solidFill>
+                <a:latin typeface="Arial"/>
+              </a:rPr>
+              <a:t>Maybe our PPG too dirty or totally different signal collection methods</a:t>
+            </a:r>
+            <a:endParaRPr/>
+          </a:p>
+          <a:p>
+            <a:pPr>
+              <a:lnSpc>
+                <a:spcPct val="100000"/>
+              </a:lnSpc>
+              <a:buSzPct val="45000"/>
+              <a:buFont typeface="StarSymbol"/>
+              <a:buChar char=""/>
+            </a:pPr>
+            <a:r>
+              <a:rPr lang="en-US" sz="3200" strike="noStrike">
+                <a:solidFill>
+                  <a:srgbClr val="000080"/>
+                </a:solidFill>
+                <a:latin typeface="Arial"/>
+              </a:rPr>
               <a:t>ICA</a:t>
             </a:r>
             <a:endParaRPr/>
           </a:p>
           <a:p>
             <a:pPr lvl="1">
-              <a:buSzPct val="75000"/>
+              <a:lnSpc>
+                <a:spcPct val="100000"/>
+              </a:lnSpc>
+              <a:buSzPct val="45000"/>
               <a:buFont typeface="StarSymbol"/>
-              <a:buChar char=""/>
-            </a:pPr>
-            <a:r>
-              <a:rPr lang="en-US" sz="2800">
+              <a:buChar char=""/>
+            </a:pPr>
+            <a:r>
+              <a:rPr lang="en-US" sz="2800" strike="noStrike">
+                <a:solidFill>
+                  <a:srgbClr val="000080"/>
+                </a:solidFill>
                 <a:latin typeface="Arial"/>
               </a:rPr>
               <a:t>If ICA don't converge, it would hurt a lot</a:t>
@@ -4093,12 +8627,18 @@
           </a:p>
           <a:p>
             <a:pPr lvl="1">
-              <a:buSzPct val="75000"/>
+              <a:lnSpc>
+                <a:spcPct val="100000"/>
+              </a:lnSpc>
+              <a:buSzPct val="45000"/>
               <a:buFont typeface="StarSymbol"/>
-              <a:buChar char=""/>
-            </a:pPr>
-            <a:r>
-              <a:rPr lang="en-US" sz="2800">
+              <a:buChar char=""/>
+            </a:pPr>
+            <a:r>
+              <a:rPr lang="en-US" sz="2800" strike="noStrike">
+                <a:solidFill>
+                  <a:srgbClr val="000080"/>
+                </a:solidFill>
                 <a:latin typeface="Arial"/>
               </a:rPr>
               <a:t>If ICA converge, hard to say it's good or not.</a:t>
@@ -4112,10 +8652,10 @@
   <p:timing>
     <p:tnLst>
       <p:par>
-        <p:cTn id="43" dur="indefinite" restart="never" nodeType="tmRoot">
+        <p:cTn id="45" dur="indefinite" restart="never" nodeType="tmRoot">
           <p:childTnLst>
             <p:seq>
-              <p:cTn id="44" nodeType="mainSeq"/>
+              <p:cTn id="46" nodeType="mainSeq"/>
               <p:prevCondLst>
                 <p:cond delay="0" evt="onPrev">
                   <p:tgtEl>
@@ -4158,14 +8698,14 @@
       </p:grpSpPr>
       <p:sp>
         <p:nvSpPr>
-          <p:cNvPr id="43" name="TextShape 1"/>
-          <p:cNvSpPr txBox="1"/>
+          <p:cNvPr id="149" name="CustomShape 1"/>
+          <p:cNvSpPr/>
           <p:nvPr/>
         </p:nvSpPr>
         <p:spPr>
           <a:xfrm>
             <a:off x="504000" y="301320"/>
-            <a:ext cx="9071640" cy="1262160"/>
+            <a:ext cx="9071280" cy="1261800"/>
           </a:xfrm>
           <a:prstGeom prst="rect">
             <a:avLst/>
@@ -4175,16 +8715,25 @@
             <a:noFill/>
           </a:ln>
         </p:spPr>
+        <p:style>
+          <a:lnRef idx="0"/>
+          <a:fillRef idx="0"/>
+          <a:effectRef idx="0"/>
+          <a:fontRef idx="minor"/>
+        </p:style>
         <p:txBody>
           <a:bodyPr lIns="0" rIns="0" tIns="0" bIns="0" anchor="ctr"/>
           <a:p>
             <a:pPr algn="ctr">
+              <a:lnSpc>
+                <a:spcPct val="100000"/>
+              </a:lnSpc>
               <a:buSzPct val="45000"/>
               <a:buFont typeface="StarSymbol"/>
-              <a:buChar char=""/>
-            </a:pPr>
-            <a:r>
-              <a:rPr lang="en-US" sz="4400">
+              <a:buChar char="l"/>
+            </a:pPr>
+            <a:r>
+              <a:rPr lang="en-US" sz="4400" strike="noStrike">
                 <a:solidFill>
                   <a:srgbClr val="800000"/>
                 </a:solidFill>
@@ -4198,14 +8747,14 @@
       </p:sp>
       <p:sp>
         <p:nvSpPr>
-          <p:cNvPr id="44" name="TextShape 2"/>
-          <p:cNvSpPr txBox="1"/>
+          <p:cNvPr id="150" name="CustomShape 2"/>
+          <p:cNvSpPr/>
           <p:nvPr/>
         </p:nvSpPr>
         <p:spPr>
           <a:xfrm>
             <a:off x="504000" y="1913400"/>
-            <a:ext cx="9071640" cy="3414600"/>
+            <a:ext cx="9071280" cy="3414240"/>
           </a:xfrm>
           <a:prstGeom prst="rect">
             <a:avLst/>
@@ -4215,16 +8764,25 @@
             <a:noFill/>
           </a:ln>
         </p:spPr>
+        <p:style>
+          <a:lnRef idx="0"/>
+          <a:fillRef idx="0"/>
+          <a:effectRef idx="0"/>
+          <a:fontRef idx="minor"/>
+        </p:style>
         <p:txBody>
           <a:bodyPr lIns="0" rIns="0" tIns="0" bIns="0"/>
           <a:p>
             <a:pPr>
+              <a:lnSpc>
+                <a:spcPct val="100000"/>
+              </a:lnSpc>
               <a:buSzPct val="45000"/>
               <a:buFont typeface="StarSymbol"/>
               <a:buChar char=""/>
             </a:pPr>
             <a:r>
-              <a:rPr lang="en-US" sz="3200">
+              <a:rPr lang="en-US" sz="3200" strike="noStrike">
                 <a:latin typeface="Arial"/>
               </a:rPr>
               <a:t>PVCoder (to improve frequency resolution)</a:t>
@@ -4233,12 +8791,15 @@
           </a:p>
           <a:p>
             <a:pPr>
+              <a:lnSpc>
+                <a:spcPct val="100000"/>
+              </a:lnSpc>
               <a:buSzPct val="45000"/>
               <a:buFont typeface="StarSymbol"/>
               <a:buChar char=""/>
             </a:pPr>
             <a:r>
-              <a:rPr lang="en-US" sz="3200">
+              <a:rPr lang="en-US" sz="3200" strike="noStrike">
                 <a:latin typeface="Arial"/>
               </a:rPr>
               <a:t>Upsample (same as above)</a:t>
@@ -4247,12 +8808,15 @@
           </a:p>
           <a:p>
             <a:pPr>
+              <a:lnSpc>
+                <a:spcPct val="100000"/>
+              </a:lnSpc>
               <a:buSzPct val="45000"/>
               <a:buFont typeface="StarSymbol"/>
               <a:buChar char=""/>
             </a:pPr>
             <a:r>
-              <a:rPr lang="en-US" sz="3200">
+              <a:rPr lang="en-US" sz="3200" strike="noStrike">
                 <a:latin typeface="Arial"/>
               </a:rPr>
               <a:t>Wavelet</a:t>
@@ -4261,12 +8825,15 @@
           </a:p>
           <a:p>
             <a:pPr>
+              <a:lnSpc>
+                <a:spcPct val="100000"/>
+              </a:lnSpc>
               <a:buSzPct val="45000"/>
               <a:buFont typeface="StarSymbol"/>
               <a:buChar char=""/>
             </a:pPr>
             <a:r>
-              <a:rPr lang="en-US" sz="3200">
+              <a:rPr lang="en-US" sz="3200" strike="noStrike">
                 <a:latin typeface="Arial"/>
               </a:rPr>
               <a:t>Miscellaneous ACC methods</a:t>
@@ -4326,14 +8893,14 @@
       </p:grpSpPr>
       <p:sp>
         <p:nvSpPr>
-          <p:cNvPr id="45" name="TextShape 1"/>
-          <p:cNvSpPr txBox="1"/>
+          <p:cNvPr id="151" name="CustomShape 1"/>
+          <p:cNvSpPr/>
           <p:nvPr/>
         </p:nvSpPr>
         <p:spPr>
           <a:xfrm>
             <a:off x="504000" y="401400"/>
-            <a:ext cx="9071640" cy="1262160"/>
+            <a:ext cx="9071280" cy="1261800"/>
           </a:xfrm>
           <a:prstGeom prst="rect">
             <a:avLst/>
@@ -4343,12 +8910,22 @@
             <a:noFill/>
           </a:ln>
         </p:spPr>
+        <p:style>
+          <a:lnRef idx="0"/>
+          <a:fillRef idx="0"/>
+          <a:effectRef idx="0"/>
+          <a:fontRef idx="minor"/>
+        </p:style>
         <p:txBody>
           <a:bodyPr lIns="0" rIns="0" tIns="0" bIns="0" anchor="ctr"/>
           <a:p>
-            <a:pPr algn="ctr"/>
-            <a:r>
-              <a:rPr lang="en-US" sz="4400">
+            <a:pPr algn="ctr">
+              <a:lnSpc>
+                <a:spcPct val="100000"/>
+              </a:lnSpc>
+            </a:pPr>
+            <a:r>
+              <a:rPr lang="en-US" sz="4400" strike="noStrike">
                 <a:latin typeface="Arial"/>
               </a:rPr>
               <a:t>New Method(not perfect currently)</a:t>
@@ -4359,14 +8936,14 @@
       </p:sp>
       <p:sp>
         <p:nvSpPr>
-          <p:cNvPr id="46" name="TextShape 2"/>
-          <p:cNvSpPr txBox="1"/>
+          <p:cNvPr id="152" name="CustomShape 2"/>
+          <p:cNvSpPr/>
           <p:nvPr/>
         </p:nvSpPr>
         <p:spPr>
           <a:xfrm>
             <a:off x="504000" y="1663560"/>
-            <a:ext cx="9071640" cy="4384440"/>
+            <a:ext cx="9071280" cy="4384080"/>
           </a:xfrm>
           <a:prstGeom prst="rect">
             <a:avLst/>
@@ -4376,16 +8953,25 @@
             <a:noFill/>
           </a:ln>
         </p:spPr>
+        <p:style>
+          <a:lnRef idx="0"/>
+          <a:fillRef idx="0"/>
+          <a:effectRef idx="0"/>
+          <a:fontRef idx="minor"/>
+        </p:style>
         <p:txBody>
           <a:bodyPr lIns="0" rIns="0" tIns="0" bIns="0" anchor="ctr"/>
           <a:p>
             <a:pPr>
+              <a:lnSpc>
+                <a:spcPct val="100000"/>
+              </a:lnSpc>
               <a:buSzPct val="45000"/>
               <a:buFont typeface="StarSymbol"/>
               <a:buChar char=""/>
             </a:pPr>
             <a:r>
-              <a:rPr lang="en-US" sz="3200">
+              <a:rPr lang="en-US" sz="3200" strike="noStrike">
                 <a:latin typeface="Arial"/>
               </a:rPr>
               <a:t>Based on the wavelet transform</a:t>
@@ -4394,12 +8980,15 @@
           </a:p>
           <a:p>
             <a:pPr>
+              <a:lnSpc>
+                <a:spcPct val="100000"/>
+              </a:lnSpc>
               <a:buSzPct val="45000"/>
               <a:buFont typeface="StarSymbol"/>
               <a:buChar char=""/>
             </a:pPr>
             <a:r>
-              <a:rPr lang="en-US" sz="3200">
+              <a:rPr lang="en-US" sz="3200" strike="noStrike">
                 <a:latin typeface="Arial"/>
               </a:rPr>
               <a:t>I observe roughly 100 frames, the peak of hr won't be minimized, and if the hr don't have peak, it would get a new peak.</a:t>
@@ -4459,14 +9048,14 @@
       </p:grpSpPr>
       <p:sp>
         <p:nvSpPr>
-          <p:cNvPr id="47" name="TextShape 1"/>
-          <p:cNvSpPr txBox="1"/>
+          <p:cNvPr id="153" name="CustomShape 1"/>
+          <p:cNvSpPr/>
           <p:nvPr/>
         </p:nvSpPr>
         <p:spPr>
           <a:xfrm>
             <a:off x="504000" y="301320"/>
-            <a:ext cx="9071640" cy="1262160"/>
+            <a:ext cx="9071280" cy="1261800"/>
           </a:xfrm>
           <a:prstGeom prst="rect">
             <a:avLst/>
@@ -4476,12 +9065,22 @@
             <a:noFill/>
           </a:ln>
         </p:spPr>
+        <p:style>
+          <a:lnRef idx="0"/>
+          <a:fillRef idx="0"/>
+          <a:effectRef idx="0"/>
+          <a:fontRef idx="minor"/>
+        </p:style>
         <p:txBody>
           <a:bodyPr lIns="0" rIns="0" tIns="0" bIns="0" anchor="ctr"/>
           <a:p>
-            <a:pPr algn="ctr"/>
-            <a:r>
-              <a:rPr lang="en-US" sz="4400">
+            <a:pPr algn="ctr">
+              <a:lnSpc>
+                <a:spcPct val="100000"/>
+              </a:lnSpc>
+            </a:pPr>
+            <a:r>
+              <a:rPr lang="en-US" sz="4400" strike="noStrike">
                 <a:latin typeface="Arial"/>
               </a:rPr>
               <a:t>For Example before</a:t>
@@ -4492,7 +9091,7 @@
       </p:sp>
       <p:pic>
         <p:nvPicPr>
-          <p:cNvPr id="48" name="" descr=""/>
+          <p:cNvPr id="154" name="" descr=""/>
           <p:cNvPicPr/>
           <p:nvPr/>
         </p:nvPicPr>
@@ -4503,7 +9102,7 @@
         <p:spPr>
           <a:xfrm>
             <a:off x="360000" y="1440000"/>
-            <a:ext cx="9504000" cy="5780520"/>
+            <a:ext cx="9503640" cy="5780160"/>
           </a:xfrm>
           <a:prstGeom prst="rect">
             <a:avLst/>
@@ -4564,14 +9163,14 @@
       </p:grpSpPr>
       <p:sp>
         <p:nvSpPr>
-          <p:cNvPr id="49" name="TextShape 1"/>
-          <p:cNvSpPr txBox="1"/>
+          <p:cNvPr id="155" name="CustomShape 1"/>
+          <p:cNvSpPr/>
           <p:nvPr/>
         </p:nvSpPr>
         <p:spPr>
           <a:xfrm>
             <a:off x="504000" y="301320"/>
-            <a:ext cx="9071640" cy="1262160"/>
+            <a:ext cx="9071280" cy="1261800"/>
           </a:xfrm>
           <a:prstGeom prst="rect">
             <a:avLst/>
@@ -4581,12 +9180,22 @@
             <a:noFill/>
           </a:ln>
         </p:spPr>
+        <p:style>
+          <a:lnRef idx="0"/>
+          <a:fillRef idx="0"/>
+          <a:effectRef idx="0"/>
+          <a:fontRef idx="minor"/>
+        </p:style>
         <p:txBody>
           <a:bodyPr lIns="0" rIns="0" tIns="0" bIns="0" anchor="ctr"/>
           <a:p>
-            <a:pPr algn="ctr"/>
-            <a:r>
-              <a:rPr lang="en-US" sz="4400">
+            <a:pPr algn="ctr">
+              <a:lnSpc>
+                <a:spcPct val="100000"/>
+              </a:lnSpc>
+            </a:pPr>
+            <a:r>
+              <a:rPr lang="en-US" sz="4400" strike="noStrike">
                 <a:latin typeface="Arial"/>
               </a:rPr>
               <a:t>For Example, after</a:t>
@@ -4597,7 +9206,7 @@
       </p:sp>
       <p:pic>
         <p:nvPicPr>
-          <p:cNvPr id="50" name="" descr=""/>
+          <p:cNvPr id="156" name="" descr=""/>
           <p:cNvPicPr/>
           <p:nvPr/>
         </p:nvPicPr>
@@ -4608,7 +9217,7 @@
         <p:spPr>
           <a:xfrm>
             <a:off x="146880" y="1563480"/>
-            <a:ext cx="9501120" cy="5420520"/>
+            <a:ext cx="9500760" cy="5420160"/>
           </a:xfrm>
           <a:prstGeom prst="rect">
             <a:avLst/>
@@ -4669,14 +9278,14 @@
       </p:grpSpPr>
       <p:sp>
         <p:nvSpPr>
-          <p:cNvPr id="51" name="TextShape 1"/>
-          <p:cNvSpPr txBox="1"/>
+          <p:cNvPr id="157" name="CustomShape 1"/>
+          <p:cNvSpPr/>
           <p:nvPr/>
         </p:nvSpPr>
         <p:spPr>
           <a:xfrm>
             <a:off x="504000" y="301320"/>
-            <a:ext cx="9071640" cy="1262160"/>
+            <a:ext cx="9071280" cy="1261800"/>
           </a:xfrm>
           <a:prstGeom prst="rect">
             <a:avLst/>
@@ -4686,12 +9295,22 @@
             <a:noFill/>
           </a:ln>
         </p:spPr>
+        <p:style>
+          <a:lnRef idx="0"/>
+          <a:fillRef idx="0"/>
+          <a:effectRef idx="0"/>
+          <a:fontRef idx="minor"/>
+        </p:style>
         <p:txBody>
           <a:bodyPr lIns="0" rIns="0" tIns="0" bIns="0" anchor="ctr"/>
           <a:p>
-            <a:pPr algn="ctr"/>
-            <a:r>
-              <a:rPr lang="en-US" sz="4400">
+            <a:pPr algn="ctr">
+              <a:lnSpc>
+                <a:spcPct val="100000"/>
+              </a:lnSpc>
+            </a:pPr>
+            <a:r>
+              <a:rPr lang="en-US" sz="4400" strike="noStrike">
                 <a:latin typeface="Arial"/>
               </a:rPr>
               <a:t>For Example, after</a:t>
@@ -4702,7 +9321,7 @@
       </p:sp>
       <p:pic>
         <p:nvPicPr>
-          <p:cNvPr id="52" name="" descr=""/>
+          <p:cNvPr id="158" name="" descr=""/>
           <p:cNvPicPr/>
           <p:nvPr/>
         </p:nvPicPr>
@@ -4713,7 +9332,7 @@
         <p:spPr>
           <a:xfrm rot="10800">
             <a:off x="441000" y="1313640"/>
-            <a:ext cx="9648720" cy="5943240"/>
+            <a:ext cx="9648360" cy="5942880"/>
           </a:xfrm>
           <a:prstGeom prst="rect">
             <a:avLst/>
@@ -4774,14 +9393,14 @@
       </p:grpSpPr>
       <p:sp>
         <p:nvSpPr>
-          <p:cNvPr id="53" name="TextShape 1"/>
-          <p:cNvSpPr txBox="1"/>
+          <p:cNvPr id="159" name="CustomShape 1"/>
+          <p:cNvSpPr/>
           <p:nvPr/>
         </p:nvSpPr>
         <p:spPr>
           <a:xfrm>
             <a:off x="504000" y="301320"/>
-            <a:ext cx="9071640" cy="1262160"/>
+            <a:ext cx="9071280" cy="1261800"/>
           </a:xfrm>
           <a:prstGeom prst="rect">
             <a:avLst/>
@@ -4791,12 +9410,22 @@
             <a:noFill/>
           </a:ln>
         </p:spPr>
+        <p:style>
+          <a:lnRef idx="0"/>
+          <a:fillRef idx="0"/>
+          <a:effectRef idx="0"/>
+          <a:fontRef idx="minor"/>
+        </p:style>
         <p:txBody>
           <a:bodyPr lIns="0" rIns="0" tIns="0" bIns="0" anchor="ctr"/>
           <a:p>
-            <a:pPr algn="ctr"/>
-            <a:r>
-              <a:rPr lang="en-US" sz="4400">
+            <a:pPr algn="ctr">
+              <a:lnSpc>
+                <a:spcPct val="100000"/>
+              </a:lnSpc>
+            </a:pPr>
+            <a:r>
+              <a:rPr lang="en-US" sz="4400" strike="noStrike">
                 <a:latin typeface="Arial"/>
               </a:rPr>
               <a:t>In detail</a:t>
@@ -4807,14 +9436,14 @@
       </p:sp>
       <p:sp>
         <p:nvSpPr>
-          <p:cNvPr id="54" name="TextShape 2"/>
-          <p:cNvSpPr txBox="1"/>
+          <p:cNvPr id="160" name="CustomShape 2"/>
+          <p:cNvSpPr/>
           <p:nvPr/>
         </p:nvSpPr>
         <p:spPr>
           <a:xfrm>
             <a:off x="432000" y="1769040"/>
-            <a:ext cx="9071640" cy="4384440"/>
+            <a:ext cx="9071280" cy="4384080"/>
           </a:xfrm>
           <a:prstGeom prst="rect">
             <a:avLst/>
@@ -4824,22 +9453,31 @@
             <a:noFill/>
           </a:ln>
         </p:spPr>
+        <p:style>
+          <a:lnRef idx="0"/>
+          <a:fillRef idx="0"/>
+          <a:effectRef idx="0"/>
+          <a:fontRef idx="minor"/>
+        </p:style>
         <p:txBody>
           <a:bodyPr lIns="0" rIns="0" tIns="0" bIns="0"/>
           <a:p>
             <a:pPr>
+              <a:lnSpc>
+                <a:spcPct val="100000"/>
+              </a:lnSpc>
               <a:buSzPct val="45000"/>
               <a:buFont typeface="StarSymbol"/>
               <a:buChar char=""/>
             </a:pPr>
             <a:r>
-              <a:rPr lang="en-US" sz="3200">
+              <a:rPr lang="en-US" sz="3200" strike="noStrike">
                 <a:latin typeface="Arial"/>
               </a:rPr>
               <a:t>Apply</a:t>
             </a:r>
             <a:r>
-              <a:rPr lang="en-US" sz="3200">
+              <a:rPr lang="en-US" sz="3200" strike="noStrike">
                 <a:solidFill>
                   <a:srgbClr val="800000"/>
                 </a:solidFill>
@@ -4851,12 +9489,18 @@
           </a:p>
           <a:p>
             <a:pPr>
+              <a:lnSpc>
+                <a:spcPct val="100000"/>
+              </a:lnSpc>
               <a:buSzPct val="45000"/>
               <a:buFont typeface="StarSymbol"/>
               <a:buChar char=""/>
             </a:pPr>
             <a:r>
-              <a:rPr lang="en-US" sz="3200">
+              <a:rPr lang="en-US" sz="3200" strike="noStrike">
+                <a:solidFill>
+                  <a:srgbClr val="800000"/>
+                </a:solidFill>
                 <a:latin typeface="Arial"/>
               </a:rPr>
               <a:t>Set level 0 to all zeros (very low frequency)</a:t>
@@ -4865,12 +9509,15 @@
           </a:p>
           <a:p>
             <a:pPr>
+              <a:lnSpc>
+                <a:spcPct val="100000"/>
+              </a:lnSpc>
               <a:buSzPct val="45000"/>
               <a:buFont typeface="StarSymbol"/>
               <a:buChar char=""/>
             </a:pPr>
             <a:r>
-              <a:rPr lang="en-US" sz="3200">
+              <a:rPr lang="en-US" sz="3200" strike="noStrike">
                 <a:solidFill>
                   <a:srgbClr val="ff0000"/>
                 </a:solidFill>
@@ -4879,7 +9526,7 @@
               <a:t>Threshold each level into</a:t>
             </a:r>
             <a:r>
-              <a:rPr lang="en-US" sz="3200">
+              <a:rPr lang="en-US" sz="3200" strike="noStrike">
                 <a:solidFill>
                   <a:srgbClr val="800000"/>
                 </a:solidFill>
@@ -4888,7 +9535,7 @@
               <a:t> </a:t>
             </a:r>
             <a:r>
-              <a:rPr lang="en-US" sz="3200">
+              <a:rPr lang="en-US" sz="3200" strike="noStrike">
                 <a:solidFill>
                   <a:srgbClr val="0066cc"/>
                 </a:solidFill>
@@ -4900,12 +9547,15 @@
           </a:p>
           <a:p>
             <a:pPr>
+              <a:lnSpc>
+                <a:spcPct val="100000"/>
+              </a:lnSpc>
               <a:buSzPct val="45000"/>
               <a:buFont typeface="StarSymbol"/>
               <a:buChar char=""/>
             </a:pPr>
             <a:r>
-              <a:rPr lang="en-US" sz="3200">
+              <a:rPr lang="en-US" sz="3200" strike="noStrike">
                 <a:solidFill>
                   <a:srgbClr val="0000ff"/>
                 </a:solidFill>
@@ -4917,12 +9567,15 @@
           </a:p>
           <a:p>
             <a:pPr>
+              <a:lnSpc>
+                <a:spcPct val="100000"/>
+              </a:lnSpc>
               <a:buSzPct val="45000"/>
               <a:buFont typeface="StarSymbol"/>
               <a:buChar char=""/>
             </a:pPr>
             <a:r>
-              <a:rPr lang="en-US" sz="3200">
+              <a:rPr lang="en-US" sz="3200" strike="noStrike">
                 <a:solidFill>
                   <a:srgbClr val="000000"/>
                 </a:solidFill>
@@ -4985,14 +9638,14 @@
       </p:grpSpPr>
       <p:sp>
         <p:nvSpPr>
-          <p:cNvPr id="55" name="TextShape 1"/>
-          <p:cNvSpPr txBox="1"/>
+          <p:cNvPr id="161" name="CustomShape 1"/>
+          <p:cNvSpPr/>
           <p:nvPr/>
         </p:nvSpPr>
         <p:spPr>
           <a:xfrm>
             <a:off x="504000" y="301320"/>
-            <a:ext cx="9071640" cy="1262160"/>
+            <a:ext cx="9071280" cy="1261800"/>
           </a:xfrm>
           <a:prstGeom prst="rect">
             <a:avLst/>
@@ -5002,12 +9655,22 @@
             <a:noFill/>
           </a:ln>
         </p:spPr>
+        <p:style>
+          <a:lnRef idx="0"/>
+          <a:fillRef idx="0"/>
+          <a:effectRef idx="0"/>
+          <a:fontRef idx="minor"/>
+        </p:style>
         <p:txBody>
           <a:bodyPr lIns="0" rIns="0" tIns="0" bIns="0" anchor="ctr"/>
           <a:p>
-            <a:pPr algn="ctr"/>
-            <a:r>
-              <a:rPr lang="en-US" sz="4400">
+            <a:pPr algn="ctr">
+              <a:lnSpc>
+                <a:spcPct val="100000"/>
+              </a:lnSpc>
+            </a:pPr>
+            <a:r>
+              <a:rPr lang="en-US" sz="4400" strike="noStrike">
                 <a:latin typeface="Arial"/>
               </a:rPr>
               <a:t>More</a:t>
@@ -5018,14 +9681,14 @@
       </p:sp>
       <p:sp>
         <p:nvSpPr>
-          <p:cNvPr id="56" name="TextShape 2"/>
-          <p:cNvSpPr txBox="1"/>
+          <p:cNvPr id="162" name="CustomShape 2"/>
+          <p:cNvSpPr/>
           <p:nvPr/>
         </p:nvSpPr>
         <p:spPr>
           <a:xfrm>
             <a:off x="504000" y="1769040"/>
-            <a:ext cx="9071640" cy="4384440"/>
+            <a:ext cx="9071280" cy="4384080"/>
           </a:xfrm>
           <a:prstGeom prst="rect">
             <a:avLst/>
@@ -5035,22 +9698,31 @@
             <a:noFill/>
           </a:ln>
         </p:spPr>
+        <p:style>
+          <a:lnRef idx="0"/>
+          <a:fillRef idx="0"/>
+          <a:effectRef idx="0"/>
+          <a:fontRef idx="minor"/>
+        </p:style>
         <p:txBody>
           <a:bodyPr lIns="0" rIns="0" tIns="0" bIns="0"/>
           <a:p>
             <a:pPr>
+              <a:lnSpc>
+                <a:spcPct val="100000"/>
+              </a:lnSpc>
               <a:buSzPct val="45000"/>
               <a:buFont typeface="StarSymbol"/>
-              <a:buChar char=""/>
-            </a:pPr>
-            <a:r>
-              <a:rPr lang="en-US" sz="3200">
+              <a:buChar char="l"/>
+            </a:pPr>
+            <a:r>
+              <a:rPr lang="en-US" sz="3200" strike="noStrike">
                 <a:latin typeface="Arial"/>
               </a:rPr>
               <a:t>When use different </a:t>
             </a:r>
             <a:r>
-              <a:rPr lang="en-US" sz="3200">
+              <a:rPr lang="en-US" sz="3200" strike="noStrike">
                 <a:solidFill>
                   <a:srgbClr val="0000ff"/>
                 </a:solidFill>
@@ -5059,7 +9731,7 @@
               <a:t>R</a:t>
             </a:r>
             <a:r>
-              <a:rPr lang="en-US" sz="3200">
+              <a:rPr lang="en-US" sz="3200" strike="noStrike">
                 <a:solidFill>
                   <a:srgbClr val="000000"/>
                 </a:solidFill>
@@ -5071,12 +9743,15 @@
           </a:p>
           <a:p>
             <a:pPr>
+              <a:lnSpc>
+                <a:spcPct val="100000"/>
+              </a:lnSpc>
               <a:buSzPct val="45000"/>
               <a:buFont typeface="StarSymbol"/>
-              <a:buChar char=""/>
-            </a:pPr>
-            <a:r>
-              <a:rPr lang="en-US" sz="3200">
+              <a:buChar char="l"/>
+            </a:pPr>
+            <a:r>
+              <a:rPr lang="en-US" sz="3200" strike="noStrike">
                 <a:solidFill>
                   <a:srgbClr val="000000"/>
                 </a:solidFill>
@@ -5088,12 +9763,15 @@
           </a:p>
           <a:p>
             <a:pPr>
+              <a:lnSpc>
+                <a:spcPct val="100000"/>
+              </a:lnSpc>
               <a:buSzPct val="45000"/>
               <a:buFont typeface="StarSymbol"/>
-              <a:buChar char=""/>
-            </a:pPr>
-            <a:r>
-              <a:rPr lang="en-US" sz="3200">
+              <a:buChar char="l"/>
+            </a:pPr>
+            <a:r>
+              <a:rPr lang="en-US" sz="3200" strike="noStrike">
                 <a:solidFill>
                   <a:srgbClr val="000000"/>
                 </a:solidFill>
@@ -5358,4 +10036,673 @@
     </a:fmtScheme>
   </a:themeElements>
 </a:theme>
+</file>
+
+<file path=ppt/theme/theme2.xml><?xml version="1.0" encoding="utf-8"?>
+<a:theme xmlns:a="http://schemas.openxmlformats.org/drawingml/2006/main" name="Office Theme">
+  <a:themeElements>
+    <a:clrScheme name="Office">
+      <a:dk1>
+        <a:sysClr val="windowText" lastClr="000000"/>
+      </a:dk1>
+      <a:lt1>
+        <a:sysClr val="window" lastClr="FFFFFF"/>
+      </a:lt1>
+      <a:dk2>
+        <a:srgbClr val="1F497D"/>
+      </a:dk2>
+      <a:lt2>
+        <a:srgbClr val="EEECE1"/>
+      </a:lt2>
+      <a:accent1>
+        <a:srgbClr val="4F81BD"/>
+      </a:accent1>
+      <a:accent2>
+        <a:srgbClr val="C0504D"/>
+      </a:accent2>
+      <a:accent3>
+        <a:srgbClr val="9BBB59"/>
+      </a:accent3>
+      <a:accent4>
+        <a:srgbClr val="8064A2"/>
+      </a:accent4>
+      <a:accent5>
+        <a:srgbClr val="4BACC6"/>
+      </a:accent5>
+      <a:accent6>
+        <a:srgbClr val="F79646"/>
+      </a:accent6>
+      <a:hlink>
+        <a:srgbClr val="0000FF"/>
+      </a:hlink>
+      <a:folHlink>
+        <a:srgbClr val="800080"/>
+      </a:folHlink>
+    </a:clrScheme>
+    <a:fontScheme name="Office">
+      <a:majorFont>
+        <a:latin typeface="Arial"/>
+        <a:ea typeface="DejaVu Sans"/>
+        <a:cs typeface="DejaVu Sans"/>
+      </a:majorFont>
+      <a:minorFont>
+        <a:latin typeface="Arial"/>
+        <a:ea typeface="DejaVu Sans"/>
+        <a:cs typeface="DejaVu Sans"/>
+      </a:minorFont>
+    </a:fontScheme>
+    <a:fmtScheme name="Office">
+      <a:fillStyleLst>
+        <a:solidFill>
+          <a:schemeClr val="phClr"/>
+        </a:solidFill>
+        <a:gradFill rotWithShape="1">
+          <a:gsLst>
+            <a:gs pos="0">
+              <a:schemeClr val="phClr">
+                <a:tint val="50000"/>
+                <a:satMod val="300000"/>
+              </a:schemeClr>
+            </a:gs>
+            <a:gs pos="35000">
+              <a:schemeClr val="phClr">
+                <a:tint val="37000"/>
+                <a:satMod val="300000"/>
+              </a:schemeClr>
+            </a:gs>
+            <a:gs pos="100000">
+              <a:schemeClr val="phClr">
+                <a:tint val="15000"/>
+                <a:satMod val="350000"/>
+              </a:schemeClr>
+            </a:gs>
+          </a:gsLst>
+          <a:lin ang="16200000" scaled="1"/>
+        </a:gradFill>
+        <a:gradFill rotWithShape="1">
+          <a:gsLst>
+            <a:gs pos="0">
+              <a:schemeClr val="phClr">
+                <a:shade val="51000"/>
+                <a:satMod val="130000"/>
+              </a:schemeClr>
+            </a:gs>
+            <a:gs pos="80000">
+              <a:schemeClr val="phClr">
+                <a:shade val="93000"/>
+                <a:satMod val="130000"/>
+              </a:schemeClr>
+            </a:gs>
+            <a:gs pos="100000">
+              <a:schemeClr val="phClr">
+                <a:shade val="94000"/>
+                <a:satMod val="135000"/>
+              </a:schemeClr>
+            </a:gs>
+          </a:gsLst>
+          <a:lin ang="16200000" scaled="0"/>
+        </a:gradFill>
+      </a:fillStyleLst>
+      <a:lnStyleLst>
+        <a:ln w="9525" cap="flat" cmpd="sng" algn="ctr">
+          <a:solidFill>
+            <a:schemeClr val="phClr">
+              <a:shade val="95000"/>
+              <a:satMod val="105000"/>
+            </a:schemeClr>
+          </a:solidFill>
+          <a:prstDash val="solid"/>
+        </a:ln>
+        <a:ln w="25400" cap="flat" cmpd="sng" algn="ctr">
+          <a:solidFill>
+            <a:schemeClr val="phClr"/>
+          </a:solidFill>
+          <a:prstDash val="solid"/>
+        </a:ln>
+        <a:ln w="38100" cap="flat" cmpd="sng" algn="ctr">
+          <a:solidFill>
+            <a:schemeClr val="phClr"/>
+          </a:solidFill>
+          <a:prstDash val="solid"/>
+        </a:ln>
+      </a:lnStyleLst>
+      <a:effectStyleLst>
+        <a:effectStyle>
+          <a:effectLst>
+            <a:outerShdw blurRad="40000" dist="20000" dir="5400000" rotWithShape="0">
+              <a:srgbClr val="000000">
+                <a:alpha val="38000"/>
+              </a:srgbClr>
+            </a:outerShdw>
+          </a:effectLst>
+        </a:effectStyle>
+        <a:effectStyle>
+          <a:effectLst>
+            <a:outerShdw blurRad="40000" dist="23000" dir="5400000" rotWithShape="0">
+              <a:srgbClr val="000000">
+                <a:alpha val="35000"/>
+              </a:srgbClr>
+            </a:outerShdw>
+          </a:effectLst>
+        </a:effectStyle>
+        <a:effectStyle>
+          <a:effectLst>
+            <a:outerShdw blurRad="40000" dist="23000" dir="5400000" rotWithShape="0">
+              <a:srgbClr val="000000">
+                <a:alpha val="35000"/>
+              </a:srgbClr>
+            </a:outerShdw>
+          </a:effectLst>
+          <a:scene3d>
+            <a:camera prst="orthographicFront">
+              <a:rot lat="0" lon="0" rev="0"/>
+            </a:camera>
+            <a:lightRig rig="threePt" dir="t">
+              <a:rot lat="0" lon="0" rev="1200000"/>
+            </a:lightRig>
+          </a:scene3d>
+          <a:sp3d>
+            <a:bevelT w="63500" h="25400"/>
+          </a:sp3d>
+        </a:effectStyle>
+      </a:effectStyleLst>
+      <a:bgFillStyleLst>
+        <a:solidFill>
+          <a:schemeClr val="phClr"/>
+        </a:solidFill>
+        <a:gradFill rotWithShape="1">
+          <a:gsLst>
+            <a:gs pos="0">
+              <a:schemeClr val="phClr">
+                <a:tint val="40000"/>
+                <a:satMod val="350000"/>
+              </a:schemeClr>
+            </a:gs>
+            <a:gs pos="40000">
+              <a:schemeClr val="phClr">
+                <a:tint val="45000"/>
+                <a:shade val="99000"/>
+                <a:satMod val="350000"/>
+              </a:schemeClr>
+            </a:gs>
+            <a:gs pos="100000">
+              <a:schemeClr val="phClr">
+                <a:shade val="20000"/>
+                <a:satMod val="255000"/>
+              </a:schemeClr>
+            </a:gs>
+          </a:gsLst>
+          <a:path path="circle">
+            <a:fillToRect l="50000" t="-80000" r="50000" b="180000"/>
+          </a:path>
+        </a:gradFill>
+        <a:gradFill rotWithShape="1">
+          <a:gsLst>
+            <a:gs pos="0">
+              <a:schemeClr val="phClr">
+                <a:tint val="80000"/>
+                <a:satMod val="300000"/>
+              </a:schemeClr>
+            </a:gs>
+            <a:gs pos="100000">
+              <a:schemeClr val="phClr">
+                <a:shade val="30000"/>
+                <a:satMod val="200000"/>
+              </a:schemeClr>
+            </a:gs>
+          </a:gsLst>
+          <a:path path="circle">
+            <a:fillToRect l="50000" t="50000" r="50000" b="50000"/>
+          </a:path>
+        </a:gradFill>
+      </a:bgFillStyleLst>
+    </a:fmtScheme>
+  </a:themeElements>
+</a:theme>
+</file>
+
+<file path=ppt/theme/theme3.xml><?xml version="1.0" encoding="utf-8"?>
+<a:theme xmlns:a="http://schemas.openxmlformats.org/drawingml/2006/main" name="Office Theme">
+  <a:themeElements>
+    <a:clrScheme name="Office">
+      <a:dk1>
+        <a:sysClr val="windowText" lastClr="000000"/>
+      </a:dk1>
+      <a:lt1>
+        <a:sysClr val="window" lastClr="FFFFFF"/>
+      </a:lt1>
+      <a:dk2>
+        <a:srgbClr val="1F497D"/>
+      </a:dk2>
+      <a:lt2>
+        <a:srgbClr val="EEECE1"/>
+      </a:lt2>
+      <a:accent1>
+        <a:srgbClr val="4F81BD"/>
+      </a:accent1>
+      <a:accent2>
+        <a:srgbClr val="C0504D"/>
+      </a:accent2>
+      <a:accent3>
+        <a:srgbClr val="9BBB59"/>
+      </a:accent3>
+      <a:accent4>
+        <a:srgbClr val="8064A2"/>
+      </a:accent4>
+      <a:accent5>
+        <a:srgbClr val="4BACC6"/>
+      </a:accent5>
+      <a:accent6>
+        <a:srgbClr val="F79646"/>
+      </a:accent6>
+      <a:hlink>
+        <a:srgbClr val="0000FF"/>
+      </a:hlink>
+      <a:folHlink>
+        <a:srgbClr val="800080"/>
+      </a:folHlink>
+    </a:clrScheme>
+    <a:fontScheme name="Office">
+      <a:majorFont>
+        <a:latin typeface="Arial"/>
+        <a:ea typeface="DejaVu Sans"/>
+        <a:cs typeface="DejaVu Sans"/>
+      </a:majorFont>
+      <a:minorFont>
+        <a:latin typeface="Arial"/>
+        <a:ea typeface="DejaVu Sans"/>
+        <a:cs typeface="DejaVu Sans"/>
+      </a:minorFont>
+    </a:fontScheme>
+    <a:fmtScheme name="Office">
+      <a:fillStyleLst>
+        <a:solidFill>
+          <a:schemeClr val="phClr"/>
+        </a:solidFill>
+        <a:gradFill rotWithShape="1">
+          <a:gsLst>
+            <a:gs pos="0">
+              <a:schemeClr val="phClr">
+                <a:tint val="50000"/>
+                <a:satMod val="300000"/>
+              </a:schemeClr>
+            </a:gs>
+            <a:gs pos="35000">
+              <a:schemeClr val="phClr">
+                <a:tint val="37000"/>
+                <a:satMod val="300000"/>
+              </a:schemeClr>
+            </a:gs>
+            <a:gs pos="100000">
+              <a:schemeClr val="phClr">
+                <a:tint val="15000"/>
+                <a:satMod val="350000"/>
+              </a:schemeClr>
+            </a:gs>
+          </a:gsLst>
+          <a:lin ang="16200000" scaled="1"/>
+        </a:gradFill>
+        <a:gradFill rotWithShape="1">
+          <a:gsLst>
+            <a:gs pos="0">
+              <a:schemeClr val="phClr">
+                <a:shade val="51000"/>
+                <a:satMod val="130000"/>
+              </a:schemeClr>
+            </a:gs>
+            <a:gs pos="80000">
+              <a:schemeClr val="phClr">
+                <a:shade val="93000"/>
+                <a:satMod val="130000"/>
+              </a:schemeClr>
+            </a:gs>
+            <a:gs pos="100000">
+              <a:schemeClr val="phClr">
+                <a:shade val="94000"/>
+                <a:satMod val="135000"/>
+              </a:schemeClr>
+            </a:gs>
+          </a:gsLst>
+          <a:lin ang="16200000" scaled="0"/>
+        </a:gradFill>
+      </a:fillStyleLst>
+      <a:lnStyleLst>
+        <a:ln w="9525" cap="flat" cmpd="sng" algn="ctr">
+          <a:solidFill>
+            <a:schemeClr val="phClr">
+              <a:shade val="95000"/>
+              <a:satMod val="105000"/>
+            </a:schemeClr>
+          </a:solidFill>
+          <a:prstDash val="solid"/>
+        </a:ln>
+        <a:ln w="25400" cap="flat" cmpd="sng" algn="ctr">
+          <a:solidFill>
+            <a:schemeClr val="phClr"/>
+          </a:solidFill>
+          <a:prstDash val="solid"/>
+        </a:ln>
+        <a:ln w="38100" cap="flat" cmpd="sng" algn="ctr">
+          <a:solidFill>
+            <a:schemeClr val="phClr"/>
+          </a:solidFill>
+          <a:prstDash val="solid"/>
+        </a:ln>
+      </a:lnStyleLst>
+      <a:effectStyleLst>
+        <a:effectStyle>
+          <a:effectLst>
+            <a:outerShdw blurRad="40000" dist="20000" dir="5400000" rotWithShape="0">
+              <a:srgbClr val="000000">
+                <a:alpha val="38000"/>
+              </a:srgbClr>
+            </a:outerShdw>
+          </a:effectLst>
+        </a:effectStyle>
+        <a:effectStyle>
+          <a:effectLst>
+            <a:outerShdw blurRad="40000" dist="23000" dir="5400000" rotWithShape="0">
+              <a:srgbClr val="000000">
+                <a:alpha val="35000"/>
+              </a:srgbClr>
+            </a:outerShdw>
+          </a:effectLst>
+        </a:effectStyle>
+        <a:effectStyle>
+          <a:effectLst>
+            <a:outerShdw blurRad="40000" dist="23000" dir="5400000" rotWithShape="0">
+              <a:srgbClr val="000000">
+                <a:alpha val="35000"/>
+              </a:srgbClr>
+            </a:outerShdw>
+          </a:effectLst>
+          <a:scene3d>
+            <a:camera prst="orthographicFront">
+              <a:rot lat="0" lon="0" rev="0"/>
+            </a:camera>
+            <a:lightRig rig="threePt" dir="t">
+              <a:rot lat="0" lon="0" rev="1200000"/>
+            </a:lightRig>
+          </a:scene3d>
+          <a:sp3d>
+            <a:bevelT w="63500" h="25400"/>
+          </a:sp3d>
+        </a:effectStyle>
+      </a:effectStyleLst>
+      <a:bgFillStyleLst>
+        <a:solidFill>
+          <a:schemeClr val="phClr"/>
+        </a:solidFill>
+        <a:gradFill rotWithShape="1">
+          <a:gsLst>
+            <a:gs pos="0">
+              <a:schemeClr val="phClr">
+                <a:tint val="40000"/>
+                <a:satMod val="350000"/>
+              </a:schemeClr>
+            </a:gs>
+            <a:gs pos="40000">
+              <a:schemeClr val="phClr">
+                <a:tint val="45000"/>
+                <a:shade val="99000"/>
+                <a:satMod val="350000"/>
+              </a:schemeClr>
+            </a:gs>
+            <a:gs pos="100000">
+              <a:schemeClr val="phClr">
+                <a:shade val="20000"/>
+                <a:satMod val="255000"/>
+              </a:schemeClr>
+            </a:gs>
+          </a:gsLst>
+          <a:path path="circle">
+            <a:fillToRect l="50000" t="-80000" r="50000" b="180000"/>
+          </a:path>
+        </a:gradFill>
+        <a:gradFill rotWithShape="1">
+          <a:gsLst>
+            <a:gs pos="0">
+              <a:schemeClr val="phClr">
+                <a:tint val="80000"/>
+                <a:satMod val="300000"/>
+              </a:schemeClr>
+            </a:gs>
+            <a:gs pos="100000">
+              <a:schemeClr val="phClr">
+                <a:shade val="30000"/>
+                <a:satMod val="200000"/>
+              </a:schemeClr>
+            </a:gs>
+          </a:gsLst>
+          <a:path path="circle">
+            <a:fillToRect l="50000" t="50000" r="50000" b="50000"/>
+          </a:path>
+        </a:gradFill>
+      </a:bgFillStyleLst>
+    </a:fmtScheme>
+  </a:themeElements>
+</a:theme>
+</file>
+
+<file path=ppt/theme/theme4.xml><?xml version="1.0" encoding="utf-8"?>
+<a:theme xmlns:a="http://schemas.openxmlformats.org/drawingml/2006/main" name="Office Theme">
+  <a:themeElements>
+    <a:clrScheme name="Office">
+      <a:dk1>
+        <a:sysClr val="windowText" lastClr="000000"/>
+      </a:dk1>
+      <a:lt1>
+        <a:sysClr val="window" lastClr="FFFFFF"/>
+      </a:lt1>
+      <a:dk2>
+        <a:srgbClr val="1F497D"/>
+      </a:dk2>
+      <a:lt2>
+        <a:srgbClr val="EEECE1"/>
+      </a:lt2>
+      <a:accent1>
+        <a:srgbClr val="4F81BD"/>
+      </a:accent1>
+      <a:accent2>
+        <a:srgbClr val="C0504D"/>
+      </a:accent2>
+      <a:accent3>
+        <a:srgbClr val="9BBB59"/>
+      </a:accent3>
+      <a:accent4>
+        <a:srgbClr val="8064A2"/>
+      </a:accent4>
+      <a:accent5>
+        <a:srgbClr val="4BACC6"/>
+      </a:accent5>
+      <a:accent6>
+        <a:srgbClr val="F79646"/>
+      </a:accent6>
+      <a:hlink>
+        <a:srgbClr val="0000FF"/>
+      </a:hlink>
+      <a:folHlink>
+        <a:srgbClr val="800080"/>
+      </a:folHlink>
+    </a:clrScheme>
+    <a:fontScheme name="Office">
+      <a:majorFont>
+        <a:latin typeface="Arial"/>
+        <a:ea typeface="DejaVu Sans"/>
+        <a:cs typeface="DejaVu Sans"/>
+      </a:majorFont>
+      <a:minorFont>
+        <a:latin typeface="Arial"/>
+        <a:ea typeface="DejaVu Sans"/>
+        <a:cs typeface="DejaVu Sans"/>
+      </a:minorFont>
+    </a:fontScheme>
+    <a:fmtScheme name="Office">
+      <a:fillStyleLst>
+        <a:solidFill>
+          <a:schemeClr val="phClr"/>
+        </a:solidFill>
+        <a:gradFill rotWithShape="1">
+          <a:gsLst>
+            <a:gs pos="0">
+              <a:schemeClr val="phClr">
+                <a:tint val="50000"/>
+                <a:satMod val="300000"/>
+              </a:schemeClr>
+            </a:gs>
+            <a:gs pos="35000">
+              <a:schemeClr val="phClr">
+                <a:tint val="37000"/>
+                <a:satMod val="300000"/>
+              </a:schemeClr>
+            </a:gs>
+            <a:gs pos="100000">
+              <a:schemeClr val="phClr">
+                <a:tint val="15000"/>
+                <a:satMod val="350000"/>
+              </a:schemeClr>
+            </a:gs>
+          </a:gsLst>
+          <a:lin ang="16200000" scaled="1"/>
+        </a:gradFill>
+        <a:gradFill rotWithShape="1">
+          <a:gsLst>
+            <a:gs pos="0">
+              <a:schemeClr val="phClr">
+                <a:shade val="51000"/>
+                <a:satMod val="130000"/>
+              </a:schemeClr>
+            </a:gs>
+            <a:gs pos="80000">
+              <a:schemeClr val="phClr">
+                <a:shade val="93000"/>
+                <a:satMod val="130000"/>
+              </a:schemeClr>
+            </a:gs>
+            <a:gs pos="100000">
+              <a:schemeClr val="phClr">
+                <a:shade val="94000"/>
+                <a:satMod val="135000"/>
+              </a:schemeClr>
+            </a:gs>
+          </a:gsLst>
+          <a:lin ang="16200000" scaled="0"/>
+        </a:gradFill>
+      </a:fillStyleLst>
+      <a:lnStyleLst>
+        <a:ln w="9525" cap="flat" cmpd="sng" algn="ctr">
+          <a:solidFill>
+            <a:schemeClr val="phClr">
+              <a:shade val="95000"/>
+              <a:satMod val="105000"/>
+            </a:schemeClr>
+          </a:solidFill>
+          <a:prstDash val="solid"/>
+        </a:ln>
+        <a:ln w="25400" cap="flat" cmpd="sng" algn="ctr">
+          <a:solidFill>
+            <a:schemeClr val="phClr"/>
+          </a:solidFill>
+          <a:prstDash val="solid"/>
+        </a:ln>
+        <a:ln w="38100" cap="flat" cmpd="sng" algn="ctr">
+          <a:solidFill>
+            <a:schemeClr val="phClr"/>
+          </a:solidFill>
+          <a:prstDash val="solid"/>
+        </a:ln>
+      </a:lnStyleLst>
+      <a:effectStyleLst>
+        <a:effectStyle>
+          <a:effectLst>
+            <a:outerShdw blurRad="40000" dist="20000" dir="5400000" rotWithShape="0">
+              <a:srgbClr val="000000">
+                <a:alpha val="38000"/>
+              </a:srgbClr>
+            </a:outerShdw>
+          </a:effectLst>
+        </a:effectStyle>
+        <a:effectStyle>
+          <a:effectLst>
+            <a:outerShdw blurRad="40000" dist="23000" dir="5400000" rotWithShape="0">
+              <a:srgbClr val="000000">
+                <a:alpha val="35000"/>
+              </a:srgbClr>
+            </a:outerShdw>
+          </a:effectLst>
+        </a:effectStyle>
+        <a:effectStyle>
+          <a:effectLst>
+            <a:outerShdw blurRad="40000" dist="23000" dir="5400000" rotWithShape="0">
+              <a:srgbClr val="000000">
+                <a:alpha val="35000"/>
+              </a:srgbClr>
+            </a:outerShdw>
+          </a:effectLst>
+          <a:scene3d>
+            <a:camera prst="orthographicFront">
+              <a:rot lat="0" lon="0" rev="0"/>
+            </a:camera>
+            <a:lightRig rig="threePt" dir="t">
+              <a:rot lat="0" lon="0" rev="1200000"/>
+            </a:lightRig>
+          </a:scene3d>
+          <a:sp3d>
+            <a:bevelT w="63500" h="25400"/>
+          </a:sp3d>
+        </a:effectStyle>
+      </a:effectStyleLst>
+      <a:bgFillStyleLst>
+        <a:solidFill>
+          <a:schemeClr val="phClr"/>
+        </a:solidFill>
+        <a:gradFill rotWithShape="1">
+          <a:gsLst>
+            <a:gs pos="0">
+              <a:schemeClr val="phClr">
+                <a:tint val="40000"/>
+                <a:satMod val="350000"/>
+              </a:schemeClr>
+            </a:gs>
+            <a:gs pos="40000">
+              <a:schemeClr val="phClr">
+                <a:tint val="45000"/>
+                <a:shade val="99000"/>
+                <a:satMod val="350000"/>
+              </a:schemeClr>
+            </a:gs>
+            <a:gs pos="100000">
+              <a:schemeClr val="phClr">
+                <a:shade val="20000"/>
+                <a:satMod val="255000"/>
+              </a:schemeClr>
+            </a:gs>
+          </a:gsLst>
+          <a:path path="circle">
+            <a:fillToRect l="50000" t="-80000" r="50000" b="180000"/>
+          </a:path>
+        </a:gradFill>
+        <a:gradFill rotWithShape="1">
+          <a:gsLst>
+            <a:gs pos="0">
+              <a:schemeClr val="phClr">
+                <a:tint val="80000"/>
+                <a:satMod val="300000"/>
+              </a:schemeClr>
+            </a:gs>
+            <a:gs pos="100000">
+              <a:schemeClr val="phClr">
+                <a:shade val="30000"/>
+                <a:satMod val="200000"/>
+              </a:schemeClr>
+            </a:gs>
+          </a:gsLst>
+          <a:path path="circle">
+            <a:fillToRect l="50000" t="50000" r="50000" b="50000"/>
+          </a:path>
+        </a:gradFill>
+      </a:bgFillStyleLst>
+    </a:fmtScheme>
+  </a:themeElements>
+</a:theme>
 </file>